--- a/test_presentation.pptx
+++ b/test_presentation.pptx
@@ -5,7 +5,7 @@
     <p:sldMasterId id="2147483648" r:id="rId1"/>
   </p:sldMasterIdLst>
   <p:notesMasterIdLst>
-    <p:notesMasterId r:id="rId13"/>
+    <p:notesMasterId r:id="rId17"/>
   </p:notesMasterIdLst>
   <p:sldIdLst>
     <p:sldId id="256" r:id="rId2"/>
@@ -13,12 +13,16 @@
     <p:sldId id="258" r:id="rId4"/>
     <p:sldId id="259" r:id="rId5"/>
     <p:sldId id="260" r:id="rId6"/>
-    <p:sldId id="261" r:id="rId7"/>
-    <p:sldId id="262" r:id="rId8"/>
-    <p:sldId id="263" r:id="rId9"/>
-    <p:sldId id="264" r:id="rId10"/>
-    <p:sldId id="265" r:id="rId11"/>
-    <p:sldId id="266" r:id="rId12"/>
+    <p:sldId id="268" r:id="rId7"/>
+    <p:sldId id="267" r:id="rId8"/>
+    <p:sldId id="261" r:id="rId9"/>
+    <p:sldId id="269" r:id="rId10"/>
+    <p:sldId id="262" r:id="rId11"/>
+    <p:sldId id="270" r:id="rId12"/>
+    <p:sldId id="263" r:id="rId13"/>
+    <p:sldId id="264" r:id="rId14"/>
+    <p:sldId id="265" r:id="rId15"/>
+    <p:sldId id="266" r:id="rId16"/>
   </p:sldIdLst>
   <p:sldSz cx="12192000" cy="6858000"/>
   <p:notesSz cx="6858000" cy="9144000"/>
@@ -117,18 +121,129 @@
       </a:defRPr>
     </a:lvl9pPr>
   </p:defaultTextStyle>
+  <p:extLst>
+    <p:ext uri="{EFAFB233-063F-42B5-8137-9DF3F51BA10A}">
+      <p15:sldGuideLst xmlns:p15="http://schemas.microsoft.com/office/powerpoint/2012/main"/>
+    </p:ext>
+  </p:extLst>
 </p:presentation>
+</file>
+
+<file path=ppt/revisionInfo.xml><?xml version="1.0" encoding="utf-8"?>
+<p1510:revInfo xmlns:a="http://schemas.openxmlformats.org/drawingml/2006/main" xmlns:r="http://schemas.openxmlformats.org/officeDocument/2006/relationships" xmlns:p1510="http://schemas.microsoft.com/office/powerpoint/2015/10/main">
+  <p1510:revLst>
+    <p1510:client id="{041D70CF-5F4E-4E4E-B90B-6FAACDCB4082}" v="474" dt="2025-10-07T15:56:59.819"/>
+  </p1510:revLst>
+</p1510:revInfo>
 </file>
 
 <file path=ppt/changesInfos/changesInfo1.xml><?xml version="1.0" encoding="utf-8"?>
 <pc:chgInfo xmlns:a="http://schemas.openxmlformats.org/drawingml/2006/main" xmlns:r="http://schemas.openxmlformats.org/officeDocument/2006/relationships" xmlns:ac="http://schemas.microsoft.com/office/drawing/2013/main/command" xmlns:pc="http://schemas.microsoft.com/office/powerpoint/2013/main/command">
   <pc:docChgLst>
     <pc:chgData name="PhD - Teo Hong Jie Darryl" userId="4d248269-a284-4223-a368-54cf77bc2846" providerId="ADAL" clId="{74553948-A13E-4153-A2D4-579571E5685D}"/>
-    <pc:docChg chg="custSel modSld">
-      <pc:chgData name="PhD - Teo Hong Jie Darryl" userId="4d248269-a284-4223-a368-54cf77bc2846" providerId="ADAL" clId="{74553948-A13E-4153-A2D4-579571E5685D}" dt="2025-10-07T11:57:23.144" v="105" actId="20577"/>
+    <pc:docChg chg="undo custSel addSld delSld modSld">
+      <pc:chgData name="PhD - Teo Hong Jie Darryl" userId="4d248269-a284-4223-a368-54cf77bc2846" providerId="ADAL" clId="{74553948-A13E-4153-A2D4-579571E5685D}" dt="2025-10-07T15:57:58.696" v="1331" actId="255"/>
       <pc:docMkLst>
         <pc:docMk/>
       </pc:docMkLst>
+      <pc:sldChg chg="modSp mod">
+        <pc:chgData name="PhD - Teo Hong Jie Darryl" userId="4d248269-a284-4223-a368-54cf77bc2846" providerId="ADAL" clId="{74553948-A13E-4153-A2D4-579571E5685D}" dt="2025-10-07T15:50:05.960" v="1240"/>
+        <pc:sldMkLst>
+          <pc:docMk/>
+          <pc:sldMk cId="2297413212" sldId="258"/>
+        </pc:sldMkLst>
+        <pc:spChg chg="mod">
+          <ac:chgData name="PhD - Teo Hong Jie Darryl" userId="4d248269-a284-4223-a368-54cf77bc2846" providerId="ADAL" clId="{74553948-A13E-4153-A2D4-579571E5685D}" dt="2025-10-07T15:50:05.960" v="1240"/>
+          <ac:spMkLst>
+            <pc:docMk/>
+            <pc:sldMk cId="2297413212" sldId="258"/>
+            <ac:spMk id="3" creationId="{13F5A48E-A8AE-0FA3-8F41-5B835917901D}"/>
+          </ac:spMkLst>
+        </pc:spChg>
+      </pc:sldChg>
+      <pc:sldChg chg="modSp mod">
+        <pc:chgData name="PhD - Teo Hong Jie Darryl" userId="4d248269-a284-4223-a368-54cf77bc2846" providerId="ADAL" clId="{74553948-A13E-4153-A2D4-579571E5685D}" dt="2025-10-07T12:27:22.202" v="651" actId="20577"/>
+        <pc:sldMkLst>
+          <pc:docMk/>
+          <pc:sldMk cId="983274224" sldId="259"/>
+        </pc:sldMkLst>
+        <pc:spChg chg="mod">
+          <ac:chgData name="PhD - Teo Hong Jie Darryl" userId="4d248269-a284-4223-a368-54cf77bc2846" providerId="ADAL" clId="{74553948-A13E-4153-A2D4-579571E5685D}" dt="2025-10-07T12:27:22.202" v="651" actId="20577"/>
+          <ac:spMkLst>
+            <pc:docMk/>
+            <pc:sldMk cId="983274224" sldId="259"/>
+            <ac:spMk id="3" creationId="{7E489B6A-9AEE-33BC-0C25-FCFBA743A7A6}"/>
+          </ac:spMkLst>
+        </pc:spChg>
+      </pc:sldChg>
+      <pc:sldChg chg="modSp mod">
+        <pc:chgData name="PhD - Teo Hong Jie Darryl" userId="4d248269-a284-4223-a368-54cf77bc2846" providerId="ADAL" clId="{74553948-A13E-4153-A2D4-579571E5685D}" dt="2025-10-07T15:50:05.960" v="1240"/>
+        <pc:sldMkLst>
+          <pc:docMk/>
+          <pc:sldMk cId="3581293411" sldId="260"/>
+        </pc:sldMkLst>
+        <pc:spChg chg="mod">
+          <ac:chgData name="PhD - Teo Hong Jie Darryl" userId="4d248269-a284-4223-a368-54cf77bc2846" providerId="ADAL" clId="{74553948-A13E-4153-A2D4-579571E5685D}" dt="2025-10-07T15:50:05.960" v="1240"/>
+          <ac:spMkLst>
+            <pc:docMk/>
+            <pc:sldMk cId="3581293411" sldId="260"/>
+            <ac:spMk id="3" creationId="{344759D9-40B3-910C-363D-B27EDB23826C}"/>
+          </ac:spMkLst>
+        </pc:spChg>
+      </pc:sldChg>
+      <pc:sldChg chg="addSp delSp modSp mod">
+        <pc:chgData name="PhD - Teo Hong Jie Darryl" userId="4d248269-a284-4223-a368-54cf77bc2846" providerId="ADAL" clId="{74553948-A13E-4153-A2D4-579571E5685D}" dt="2025-10-07T15:50:05.960" v="1240"/>
+        <pc:sldMkLst>
+          <pc:docMk/>
+          <pc:sldMk cId="1106750469" sldId="261"/>
+        </pc:sldMkLst>
+        <pc:spChg chg="mod">
+          <ac:chgData name="PhD - Teo Hong Jie Darryl" userId="4d248269-a284-4223-a368-54cf77bc2846" providerId="ADAL" clId="{74553948-A13E-4153-A2D4-579571E5685D}" dt="2025-10-07T15:50:05.960" v="1240"/>
+          <ac:spMkLst>
+            <pc:docMk/>
+            <pc:sldMk cId="1106750469" sldId="261"/>
+            <ac:spMk id="3" creationId="{6C692743-3EAD-7B33-C42A-90D51793D2B5}"/>
+          </ac:spMkLst>
+        </pc:spChg>
+        <pc:spChg chg="add del">
+          <ac:chgData name="PhD - Teo Hong Jie Darryl" userId="4d248269-a284-4223-a368-54cf77bc2846" providerId="ADAL" clId="{74553948-A13E-4153-A2D4-579571E5685D}" dt="2025-10-07T12:40:18.515" v="902" actId="22"/>
+          <ac:spMkLst>
+            <pc:docMk/>
+            <pc:sldMk cId="1106750469" sldId="261"/>
+            <ac:spMk id="5" creationId="{0776CDF0-23E6-FFF2-8542-D7027B47E897}"/>
+          </ac:spMkLst>
+        </pc:spChg>
+      </pc:sldChg>
+      <pc:sldChg chg="modSp mod">
+        <pc:chgData name="PhD - Teo Hong Jie Darryl" userId="4d248269-a284-4223-a368-54cf77bc2846" providerId="ADAL" clId="{74553948-A13E-4153-A2D4-579571E5685D}" dt="2025-10-07T15:50:05.960" v="1240"/>
+        <pc:sldMkLst>
+          <pc:docMk/>
+          <pc:sldMk cId="1571870719" sldId="262"/>
+        </pc:sldMkLst>
+        <pc:spChg chg="mod">
+          <ac:chgData name="PhD - Teo Hong Jie Darryl" userId="4d248269-a284-4223-a368-54cf77bc2846" providerId="ADAL" clId="{74553948-A13E-4153-A2D4-579571E5685D}" dt="2025-10-07T15:50:05.960" v="1240"/>
+          <ac:spMkLst>
+            <pc:docMk/>
+            <pc:sldMk cId="1571870719" sldId="262"/>
+            <ac:spMk id="3" creationId="{CBB31ADD-60E8-2E88-05D4-785FFD7696BA}"/>
+          </ac:spMkLst>
+        </pc:spChg>
+      </pc:sldChg>
+      <pc:sldChg chg="modSp mod">
+        <pc:chgData name="PhD - Teo Hong Jie Darryl" userId="4d248269-a284-4223-a368-54cf77bc2846" providerId="ADAL" clId="{74553948-A13E-4153-A2D4-579571E5685D}" dt="2025-10-07T15:57:58.696" v="1331" actId="255"/>
+        <pc:sldMkLst>
+          <pc:docMk/>
+          <pc:sldMk cId="1576875330" sldId="263"/>
+        </pc:sldMkLst>
+        <pc:spChg chg="mod">
+          <ac:chgData name="PhD - Teo Hong Jie Darryl" userId="4d248269-a284-4223-a368-54cf77bc2846" providerId="ADAL" clId="{74553948-A13E-4153-A2D4-579571E5685D}" dt="2025-10-07T15:57:58.696" v="1331" actId="255"/>
+          <ac:spMkLst>
+            <pc:docMk/>
+            <pc:sldMk cId="1576875330" sldId="263"/>
+            <ac:spMk id="3" creationId="{74C08170-7F9D-8E42-368F-78418917AEFD}"/>
+          </ac:spMkLst>
+        </pc:spChg>
+      </pc:sldChg>
       <pc:sldChg chg="modSp mod">
         <pc:chgData name="PhD - Teo Hong Jie Darryl" userId="4d248269-a284-4223-a368-54cf77bc2846" providerId="ADAL" clId="{74553948-A13E-4153-A2D4-579571E5685D}" dt="2025-10-07T11:57:23.144" v="105" actId="20577"/>
         <pc:sldMkLst>
@@ -143,6 +258,153 @@
             <ac:spMk id="3" creationId="{2356CDED-AF10-F4DE-B621-F841531B575C}"/>
           </ac:spMkLst>
         </pc:spChg>
+      </pc:sldChg>
+      <pc:sldChg chg="modSp add mod">
+        <pc:chgData name="PhD - Teo Hong Jie Darryl" userId="4d248269-a284-4223-a368-54cf77bc2846" providerId="ADAL" clId="{74553948-A13E-4153-A2D4-579571E5685D}" dt="2025-10-07T12:25:40.125" v="618" actId="1076"/>
+        <pc:sldMkLst>
+          <pc:docMk/>
+          <pc:sldMk cId="1870322208" sldId="267"/>
+        </pc:sldMkLst>
+        <pc:spChg chg="mod">
+          <ac:chgData name="PhD - Teo Hong Jie Darryl" userId="4d248269-a284-4223-a368-54cf77bc2846" providerId="ADAL" clId="{74553948-A13E-4153-A2D4-579571E5685D}" dt="2025-10-07T12:21:33.223" v="546" actId="20577"/>
+          <ac:spMkLst>
+            <pc:docMk/>
+            <pc:sldMk cId="1870322208" sldId="267"/>
+            <ac:spMk id="2" creationId="{9685E650-B841-F059-A0EE-5C55EE2F2834}"/>
+          </ac:spMkLst>
+        </pc:spChg>
+        <pc:spChg chg="mod">
+          <ac:chgData name="PhD - Teo Hong Jie Darryl" userId="4d248269-a284-4223-a368-54cf77bc2846" providerId="ADAL" clId="{74553948-A13E-4153-A2D4-579571E5685D}" dt="2025-10-07T12:25:40.125" v="618" actId="1076"/>
+          <ac:spMkLst>
+            <pc:docMk/>
+            <pc:sldMk cId="1870322208" sldId="267"/>
+            <ac:spMk id="3" creationId="{D51452F6-3D9D-C5CA-F1B2-85CC003BA303}"/>
+          </ac:spMkLst>
+        </pc:spChg>
+      </pc:sldChg>
+      <pc:sldChg chg="addSp delSp modSp new mod setBg">
+        <pc:chgData name="PhD - Teo Hong Jie Darryl" userId="4d248269-a284-4223-a368-54cf77bc2846" providerId="ADAL" clId="{74553948-A13E-4153-A2D4-579571E5685D}" dt="2025-10-07T12:25:26.509" v="617" actId="26606"/>
+        <pc:sldMkLst>
+          <pc:docMk/>
+          <pc:sldMk cId="2576153535" sldId="268"/>
+        </pc:sldMkLst>
+        <pc:spChg chg="mod">
+          <ac:chgData name="PhD - Teo Hong Jie Darryl" userId="4d248269-a284-4223-a368-54cf77bc2846" providerId="ADAL" clId="{74553948-A13E-4153-A2D4-579571E5685D}" dt="2025-10-07T12:25:26.509" v="617" actId="26606"/>
+          <ac:spMkLst>
+            <pc:docMk/>
+            <pc:sldMk cId="2576153535" sldId="268"/>
+            <ac:spMk id="2" creationId="{3F0D960A-C4AD-AA80-1D64-27743C6401CA}"/>
+          </ac:spMkLst>
+        </pc:spChg>
+        <pc:spChg chg="del">
+          <ac:chgData name="PhD - Teo Hong Jie Darryl" userId="4d248269-a284-4223-a368-54cf77bc2846" providerId="ADAL" clId="{74553948-A13E-4153-A2D4-579571E5685D}" dt="2025-10-07T12:22:44.457" v="574" actId="22"/>
+          <ac:spMkLst>
+            <pc:docMk/>
+            <pc:sldMk cId="2576153535" sldId="268"/>
+            <ac:spMk id="3" creationId="{EB85A26C-5761-64DF-3C21-004167E10888}"/>
+          </ac:spMkLst>
+        </pc:spChg>
+        <pc:spChg chg="add del">
+          <ac:chgData name="PhD - Teo Hong Jie Darryl" userId="4d248269-a284-4223-a368-54cf77bc2846" providerId="ADAL" clId="{74553948-A13E-4153-A2D4-579571E5685D}" dt="2025-10-07T12:25:26.509" v="617" actId="26606"/>
+          <ac:spMkLst>
+            <pc:docMk/>
+            <pc:sldMk cId="2576153535" sldId="268"/>
+            <ac:spMk id="16" creationId="{A4D94D20-0EF1-4E8B-A0E1-117A9E413A5C}"/>
+          </ac:spMkLst>
+        </pc:spChg>
+        <pc:spChg chg="add del">
+          <ac:chgData name="PhD - Teo Hong Jie Darryl" userId="4d248269-a284-4223-a368-54cf77bc2846" providerId="ADAL" clId="{74553948-A13E-4153-A2D4-579571E5685D}" dt="2025-10-07T12:25:26.509" v="617" actId="26606"/>
+          <ac:spMkLst>
+            <pc:docMk/>
+            <pc:sldMk cId="2576153535" sldId="268"/>
+            <ac:spMk id="18" creationId="{158B3569-73B2-4D05-8E95-886A6EE17F1F}"/>
+          </ac:spMkLst>
+        </pc:spChg>
+        <pc:grpChg chg="add del">
+          <ac:chgData name="PhD - Teo Hong Jie Darryl" userId="4d248269-a284-4223-a368-54cf77bc2846" providerId="ADAL" clId="{74553948-A13E-4153-A2D4-579571E5685D}" dt="2025-10-07T12:25:26.509" v="617" actId="26606"/>
+          <ac:grpSpMkLst>
+            <pc:docMk/>
+            <pc:sldMk cId="2576153535" sldId="268"/>
+            <ac:grpSpMk id="22" creationId="{78B3681E-1C1D-4D0E-A1DE-AE2E3D03C2CD}"/>
+          </ac:grpSpMkLst>
+        </pc:grpChg>
+        <pc:picChg chg="add mod ord">
+          <ac:chgData name="PhD - Teo Hong Jie Darryl" userId="4d248269-a284-4223-a368-54cf77bc2846" providerId="ADAL" clId="{74553948-A13E-4153-A2D4-579571E5685D}" dt="2025-10-07T12:25:26.509" v="617" actId="26606"/>
+          <ac:picMkLst>
+            <pc:docMk/>
+            <pc:sldMk cId="2576153535" sldId="268"/>
+            <ac:picMk id="5" creationId="{3154EBA5-6C1D-5E90-884A-9B45EFC3B73D}"/>
+          </ac:picMkLst>
+        </pc:picChg>
+        <pc:picChg chg="add mod">
+          <ac:chgData name="PhD - Teo Hong Jie Darryl" userId="4d248269-a284-4223-a368-54cf77bc2846" providerId="ADAL" clId="{74553948-A13E-4153-A2D4-579571E5685D}" dt="2025-10-07T12:25:26.509" v="617" actId="26606"/>
+          <ac:picMkLst>
+            <pc:docMk/>
+            <pc:sldMk cId="2576153535" sldId="268"/>
+            <ac:picMk id="7" creationId="{40868573-EA9E-B94C-46C3-27F546F03AF0}"/>
+          </ac:picMkLst>
+        </pc:picChg>
+        <pc:picChg chg="add del">
+          <ac:chgData name="PhD - Teo Hong Jie Darryl" userId="4d248269-a284-4223-a368-54cf77bc2846" providerId="ADAL" clId="{74553948-A13E-4153-A2D4-579571E5685D}" dt="2025-10-07T12:23:27.126" v="592" actId="22"/>
+          <ac:picMkLst>
+            <pc:docMk/>
+            <pc:sldMk cId="2576153535" sldId="268"/>
+            <ac:picMk id="9" creationId="{42038E21-8331-F21C-B621-E4B0ABAD1CCA}"/>
+          </ac:picMkLst>
+        </pc:picChg>
+        <pc:picChg chg="add mod ord">
+          <ac:chgData name="PhD - Teo Hong Jie Darryl" userId="4d248269-a284-4223-a368-54cf77bc2846" providerId="ADAL" clId="{74553948-A13E-4153-A2D4-579571E5685D}" dt="2025-10-07T12:25:26.509" v="617" actId="26606"/>
+          <ac:picMkLst>
+            <pc:docMk/>
+            <pc:sldMk cId="2576153535" sldId="268"/>
+            <ac:picMk id="11" creationId="{67343A18-0E24-C06F-9BF7-AD03A9A5D36E}"/>
+          </ac:picMkLst>
+        </pc:picChg>
+        <pc:cxnChg chg="add del">
+          <ac:chgData name="PhD - Teo Hong Jie Darryl" userId="4d248269-a284-4223-a368-54cf77bc2846" providerId="ADAL" clId="{74553948-A13E-4153-A2D4-579571E5685D}" dt="2025-10-07T12:25:26.509" v="617" actId="26606"/>
+          <ac:cxnSpMkLst>
+            <pc:docMk/>
+            <pc:sldMk cId="2576153535" sldId="268"/>
+            <ac:cxnSpMk id="20" creationId="{56020367-4FD5-4596-8E10-C5F095CD8DBF}"/>
+          </ac:cxnSpMkLst>
+        </pc:cxnChg>
+      </pc:sldChg>
+      <pc:sldChg chg="modSp add mod">
+        <pc:chgData name="PhD - Teo Hong Jie Darryl" userId="4d248269-a284-4223-a368-54cf77bc2846" providerId="ADAL" clId="{74553948-A13E-4153-A2D4-579571E5685D}" dt="2025-10-07T12:46:33.292" v="949" actId="15"/>
+        <pc:sldMkLst>
+          <pc:docMk/>
+          <pc:sldMk cId="193619896" sldId="269"/>
+        </pc:sldMkLst>
+        <pc:spChg chg="mod">
+          <ac:chgData name="PhD - Teo Hong Jie Darryl" userId="4d248269-a284-4223-a368-54cf77bc2846" providerId="ADAL" clId="{74553948-A13E-4153-A2D4-579571E5685D}" dt="2025-10-07T12:46:33.292" v="949" actId="15"/>
+          <ac:spMkLst>
+            <pc:docMk/>
+            <pc:sldMk cId="193619896" sldId="269"/>
+            <ac:spMk id="3" creationId="{132821E9-466B-7834-1E8D-0C89DBC56120}"/>
+          </ac:spMkLst>
+        </pc:spChg>
+      </pc:sldChg>
+      <pc:sldChg chg="modSp add mod">
+        <pc:chgData name="PhD - Teo Hong Jie Darryl" userId="4d248269-a284-4223-a368-54cf77bc2846" providerId="ADAL" clId="{74553948-A13E-4153-A2D4-579571E5685D}" dt="2025-10-07T14:30:21.060" v="1233" actId="1076"/>
+        <pc:sldMkLst>
+          <pc:docMk/>
+          <pc:sldMk cId="406569560" sldId="270"/>
+        </pc:sldMkLst>
+        <pc:spChg chg="mod">
+          <ac:chgData name="PhD - Teo Hong Jie Darryl" userId="4d248269-a284-4223-a368-54cf77bc2846" providerId="ADAL" clId="{74553948-A13E-4153-A2D4-579571E5685D}" dt="2025-10-07T14:30:21.060" v="1233" actId="1076"/>
+          <ac:spMkLst>
+            <pc:docMk/>
+            <pc:sldMk cId="406569560" sldId="270"/>
+            <ac:spMk id="3" creationId="{5B133C0B-CA46-AC42-A2FE-17BB7478DF4C}"/>
+          </ac:spMkLst>
+        </pc:spChg>
+      </pc:sldChg>
+      <pc:sldChg chg="add del">
+        <pc:chgData name="PhD - Teo Hong Jie Darryl" userId="4d248269-a284-4223-a368-54cf77bc2846" providerId="ADAL" clId="{74553948-A13E-4153-A2D4-579571E5685D}" dt="2025-10-07T15:54:49.673" v="1250" actId="47"/>
+        <pc:sldMkLst>
+          <pc:docMk/>
+          <pc:sldMk cId="2481923327" sldId="271"/>
+        </pc:sldMkLst>
       </pc:sldChg>
     </pc:docChg>
   </pc:docChgLst>
@@ -3827,6 +4089,2499 @@
         <p:cNvPr id="1" name="">
           <a:extLst>
             <a:ext uri="{FF2B5EF4-FFF2-40B4-BE49-F238E27FC236}">
+              <a16:creationId xmlns:a16="http://schemas.microsoft.com/office/drawing/2014/main" id="{F9CDB498-E029-449F-70AF-9F260131FFBF}"/>
+            </a:ext>
+          </a:extLst>
+        </p:cNvPr>
+        <p:cNvGrpSpPr/>
+        <p:nvPr/>
+      </p:nvGrpSpPr>
+      <p:grpSpPr>
+        <a:xfrm>
+          <a:off x="0" y="0"/>
+          <a:ext cx="0" cy="0"/>
+          <a:chOff x="0" y="0"/>
+          <a:chExt cx="0" cy="0"/>
+        </a:xfrm>
+      </p:grpSpPr>
+      <p:sp>
+        <p:nvSpPr>
+          <p:cNvPr id="2" name="Title 1">
+            <a:extLst>
+              <a:ext uri="{FF2B5EF4-FFF2-40B4-BE49-F238E27FC236}">
+                <a16:creationId xmlns:a16="http://schemas.microsoft.com/office/drawing/2014/main" id="{FA801C68-EAA4-5F9C-45DD-6B86C849C218}"/>
+              </a:ext>
+            </a:extLst>
+          </p:cNvPr>
+          <p:cNvSpPr>
+            <a:spLocks noGrp="1"/>
+          </p:cNvSpPr>
+          <p:nvPr>
+            <p:ph type="title"/>
+          </p:nvPr>
+        </p:nvSpPr>
+        <p:spPr/>
+        <p:txBody>
+          <a:bodyPr/>
+          <a:lstStyle/>
+          <a:p>
+            <a:r>
+              <a:rPr lang="en-US" dirty="0"/>
+              <a:t>Mathematical Model (a)</a:t>
+            </a:r>
+          </a:p>
+        </p:txBody>
+      </p:sp>
+      <mc:AlternateContent xmlns:mc="http://schemas.openxmlformats.org/markup-compatibility/2006">
+        <mc:Choice xmlns:a14="http://schemas.microsoft.com/office/drawing/2010/main" Requires="a14">
+          <p:sp>
+            <p:nvSpPr>
+              <p:cNvPr id="3" name="Content Placeholder 2">
+                <a:extLst>
+                  <a:ext uri="{FF2B5EF4-FFF2-40B4-BE49-F238E27FC236}">
+                    <a16:creationId xmlns:a16="http://schemas.microsoft.com/office/drawing/2014/main" id="{CBB31ADD-60E8-2E88-05D4-785FFD7696BA}"/>
+                  </a:ext>
+                </a:extLst>
+              </p:cNvPr>
+              <p:cNvSpPr>
+                <a:spLocks noGrp="1"/>
+              </p:cNvSpPr>
+              <p:nvPr>
+                <p:ph idx="1"/>
+              </p:nvPr>
+            </p:nvSpPr>
+            <p:spPr>
+              <a:xfrm>
+                <a:off x="581332" y="1690688"/>
+                <a:ext cx="11029335" cy="4351338"/>
+              </a:xfrm>
+            </p:spPr>
+            <p:txBody>
+              <a:bodyPr>
+                <a:normAutofit fontScale="92500" lnSpcReduction="20000"/>
+              </a:bodyPr>
+              <a:lstStyle/>
+              <a:p>
+                <a:pPr marL="0" indent="0">
+                  <a:buNone/>
+                </a:pPr>
+                <a:r>
+                  <a:rPr lang="en-US" sz="3000" dirty="0"/>
+                  <a:t>Problem statement: </a:t>
+                </a:r>
+              </a:p>
+              <a:p>
+                <a:r>
+                  <a:rPr lang="en-US" sz="2400" dirty="0"/>
+                  <a:t>Minimize total number of tutors assigned while maximizing tutor’s preference on tuition </a:t>
+                </a:r>
+                <a:r>
+                  <a:rPr lang="en-US" sz="2400" dirty="0" err="1"/>
+                  <a:t>centre</a:t>
+                </a:r>
+                <a:r>
+                  <a:rPr lang="en-US" sz="2400" dirty="0"/>
+                  <a:t>.</a:t>
+                </a:r>
+              </a:p>
+              <a:p>
+                <a:pPr marL="0" lvl="0" indent="0">
+                  <a:buNone/>
+                </a:pPr>
+                <a:r>
+                  <a:rPr lang="en-US" sz="3000" dirty="0"/>
+                  <a:t>Objectives</a:t>
+                </a:r>
+                <a:r>
+                  <a:rPr lang="en-US" sz="2400" dirty="0"/>
+                  <a:t>: </a:t>
+                </a:r>
+              </a:p>
+              <a:p>
+                <a:r>
+                  <a:rPr lang="en-US" sz="2400" dirty="0"/>
+                  <a:t>Minimize total number of tutors assigned to at least one new student or existing student:</a:t>
+                </a:r>
+              </a:p>
+              <a:p>
+                <a:pPr marL="0" lvl="0" indent="0">
+                  <a:buNone/>
+                </a:pPr>
+                <a14:m>
+                  <m:oMathPara xmlns:m="http://schemas.openxmlformats.org/officeDocument/2006/math">
+                    <m:oMathParaPr>
+                      <m:jc m:val="center"/>
+                    </m:oMathParaPr>
+                    <m:oMath xmlns:m="http://schemas.openxmlformats.org/officeDocument/2006/math">
+                      <m:r>
+                        <m:rPr>
+                          <m:sty m:val="p"/>
+                        </m:rPr>
+                        <a:rPr lang="en-US" sz="2400">
+                          <a:latin typeface="Cambria Math" panose="02040503050406030204" pitchFamily="18" charset="0"/>
+                        </a:rPr>
+                        <m:t>min</m:t>
+                      </m:r>
+                      <m:nary>
+                        <m:naryPr>
+                          <m:chr m:val="∑"/>
+                          <m:limLoc m:val="undOvr"/>
+                          <m:ctrlPr>
+                            <a:rPr lang="ar-AE" sz="2400" i="1">
+                              <a:latin typeface="Cambria Math" panose="02040503050406030204" pitchFamily="18" charset="0"/>
+                            </a:rPr>
+                          </m:ctrlPr>
+                        </m:naryPr>
+                        <m:sub>
+                          <m:r>
+                            <a:rPr lang="ar-AE" sz="2400">
+                              <a:latin typeface="Cambria Math" panose="02040503050406030204" pitchFamily="18" charset="0"/>
+                            </a:rPr>
+                            <m:t>𝑡</m:t>
+                          </m:r>
+                          <m:r>
+                            <a:rPr lang="ar-AE" sz="2400">
+                              <a:latin typeface="Cambria Math" panose="02040503050406030204" pitchFamily="18" charset="0"/>
+                            </a:rPr>
+                            <m:t>∈</m:t>
+                          </m:r>
+                          <m:r>
+                            <a:rPr lang="ar-AE" sz="2400">
+                              <a:latin typeface="Cambria Math" panose="02040503050406030204" pitchFamily="18" charset="0"/>
+                            </a:rPr>
+                            <m:t>𝑇</m:t>
+                          </m:r>
+                        </m:sub>
+                        <m:sup>
+                          <m:r>
+                            <a:rPr lang="ar-AE" sz="2400">
+                              <a:latin typeface="Cambria Math" panose="02040503050406030204" pitchFamily="18" charset="0"/>
+                            </a:rPr>
+                            <m:t>​</m:t>
+                          </m:r>
+                        </m:sup>
+                        <m:e>
+                          <m:sSub>
+                            <m:sSubPr>
+                              <m:ctrlPr>
+                                <a:rPr lang="ar-AE" sz="2400" i="1">
+                                  <a:latin typeface="Cambria Math" panose="02040503050406030204" pitchFamily="18" charset="0"/>
+                                </a:rPr>
+                              </m:ctrlPr>
+                            </m:sSubPr>
+                            <m:e>
+                              <m:r>
+                                <a:rPr lang="ar-AE" sz="2400">
+                                  <a:latin typeface="Cambria Math" panose="02040503050406030204" pitchFamily="18" charset="0"/>
+                                </a:rPr>
+                                <m:t>𝑧</m:t>
+                              </m:r>
+                            </m:e>
+                            <m:sub>
+                              <m:r>
+                                <a:rPr lang="ar-AE" sz="2400">
+                                  <a:latin typeface="Cambria Math" panose="02040503050406030204" pitchFamily="18" charset="0"/>
+                                </a:rPr>
+                                <m:t>𝑡</m:t>
+                              </m:r>
+                            </m:sub>
+                          </m:sSub>
+                        </m:e>
+                      </m:nary>
+                      <m:r>
+                        <a:rPr lang="ar-AE" sz="2400">
+                          <a:latin typeface="Cambria Math" panose="02040503050406030204" pitchFamily="18" charset="0"/>
+                        </a:rPr>
+                        <m:t>,</m:t>
+                      </m:r>
+                    </m:oMath>
+                  </m:oMathPara>
+                </a14:m>
+                <a:endParaRPr lang="ar-AE" sz="2400" dirty="0"/>
+              </a:p>
+              <a:p>
+                <a:pPr marL="0" lvl="0" indent="0">
+                  <a:buNone/>
+                </a:pPr>
+                <a:r>
+                  <a:rPr lang="en-US" sz="2400" dirty="0"/>
+                  <a:t>   where </a:t>
+                </a:r>
+                <a14:m>
+                  <m:oMath xmlns:m="http://schemas.openxmlformats.org/officeDocument/2006/math">
+                    <m:sSub>
+                      <m:sSubPr>
+                        <m:ctrlPr>
+                          <a:rPr lang="ar-AE" sz="2400" i="1">
+                            <a:latin typeface="Cambria Math" panose="02040503050406030204" pitchFamily="18" charset="0"/>
+                          </a:rPr>
+                        </m:ctrlPr>
+                      </m:sSubPr>
+                      <m:e>
+                        <m:r>
+                          <a:rPr lang="ar-AE" sz="2400">
+                            <a:latin typeface="Cambria Math" panose="02040503050406030204" pitchFamily="18" charset="0"/>
+                          </a:rPr>
+                          <m:t>𝑧</m:t>
+                        </m:r>
+                      </m:e>
+                      <m:sub>
+                        <m:r>
+                          <a:rPr lang="ar-AE" sz="2400">
+                            <a:latin typeface="Cambria Math" panose="02040503050406030204" pitchFamily="18" charset="0"/>
+                          </a:rPr>
+                          <m:t>𝑡</m:t>
+                        </m:r>
+                      </m:sub>
+                    </m:sSub>
+                  </m:oMath>
+                </a14:m>
+                <a:r>
+                  <a:rPr lang="ar-AE" sz="2400" dirty="0"/>
+                  <a:t> </a:t>
+                </a:r>
+                <a:r>
+                  <a:rPr lang="en-US" sz="2400" dirty="0"/>
+                  <a:t>is a binary variable that is 1 if tutor </a:t>
+                </a:r>
+                <a14:m>
+                  <m:oMath xmlns:m="http://schemas.openxmlformats.org/officeDocument/2006/math">
+                    <m:r>
+                      <a:rPr lang="en-US" sz="2400">
+                        <a:latin typeface="Cambria Math" panose="02040503050406030204" pitchFamily="18" charset="0"/>
+                      </a:rPr>
+                      <m:t>𝑡</m:t>
+                    </m:r>
+                  </m:oMath>
+                </a14:m>
+                <a:r>
+                  <a:rPr lang="en-US" sz="2400" dirty="0"/>
+                  <a:t> is assigned to at least one new student or</a:t>
+                </a:r>
+                <a:br>
+                  <a:rPr lang="en-US" sz="2400" dirty="0"/>
+                </a:br>
+                <a:r>
+                  <a:rPr lang="en-US" sz="2400" dirty="0"/>
+                  <a:t>   existing student, and 0 otherwise.</a:t>
+                </a:r>
+              </a:p>
+              <a:p>
+                <a:r>
+                  <a:rPr lang="en-US" sz="2400" dirty="0"/>
+                  <a:t>Maximize tutor’s preference on tuition </a:t>
+                </a:r>
+                <a:r>
+                  <a:rPr lang="en-US" sz="2400" dirty="0" err="1"/>
+                  <a:t>centre</a:t>
+                </a:r>
+                <a:r>
+                  <a:rPr lang="en-US" sz="2400" dirty="0"/>
+                  <a:t> (for new students):</a:t>
+                </a:r>
+              </a:p>
+              <a:p>
+                <a:pPr marL="0" lvl="0" indent="0">
+                  <a:buNone/>
+                </a:pPr>
+                <a14:m>
+                  <m:oMathPara xmlns:m="http://schemas.openxmlformats.org/officeDocument/2006/math">
+                    <m:oMathParaPr>
+                      <m:jc m:val="center"/>
+                    </m:oMathParaPr>
+                    <m:oMath xmlns:m="http://schemas.openxmlformats.org/officeDocument/2006/math">
+                      <m:r>
+                        <m:rPr>
+                          <m:sty m:val="p"/>
+                        </m:rPr>
+                        <a:rPr lang="en-US" sz="2400">
+                          <a:latin typeface="Cambria Math" panose="02040503050406030204" pitchFamily="18" charset="0"/>
+                        </a:rPr>
+                        <m:t>max</m:t>
+                      </m:r>
+                      <m:nary>
+                        <m:naryPr>
+                          <m:chr m:val="∑"/>
+                          <m:limLoc m:val="undOvr"/>
+                          <m:ctrlPr>
+                            <a:rPr lang="ar-AE" sz="2400" i="1">
+                              <a:latin typeface="Cambria Math" panose="02040503050406030204" pitchFamily="18" charset="0"/>
+                            </a:rPr>
+                          </m:ctrlPr>
+                        </m:naryPr>
+                        <m:sub>
+                          <m:r>
+                            <a:rPr lang="ar-AE" sz="2400">
+                              <a:latin typeface="Cambria Math" panose="02040503050406030204" pitchFamily="18" charset="0"/>
+                            </a:rPr>
+                            <m:t>𝑡</m:t>
+                          </m:r>
+                          <m:r>
+                            <a:rPr lang="ar-AE" sz="2400">
+                              <a:latin typeface="Cambria Math" panose="02040503050406030204" pitchFamily="18" charset="0"/>
+                            </a:rPr>
+                            <m:t>∈</m:t>
+                          </m:r>
+                          <m:r>
+                            <a:rPr lang="ar-AE" sz="2400">
+                              <a:latin typeface="Cambria Math" panose="02040503050406030204" pitchFamily="18" charset="0"/>
+                            </a:rPr>
+                            <m:t>𝑇</m:t>
+                          </m:r>
+                        </m:sub>
+                        <m:sup>
+                          <m:r>
+                            <a:rPr lang="ar-AE" sz="2400">
+                              <a:latin typeface="Cambria Math" panose="02040503050406030204" pitchFamily="18" charset="0"/>
+                            </a:rPr>
+                            <m:t>​</m:t>
+                          </m:r>
+                        </m:sup>
+                        <m:e>
+                          <m:nary>
+                            <m:naryPr>
+                              <m:chr m:val="∑"/>
+                              <m:limLoc m:val="undOvr"/>
+                              <m:ctrlPr>
+                                <a:rPr lang="ar-AE" sz="2400" i="1">
+                                  <a:latin typeface="Cambria Math" panose="02040503050406030204" pitchFamily="18" charset="0"/>
+                                </a:rPr>
+                              </m:ctrlPr>
+                            </m:naryPr>
+                            <m:sub>
+                              <m:r>
+                                <a:rPr lang="ar-AE" sz="2400">
+                                  <a:latin typeface="Cambria Math" panose="02040503050406030204" pitchFamily="18" charset="0"/>
+                                </a:rPr>
+                                <m:t>𝑛</m:t>
+                              </m:r>
+                              <m:r>
+                                <a:rPr lang="ar-AE" sz="2400">
+                                  <a:latin typeface="Cambria Math" panose="02040503050406030204" pitchFamily="18" charset="0"/>
+                                </a:rPr>
+                                <m:t>∈</m:t>
+                              </m:r>
+                              <m:r>
+                                <a:rPr lang="ar-AE" sz="2400">
+                                  <a:latin typeface="Cambria Math" panose="02040503050406030204" pitchFamily="18" charset="0"/>
+                                </a:rPr>
+                                <m:t>𝑁</m:t>
+                              </m:r>
+                            </m:sub>
+                            <m:sup>
+                              <m:r>
+                                <a:rPr lang="ar-AE" sz="2400">
+                                  <a:latin typeface="Cambria Math" panose="02040503050406030204" pitchFamily="18" charset="0"/>
+                                </a:rPr>
+                                <m:t>​</m:t>
+                              </m:r>
+                            </m:sup>
+                            <m:e>
+                              <m:sSub>
+                                <m:sSubPr>
+                                  <m:ctrlPr>
+                                    <a:rPr lang="ar-AE" sz="2400" i="1">
+                                      <a:latin typeface="Cambria Math" panose="02040503050406030204" pitchFamily="18" charset="0"/>
+                                    </a:rPr>
+                                  </m:ctrlPr>
+                                </m:sSubPr>
+                                <m:e>
+                                  <m:r>
+                                    <a:rPr lang="ar-AE" sz="2400">
+                                      <a:latin typeface="Cambria Math" panose="02040503050406030204" pitchFamily="18" charset="0"/>
+                                    </a:rPr>
+                                    <m:t>𝑐</m:t>
+                                  </m:r>
+                                </m:e>
+                                <m:sub>
+                                  <m:r>
+                                    <a:rPr lang="ar-AE" sz="2400">
+                                      <a:latin typeface="Cambria Math" panose="02040503050406030204" pitchFamily="18" charset="0"/>
+                                    </a:rPr>
+                                    <m:t>𝑡𝑛</m:t>
+                                  </m:r>
+                                </m:sub>
+                              </m:sSub>
+                            </m:e>
+                          </m:nary>
+                        </m:e>
+                      </m:nary>
+                      <m:sSub>
+                        <m:sSubPr>
+                          <m:ctrlPr>
+                            <a:rPr lang="ar-AE" sz="2400" i="1">
+                              <a:latin typeface="Cambria Math" panose="02040503050406030204" pitchFamily="18" charset="0"/>
+                            </a:rPr>
+                          </m:ctrlPr>
+                        </m:sSubPr>
+                        <m:e>
+                          <m:r>
+                            <a:rPr lang="ar-AE" sz="2400">
+                              <a:latin typeface="Cambria Math" panose="02040503050406030204" pitchFamily="18" charset="0"/>
+                            </a:rPr>
+                            <m:t>𝑥</m:t>
+                          </m:r>
+                        </m:e>
+                        <m:sub>
+                          <m:r>
+                            <a:rPr lang="ar-AE" sz="2400">
+                              <a:latin typeface="Cambria Math" panose="02040503050406030204" pitchFamily="18" charset="0"/>
+                            </a:rPr>
+                            <m:t>𝑡𝑛</m:t>
+                          </m:r>
+                        </m:sub>
+                      </m:sSub>
+                      <m:r>
+                        <a:rPr lang="ar-AE" sz="2400">
+                          <a:latin typeface="Cambria Math" panose="02040503050406030204" pitchFamily="18" charset="0"/>
+                        </a:rPr>
+                        <m:t>.</m:t>
+                      </m:r>
+                    </m:oMath>
+                  </m:oMathPara>
+                </a14:m>
+                <a:endParaRPr lang="en-US" sz="2400" dirty="0"/>
+              </a:p>
+              <a:p>
+                <a:endParaRPr lang="en-US" sz="2400" dirty="0"/>
+              </a:p>
+            </p:txBody>
+          </p:sp>
+        </mc:Choice>
+        <mc:Fallback>
+          <p:sp>
+            <p:nvSpPr>
+              <p:cNvPr id="3" name="Content Placeholder 2">
+                <a:extLst>
+                  <a:ext uri="{FF2B5EF4-FFF2-40B4-BE49-F238E27FC236}">
+                    <a16:creationId xmlns:a16="http://schemas.microsoft.com/office/drawing/2014/main" id="{CBB31ADD-60E8-2E88-05D4-785FFD7696BA}"/>
+                  </a:ext>
+                </a:extLst>
+              </p:cNvPr>
+              <p:cNvSpPr>
+                <a:spLocks noGrp="1" noRot="1" noChangeAspect="1" noMove="1" noResize="1" noEditPoints="1" noAdjustHandles="1" noChangeArrowheads="1" noChangeShapeType="1" noTextEdit="1"/>
+              </p:cNvSpPr>
+              <p:nvPr>
+                <p:ph idx="1"/>
+              </p:nvPr>
+            </p:nvSpPr>
+            <p:spPr>
+              <a:xfrm>
+                <a:off x="581332" y="1690688"/>
+                <a:ext cx="11029335" cy="4351338"/>
+              </a:xfrm>
+              <a:blipFill>
+                <a:blip r:embed="rId2"/>
+                <a:stretch>
+                  <a:fillRect l="-1105" t="-3782" r="-166"/>
+                </a:stretch>
+              </a:blipFill>
+            </p:spPr>
+            <p:txBody>
+              <a:bodyPr/>
+              <a:lstStyle/>
+              <a:p>
+                <a:r>
+                  <a:rPr lang="en-US">
+                    <a:noFill/>
+                  </a:rPr>
+                  <a:t> </a:t>
+                </a:r>
+              </a:p>
+            </p:txBody>
+          </p:sp>
+        </mc:Fallback>
+      </mc:AlternateContent>
+    </p:spTree>
+    <p:extLst>
+      <p:ext uri="{BB962C8B-B14F-4D97-AF65-F5344CB8AC3E}">
+        <p14:creationId xmlns:p14="http://schemas.microsoft.com/office/powerpoint/2010/main" val="1571870719"/>
+      </p:ext>
+    </p:extLst>
+  </p:cSld>
+  <p:clrMapOvr>
+    <a:masterClrMapping/>
+  </p:clrMapOvr>
+</p:sld>
+</file>
+
+<file path=ppt/slides/slide11.xml><?xml version="1.0" encoding="utf-8"?>
+<p:sld xmlns:a="http://schemas.openxmlformats.org/drawingml/2006/main" xmlns:r="http://schemas.openxmlformats.org/officeDocument/2006/relationships" xmlns:p="http://schemas.openxmlformats.org/presentationml/2006/main">
+  <p:cSld>
+    <p:spTree>
+      <p:nvGrpSpPr>
+        <p:cNvPr id="1" name="">
+          <a:extLst>
+            <a:ext uri="{FF2B5EF4-FFF2-40B4-BE49-F238E27FC236}">
+              <a16:creationId xmlns:a16="http://schemas.microsoft.com/office/drawing/2014/main" id="{DB599496-04C6-64E7-2AB8-D9118C3210C4}"/>
+            </a:ext>
+          </a:extLst>
+        </p:cNvPr>
+        <p:cNvGrpSpPr/>
+        <p:nvPr/>
+      </p:nvGrpSpPr>
+      <p:grpSpPr>
+        <a:xfrm>
+          <a:off x="0" y="0"/>
+          <a:ext cx="0" cy="0"/>
+          <a:chOff x="0" y="0"/>
+          <a:chExt cx="0" cy="0"/>
+        </a:xfrm>
+      </p:grpSpPr>
+      <p:sp>
+        <p:nvSpPr>
+          <p:cNvPr id="2" name="Title 1">
+            <a:extLst>
+              <a:ext uri="{FF2B5EF4-FFF2-40B4-BE49-F238E27FC236}">
+                <a16:creationId xmlns:a16="http://schemas.microsoft.com/office/drawing/2014/main" id="{582E1204-9F6C-037B-FB18-2E4EA54921A5}"/>
+              </a:ext>
+            </a:extLst>
+          </p:cNvPr>
+          <p:cNvSpPr>
+            <a:spLocks noGrp="1"/>
+          </p:cNvSpPr>
+          <p:nvPr>
+            <p:ph type="title"/>
+          </p:nvPr>
+        </p:nvSpPr>
+        <p:spPr/>
+        <p:txBody>
+          <a:bodyPr/>
+          <a:lstStyle/>
+          <a:p>
+            <a:r>
+              <a:rPr lang="en-US" dirty="0"/>
+              <a:t>Mathematical Model (a)</a:t>
+            </a:r>
+          </a:p>
+        </p:txBody>
+      </p:sp>
+      <mc:AlternateContent xmlns:mc="http://schemas.openxmlformats.org/markup-compatibility/2006">
+        <mc:Choice xmlns:a14="http://schemas.microsoft.com/office/drawing/2010/main" Requires="a14">
+          <p:sp>
+            <p:nvSpPr>
+              <p:cNvPr id="3" name="Content Placeholder 2">
+                <a:extLst>
+                  <a:ext uri="{FF2B5EF4-FFF2-40B4-BE49-F238E27FC236}">
+                    <a16:creationId xmlns:a16="http://schemas.microsoft.com/office/drawing/2014/main" id="{5B133C0B-CA46-AC42-A2FE-17BB7478DF4C}"/>
+                  </a:ext>
+                </a:extLst>
+              </p:cNvPr>
+              <p:cNvSpPr>
+                <a:spLocks noGrp="1"/>
+              </p:cNvSpPr>
+              <p:nvPr>
+                <p:ph idx="1"/>
+              </p:nvPr>
+            </p:nvSpPr>
+            <p:spPr>
+              <a:xfrm>
+                <a:off x="581332" y="1857837"/>
+                <a:ext cx="11029335" cy="4351338"/>
+              </a:xfrm>
+            </p:spPr>
+            <p:txBody>
+              <a:bodyPr>
+                <a:normAutofit/>
+              </a:bodyPr>
+              <a:lstStyle/>
+              <a:p>
+                <a:pPr marL="0" lvl="0" indent="0">
+                  <a:buNone/>
+                </a:pPr>
+                <a:r>
+                  <a:rPr lang="en-US" dirty="0"/>
+                  <a:t>Objective function (combined):</a:t>
+                </a:r>
+              </a:p>
+              <a:p>
+                <a:pPr marL="0" lvl="0" indent="0">
+                  <a:buNone/>
+                </a:pPr>
+                <a14:m>
+                  <m:oMathPara xmlns:m="http://schemas.openxmlformats.org/officeDocument/2006/math">
+                    <m:oMathParaPr>
+                      <m:jc m:val="center"/>
+                    </m:oMathParaPr>
+                    <m:oMath xmlns:m="http://schemas.openxmlformats.org/officeDocument/2006/math">
+                      <m:r>
+                        <m:rPr>
+                          <m:sty m:val="p"/>
+                        </m:rPr>
+                        <a:rPr lang="en-US" sz="2000">
+                          <a:latin typeface="Cambria Math" panose="02040503050406030204" pitchFamily="18" charset="0"/>
+                        </a:rPr>
+                        <m:t>min</m:t>
+                      </m:r>
+                      <m:nary>
+                        <m:naryPr>
+                          <m:chr m:val="∑"/>
+                          <m:limLoc m:val="undOvr"/>
+                          <m:ctrlPr>
+                            <a:rPr lang="ar-AE" sz="2000" i="1">
+                              <a:latin typeface="Cambria Math" panose="02040503050406030204" pitchFamily="18" charset="0"/>
+                            </a:rPr>
+                          </m:ctrlPr>
+                        </m:naryPr>
+                        <m:sub>
+                          <m:r>
+                            <a:rPr lang="ar-AE" sz="2000">
+                              <a:latin typeface="Cambria Math" panose="02040503050406030204" pitchFamily="18" charset="0"/>
+                            </a:rPr>
+                            <m:t>𝑡</m:t>
+                          </m:r>
+                          <m:r>
+                            <a:rPr lang="ar-AE" sz="2000">
+                              <a:latin typeface="Cambria Math" panose="02040503050406030204" pitchFamily="18" charset="0"/>
+                            </a:rPr>
+                            <m:t>∈</m:t>
+                          </m:r>
+                          <m:r>
+                            <a:rPr lang="ar-AE" sz="2000">
+                              <a:latin typeface="Cambria Math" panose="02040503050406030204" pitchFamily="18" charset="0"/>
+                            </a:rPr>
+                            <m:t>𝑇</m:t>
+                          </m:r>
+                        </m:sub>
+                        <m:sup>
+                          <m:r>
+                            <a:rPr lang="ar-AE" sz="2000">
+                              <a:latin typeface="Cambria Math" panose="02040503050406030204" pitchFamily="18" charset="0"/>
+                            </a:rPr>
+                            <m:t>​</m:t>
+                          </m:r>
+                        </m:sup>
+                        <m:e>
+                          <m:sSub>
+                            <m:sSubPr>
+                              <m:ctrlPr>
+                                <a:rPr lang="ar-AE" sz="2000" i="1">
+                                  <a:latin typeface="Cambria Math" panose="02040503050406030204" pitchFamily="18" charset="0"/>
+                                </a:rPr>
+                              </m:ctrlPr>
+                            </m:sSubPr>
+                            <m:e>
+                              <m:r>
+                                <a:rPr lang="ar-AE" sz="2000">
+                                  <a:latin typeface="Cambria Math" panose="02040503050406030204" pitchFamily="18" charset="0"/>
+                                </a:rPr>
+                                <m:t>𝑧</m:t>
+                              </m:r>
+                            </m:e>
+                            <m:sub>
+                              <m:r>
+                                <a:rPr lang="ar-AE" sz="2000">
+                                  <a:latin typeface="Cambria Math" panose="02040503050406030204" pitchFamily="18" charset="0"/>
+                                </a:rPr>
+                                <m:t>𝑡</m:t>
+                              </m:r>
+                            </m:sub>
+                          </m:sSub>
+                        </m:e>
+                      </m:nary>
+                      <m:r>
+                        <a:rPr lang="ar-AE" sz="2000">
+                          <a:latin typeface="Cambria Math" panose="02040503050406030204" pitchFamily="18" charset="0"/>
+                        </a:rPr>
+                        <m:t>−</m:t>
+                      </m:r>
+                      <m:r>
+                        <a:rPr lang="ar-AE" sz="2000">
+                          <a:latin typeface="Cambria Math" panose="02040503050406030204" pitchFamily="18" charset="0"/>
+                        </a:rPr>
+                        <m:t>𝛼</m:t>
+                      </m:r>
+                      <m:nary>
+                        <m:naryPr>
+                          <m:chr m:val="∑"/>
+                          <m:limLoc m:val="undOvr"/>
+                          <m:ctrlPr>
+                            <a:rPr lang="ar-AE" sz="2000" i="1">
+                              <a:latin typeface="Cambria Math" panose="02040503050406030204" pitchFamily="18" charset="0"/>
+                            </a:rPr>
+                          </m:ctrlPr>
+                        </m:naryPr>
+                        <m:sub>
+                          <m:r>
+                            <a:rPr lang="ar-AE" sz="2000">
+                              <a:latin typeface="Cambria Math" panose="02040503050406030204" pitchFamily="18" charset="0"/>
+                            </a:rPr>
+                            <m:t>𝑡</m:t>
+                          </m:r>
+                          <m:r>
+                            <a:rPr lang="ar-AE" sz="2000">
+                              <a:latin typeface="Cambria Math" panose="02040503050406030204" pitchFamily="18" charset="0"/>
+                            </a:rPr>
+                            <m:t>∈</m:t>
+                          </m:r>
+                          <m:r>
+                            <a:rPr lang="ar-AE" sz="2000">
+                              <a:latin typeface="Cambria Math" panose="02040503050406030204" pitchFamily="18" charset="0"/>
+                            </a:rPr>
+                            <m:t>𝑇</m:t>
+                          </m:r>
+                        </m:sub>
+                        <m:sup>
+                          <m:r>
+                            <a:rPr lang="ar-AE" sz="2000">
+                              <a:latin typeface="Cambria Math" panose="02040503050406030204" pitchFamily="18" charset="0"/>
+                            </a:rPr>
+                            <m:t>​</m:t>
+                          </m:r>
+                        </m:sup>
+                        <m:e>
+                          <m:nary>
+                            <m:naryPr>
+                              <m:chr m:val="∑"/>
+                              <m:limLoc m:val="undOvr"/>
+                              <m:ctrlPr>
+                                <a:rPr lang="ar-AE" sz="2000" i="1">
+                                  <a:latin typeface="Cambria Math" panose="02040503050406030204" pitchFamily="18" charset="0"/>
+                                </a:rPr>
+                              </m:ctrlPr>
+                            </m:naryPr>
+                            <m:sub>
+                              <m:r>
+                                <a:rPr lang="ar-AE" sz="2000">
+                                  <a:latin typeface="Cambria Math" panose="02040503050406030204" pitchFamily="18" charset="0"/>
+                                </a:rPr>
+                                <m:t>𝑛</m:t>
+                              </m:r>
+                              <m:r>
+                                <a:rPr lang="ar-AE" sz="2000">
+                                  <a:latin typeface="Cambria Math" panose="02040503050406030204" pitchFamily="18" charset="0"/>
+                                </a:rPr>
+                                <m:t>∈</m:t>
+                              </m:r>
+                              <m:r>
+                                <a:rPr lang="ar-AE" sz="2000">
+                                  <a:latin typeface="Cambria Math" panose="02040503050406030204" pitchFamily="18" charset="0"/>
+                                </a:rPr>
+                                <m:t>𝑁</m:t>
+                              </m:r>
+                            </m:sub>
+                            <m:sup>
+                              <m:r>
+                                <a:rPr lang="ar-AE" sz="2000">
+                                  <a:latin typeface="Cambria Math" panose="02040503050406030204" pitchFamily="18" charset="0"/>
+                                </a:rPr>
+                                <m:t>​</m:t>
+                              </m:r>
+                            </m:sup>
+                            <m:e>
+                              <m:sSub>
+                                <m:sSubPr>
+                                  <m:ctrlPr>
+                                    <a:rPr lang="ar-AE" sz="2000" i="1">
+                                      <a:latin typeface="Cambria Math" panose="02040503050406030204" pitchFamily="18" charset="0"/>
+                                    </a:rPr>
+                                  </m:ctrlPr>
+                                </m:sSubPr>
+                                <m:e>
+                                  <m:r>
+                                    <a:rPr lang="ar-AE" sz="2000">
+                                      <a:latin typeface="Cambria Math" panose="02040503050406030204" pitchFamily="18" charset="0"/>
+                                    </a:rPr>
+                                    <m:t>𝑐</m:t>
+                                  </m:r>
+                                </m:e>
+                                <m:sub>
+                                  <m:r>
+                                    <a:rPr lang="ar-AE" sz="2000">
+                                      <a:latin typeface="Cambria Math" panose="02040503050406030204" pitchFamily="18" charset="0"/>
+                                    </a:rPr>
+                                    <m:t>𝑡𝑛</m:t>
+                                  </m:r>
+                                </m:sub>
+                              </m:sSub>
+                            </m:e>
+                          </m:nary>
+                        </m:e>
+                      </m:nary>
+                      <m:sSub>
+                        <m:sSubPr>
+                          <m:ctrlPr>
+                            <a:rPr lang="ar-AE" sz="2000" i="1">
+                              <a:latin typeface="Cambria Math" panose="02040503050406030204" pitchFamily="18" charset="0"/>
+                            </a:rPr>
+                          </m:ctrlPr>
+                        </m:sSubPr>
+                        <m:e>
+                          <m:r>
+                            <a:rPr lang="ar-AE" sz="2000">
+                              <a:latin typeface="Cambria Math" panose="02040503050406030204" pitchFamily="18" charset="0"/>
+                            </a:rPr>
+                            <m:t>𝑥</m:t>
+                          </m:r>
+                        </m:e>
+                        <m:sub>
+                          <m:r>
+                            <a:rPr lang="ar-AE" sz="2000">
+                              <a:latin typeface="Cambria Math" panose="02040503050406030204" pitchFamily="18" charset="0"/>
+                            </a:rPr>
+                            <m:t>𝑡𝑛</m:t>
+                          </m:r>
+                        </m:sub>
+                      </m:sSub>
+                      <m:r>
+                        <a:rPr lang="ar-AE" sz="2000">
+                          <a:latin typeface="Cambria Math" panose="02040503050406030204" pitchFamily="18" charset="0"/>
+                        </a:rPr>
+                        <m:t>,</m:t>
+                      </m:r>
+                    </m:oMath>
+                  </m:oMathPara>
+                </a14:m>
+                <a:endParaRPr lang="ar-AE" sz="2000" dirty="0"/>
+              </a:p>
+              <a:p>
+                <a:pPr marL="0" lvl="0" indent="0">
+                  <a:buNone/>
+                </a:pPr>
+                <a:r>
+                  <a:rPr lang="en-US" sz="2000" dirty="0"/>
+                  <a:t>   where </a:t>
+                </a:r>
+                <a14:m>
+                  <m:oMath xmlns:m="http://schemas.openxmlformats.org/officeDocument/2006/math">
+                    <m:r>
+                      <a:rPr lang="en-US" sz="2000">
+                        <a:latin typeface="Cambria Math" panose="02040503050406030204" pitchFamily="18" charset="0"/>
+                      </a:rPr>
+                      <m:t>𝛼</m:t>
+                    </m:r>
+                  </m:oMath>
+                </a14:m>
+                <a:r>
+                  <a:rPr lang="en-US" sz="2000" dirty="0"/>
+                  <a:t> is a weighting factor to balance the two objectives, as </a:t>
+                </a:r>
+                <a14:m>
+                  <m:oMath xmlns:m="http://schemas.openxmlformats.org/officeDocument/2006/math">
+                    <m:r>
+                      <a:rPr lang="en-US" sz="2000">
+                        <a:latin typeface="Cambria Math" panose="02040503050406030204" pitchFamily="18" charset="0"/>
+                      </a:rPr>
+                      <m:t>𝛼</m:t>
+                    </m:r>
+                    <m:r>
+                      <a:rPr lang="en-US" sz="2000">
+                        <a:latin typeface="Cambria Math" panose="02040503050406030204" pitchFamily="18" charset="0"/>
+                      </a:rPr>
+                      <m:t>=</m:t>
+                    </m:r>
+                    <m:f>
+                      <m:fPr>
+                        <m:ctrlPr>
+                          <a:rPr lang="en-US" sz="2000" b="0" i="1" smtClean="0">
+                            <a:latin typeface="Cambria Math" panose="02040503050406030204" pitchFamily="18" charset="0"/>
+                          </a:rPr>
+                        </m:ctrlPr>
+                      </m:fPr>
+                      <m:num>
+                        <m:d>
+                          <m:dPr>
+                            <m:begChr m:val="|"/>
+                            <m:endChr m:val="|"/>
+                            <m:ctrlPr>
+                              <a:rPr lang="en-US" sz="2000" b="0" i="1" smtClean="0">
+                                <a:latin typeface="Cambria Math" panose="02040503050406030204" pitchFamily="18" charset="0"/>
+                              </a:rPr>
+                            </m:ctrlPr>
+                          </m:dPr>
+                          <m:e>
+                            <m:r>
+                              <a:rPr lang="en-US" sz="2000" b="0" i="1" smtClean="0">
+                                <a:latin typeface="Cambria Math" panose="02040503050406030204" pitchFamily="18" charset="0"/>
+                              </a:rPr>
+                              <m:t>𝑇</m:t>
+                            </m:r>
+                          </m:e>
+                        </m:d>
+                      </m:num>
+                      <m:den>
+                        <m:r>
+                          <a:rPr lang="en-US" sz="2000" b="0" i="1" smtClean="0">
+                            <a:latin typeface="Cambria Math" panose="02040503050406030204" pitchFamily="18" charset="0"/>
+                          </a:rPr>
+                          <m:t>2</m:t>
+                        </m:r>
+                        <m:d>
+                          <m:dPr>
+                            <m:begChr m:val="|"/>
+                            <m:endChr m:val="|"/>
+                            <m:ctrlPr>
+                              <a:rPr lang="en-US" sz="2000" b="0" i="1" smtClean="0">
+                                <a:latin typeface="Cambria Math" panose="02040503050406030204" pitchFamily="18" charset="0"/>
+                              </a:rPr>
+                            </m:ctrlPr>
+                          </m:dPr>
+                          <m:e>
+                            <m:r>
+                              <a:rPr lang="en-US" sz="2000" b="0" i="1" smtClean="0">
+                                <a:latin typeface="Cambria Math" panose="02040503050406030204" pitchFamily="18" charset="0"/>
+                              </a:rPr>
+                              <m:t>𝑆</m:t>
+                            </m:r>
+                          </m:e>
+                        </m:d>
+                      </m:den>
+                    </m:f>
+                    <m:r>
+                      <a:rPr lang="en-US" sz="2000" b="0" i="1" smtClean="0">
+                        <a:latin typeface="Cambria Math" panose="02040503050406030204" pitchFamily="18" charset="0"/>
+                      </a:rPr>
+                      <m:t>=</m:t>
+                    </m:r>
+                    <m:f>
+                      <m:fPr>
+                        <m:ctrlPr>
+                          <a:rPr lang="ar-AE" sz="2000" i="1">
+                            <a:latin typeface="Cambria Math" panose="02040503050406030204" pitchFamily="18" charset="0"/>
+                          </a:rPr>
+                        </m:ctrlPr>
+                      </m:fPr>
+                      <m:num>
+                        <m:r>
+                          <a:rPr lang="ar-AE" sz="2000">
+                            <a:latin typeface="Cambria Math" panose="02040503050406030204" pitchFamily="18" charset="0"/>
+                          </a:rPr>
+                          <m:t>10</m:t>
+                        </m:r>
+                      </m:num>
+                      <m:den>
+                        <m:r>
+                          <a:rPr lang="ar-AE" sz="2000">
+                            <a:latin typeface="Cambria Math" panose="02040503050406030204" pitchFamily="18" charset="0"/>
+                          </a:rPr>
+                          <m:t>64</m:t>
+                        </m:r>
+                      </m:den>
+                    </m:f>
+                  </m:oMath>
+                </a14:m>
+                <a:endParaRPr lang="ar-AE" dirty="0"/>
+              </a:p>
+              <a:p>
+                <a:pPr marL="0" lvl="0" indent="0">
+                  <a:buNone/>
+                </a:pPr>
+                <a:r>
+                  <a:rPr lang="en-US" dirty="0"/>
+                  <a:t>Additional constraints: </a:t>
+                </a:r>
+              </a:p>
+              <a:p>
+                <a:r>
+                  <a:rPr lang="en-US" sz="2000" dirty="0"/>
+                  <a:t>Link </a:t>
+                </a:r>
+                <a14:m>
+                  <m:oMath xmlns:m="http://schemas.openxmlformats.org/officeDocument/2006/math">
+                    <m:sSub>
+                      <m:sSubPr>
+                        <m:ctrlPr>
+                          <a:rPr lang="ar-AE" sz="2000" i="1">
+                            <a:latin typeface="Cambria Math" panose="02040503050406030204" pitchFamily="18" charset="0"/>
+                          </a:rPr>
+                        </m:ctrlPr>
+                      </m:sSubPr>
+                      <m:e>
+                        <m:r>
+                          <a:rPr lang="ar-AE" sz="2000">
+                            <a:latin typeface="Cambria Math" panose="02040503050406030204" pitchFamily="18" charset="0"/>
+                          </a:rPr>
+                          <m:t>𝑧</m:t>
+                        </m:r>
+                      </m:e>
+                      <m:sub>
+                        <m:r>
+                          <a:rPr lang="ar-AE" sz="2000">
+                            <a:latin typeface="Cambria Math" panose="02040503050406030204" pitchFamily="18" charset="0"/>
+                          </a:rPr>
+                          <m:t>𝑡</m:t>
+                        </m:r>
+                      </m:sub>
+                    </m:sSub>
+                  </m:oMath>
+                </a14:m>
+                <a:r>
+                  <a:rPr lang="ar-AE" sz="2000" dirty="0"/>
+                  <a:t> </a:t>
+                </a:r>
+                <a:r>
+                  <a:rPr lang="en-US" sz="2000" dirty="0"/>
+                  <a:t>with </a:t>
+                </a:r>
+                <a14:m>
+                  <m:oMath xmlns:m="http://schemas.openxmlformats.org/officeDocument/2006/math">
+                    <m:sSub>
+                      <m:sSubPr>
+                        <m:ctrlPr>
+                          <a:rPr lang="ar-AE" sz="2000" i="1">
+                            <a:latin typeface="Cambria Math" panose="02040503050406030204" pitchFamily="18" charset="0"/>
+                          </a:rPr>
+                        </m:ctrlPr>
+                      </m:sSubPr>
+                      <m:e>
+                        <m:r>
+                          <a:rPr lang="ar-AE" sz="2000">
+                            <a:latin typeface="Cambria Math" panose="02040503050406030204" pitchFamily="18" charset="0"/>
+                          </a:rPr>
+                          <m:t>𝑥</m:t>
+                        </m:r>
+                      </m:e>
+                      <m:sub>
+                        <m:r>
+                          <a:rPr lang="ar-AE" sz="2000">
+                            <a:latin typeface="Cambria Math" panose="02040503050406030204" pitchFamily="18" charset="0"/>
+                          </a:rPr>
+                          <m:t>𝑡𝑛</m:t>
+                        </m:r>
+                      </m:sub>
+                    </m:sSub>
+                  </m:oMath>
+                </a14:m>
+                <a:r>
+                  <a:rPr lang="ar-AE" sz="2000" dirty="0"/>
+                  <a:t> </a:t>
+                </a:r>
+                <a:r>
+                  <a:rPr lang="en-US" sz="2000" dirty="0"/>
+                  <a:t>and </a:t>
+                </a:r>
+                <a14:m>
+                  <m:oMath xmlns:m="http://schemas.openxmlformats.org/officeDocument/2006/math">
+                    <m:sSub>
+                      <m:sSubPr>
+                        <m:ctrlPr>
+                          <a:rPr lang="ar-AE" sz="2000" i="1">
+                            <a:latin typeface="Cambria Math" panose="02040503050406030204" pitchFamily="18" charset="0"/>
+                          </a:rPr>
+                        </m:ctrlPr>
+                      </m:sSubPr>
+                      <m:e>
+                        <m:r>
+                          <a:rPr lang="ar-AE" sz="2000">
+                            <a:latin typeface="Cambria Math" panose="02040503050406030204" pitchFamily="18" charset="0"/>
+                          </a:rPr>
+                          <m:t>𝑦</m:t>
+                        </m:r>
+                      </m:e>
+                      <m:sub>
+                        <m:r>
+                          <a:rPr lang="ar-AE" sz="2000">
+                            <a:latin typeface="Cambria Math" panose="02040503050406030204" pitchFamily="18" charset="0"/>
+                          </a:rPr>
+                          <m:t>𝑡𝑒</m:t>
+                        </m:r>
+                      </m:sub>
+                    </m:sSub>
+                  </m:oMath>
+                </a14:m>
+                <a:r>
+                  <a:rPr lang="ar-AE" sz="2000" dirty="0"/>
+                  <a:t>:</a:t>
+                </a:r>
+              </a:p>
+              <a:p>
+                <a:pPr marL="0" lvl="0" indent="0">
+                  <a:buNone/>
+                </a:pPr>
+                <a14:m>
+                  <m:oMathPara xmlns:m="http://schemas.openxmlformats.org/officeDocument/2006/math">
+                    <m:oMathParaPr>
+                      <m:jc m:val="center"/>
+                    </m:oMathParaPr>
+                    <m:oMath xmlns:m="http://schemas.openxmlformats.org/officeDocument/2006/math">
+                      <m:r>
+                        <a:rPr lang="ar-AE" sz="2000">
+                          <a:latin typeface="Cambria Math" panose="02040503050406030204" pitchFamily="18" charset="0"/>
+                        </a:rPr>
+                        <m:t>𝑀</m:t>
+                      </m:r>
+                      <m:sSub>
+                        <m:sSubPr>
+                          <m:ctrlPr>
+                            <a:rPr lang="ar-AE" sz="2000" i="1">
+                              <a:latin typeface="Cambria Math" panose="02040503050406030204" pitchFamily="18" charset="0"/>
+                            </a:rPr>
+                          </m:ctrlPr>
+                        </m:sSubPr>
+                        <m:e>
+                          <m:r>
+                            <a:rPr lang="ar-AE" sz="2000">
+                              <a:latin typeface="Cambria Math" panose="02040503050406030204" pitchFamily="18" charset="0"/>
+                            </a:rPr>
+                            <m:t>𝑧</m:t>
+                          </m:r>
+                        </m:e>
+                        <m:sub>
+                          <m:r>
+                            <a:rPr lang="ar-AE" sz="2000">
+                              <a:latin typeface="Cambria Math" panose="02040503050406030204" pitchFamily="18" charset="0"/>
+                            </a:rPr>
+                            <m:t>𝑡</m:t>
+                          </m:r>
+                        </m:sub>
+                      </m:sSub>
+                      <m:r>
+                        <a:rPr lang="ar-AE" sz="2000">
+                          <a:latin typeface="Cambria Math" panose="02040503050406030204" pitchFamily="18" charset="0"/>
+                        </a:rPr>
+                        <m:t>≥</m:t>
+                      </m:r>
+                      <m:nary>
+                        <m:naryPr>
+                          <m:chr m:val="∑"/>
+                          <m:limLoc m:val="undOvr"/>
+                          <m:ctrlPr>
+                            <a:rPr lang="ar-AE" sz="2000" i="1">
+                              <a:latin typeface="Cambria Math" panose="02040503050406030204" pitchFamily="18" charset="0"/>
+                            </a:rPr>
+                          </m:ctrlPr>
+                        </m:naryPr>
+                        <m:sub>
+                          <m:r>
+                            <a:rPr lang="ar-AE" sz="2000">
+                              <a:latin typeface="Cambria Math" panose="02040503050406030204" pitchFamily="18" charset="0"/>
+                            </a:rPr>
+                            <m:t>𝑛</m:t>
+                          </m:r>
+                          <m:r>
+                            <a:rPr lang="ar-AE" sz="2000">
+                              <a:latin typeface="Cambria Math" panose="02040503050406030204" pitchFamily="18" charset="0"/>
+                            </a:rPr>
+                            <m:t>∈</m:t>
+                          </m:r>
+                          <m:r>
+                            <a:rPr lang="ar-AE" sz="2000">
+                              <a:latin typeface="Cambria Math" panose="02040503050406030204" pitchFamily="18" charset="0"/>
+                            </a:rPr>
+                            <m:t>𝑁</m:t>
+                          </m:r>
+                        </m:sub>
+                        <m:sup>
+                          <m:r>
+                            <a:rPr lang="ar-AE" sz="2000">
+                              <a:latin typeface="Cambria Math" panose="02040503050406030204" pitchFamily="18" charset="0"/>
+                            </a:rPr>
+                            <m:t>​</m:t>
+                          </m:r>
+                        </m:sup>
+                        <m:e>
+                          <m:sSub>
+                            <m:sSubPr>
+                              <m:ctrlPr>
+                                <a:rPr lang="ar-AE" sz="2000" i="1">
+                                  <a:latin typeface="Cambria Math" panose="02040503050406030204" pitchFamily="18" charset="0"/>
+                                </a:rPr>
+                              </m:ctrlPr>
+                            </m:sSubPr>
+                            <m:e>
+                              <m:r>
+                                <a:rPr lang="ar-AE" sz="2000">
+                                  <a:latin typeface="Cambria Math" panose="02040503050406030204" pitchFamily="18" charset="0"/>
+                                </a:rPr>
+                                <m:t>𝑥</m:t>
+                              </m:r>
+                            </m:e>
+                            <m:sub>
+                              <m:r>
+                                <a:rPr lang="ar-AE" sz="2000">
+                                  <a:latin typeface="Cambria Math" panose="02040503050406030204" pitchFamily="18" charset="0"/>
+                                </a:rPr>
+                                <m:t>𝑡𝑛</m:t>
+                              </m:r>
+                            </m:sub>
+                          </m:sSub>
+                        </m:e>
+                      </m:nary>
+                      <m:r>
+                        <a:rPr lang="ar-AE" sz="2000">
+                          <a:latin typeface="Cambria Math" panose="02040503050406030204" pitchFamily="18" charset="0"/>
+                        </a:rPr>
+                        <m:t>+</m:t>
+                      </m:r>
+                      <m:nary>
+                        <m:naryPr>
+                          <m:chr m:val="∑"/>
+                          <m:limLoc m:val="undOvr"/>
+                          <m:ctrlPr>
+                            <a:rPr lang="ar-AE" sz="2000" i="1">
+                              <a:latin typeface="Cambria Math" panose="02040503050406030204" pitchFamily="18" charset="0"/>
+                            </a:rPr>
+                          </m:ctrlPr>
+                        </m:naryPr>
+                        <m:sub>
+                          <m:r>
+                            <a:rPr lang="ar-AE" sz="2000">
+                              <a:latin typeface="Cambria Math" panose="02040503050406030204" pitchFamily="18" charset="0"/>
+                            </a:rPr>
+                            <m:t>𝑒</m:t>
+                          </m:r>
+                          <m:r>
+                            <a:rPr lang="ar-AE" sz="2000">
+                              <a:latin typeface="Cambria Math" panose="02040503050406030204" pitchFamily="18" charset="0"/>
+                            </a:rPr>
+                            <m:t>∈</m:t>
+                          </m:r>
+                          <m:r>
+                            <a:rPr lang="ar-AE" sz="2000">
+                              <a:latin typeface="Cambria Math" panose="02040503050406030204" pitchFamily="18" charset="0"/>
+                            </a:rPr>
+                            <m:t>𝐸</m:t>
+                          </m:r>
+                        </m:sub>
+                        <m:sup>
+                          <m:r>
+                            <a:rPr lang="ar-AE" sz="2000">
+                              <a:latin typeface="Cambria Math" panose="02040503050406030204" pitchFamily="18" charset="0"/>
+                            </a:rPr>
+                            <m:t>​</m:t>
+                          </m:r>
+                        </m:sup>
+                        <m:e>
+                          <m:sSub>
+                            <m:sSubPr>
+                              <m:ctrlPr>
+                                <a:rPr lang="ar-AE" sz="2000" i="1">
+                                  <a:latin typeface="Cambria Math" panose="02040503050406030204" pitchFamily="18" charset="0"/>
+                                </a:rPr>
+                              </m:ctrlPr>
+                            </m:sSubPr>
+                            <m:e>
+                              <m:r>
+                                <a:rPr lang="ar-AE" sz="2000">
+                                  <a:latin typeface="Cambria Math" panose="02040503050406030204" pitchFamily="18" charset="0"/>
+                                </a:rPr>
+                                <m:t>𝑦</m:t>
+                              </m:r>
+                            </m:e>
+                            <m:sub>
+                              <m:r>
+                                <a:rPr lang="ar-AE" sz="2000">
+                                  <a:latin typeface="Cambria Math" panose="02040503050406030204" pitchFamily="18" charset="0"/>
+                                </a:rPr>
+                                <m:t>𝑡𝑒</m:t>
+                              </m:r>
+                            </m:sub>
+                          </m:sSub>
+                        </m:e>
+                      </m:nary>
+                      <m:r>
+                        <a:rPr lang="ar-AE" sz="2000">
+                          <a:latin typeface="Cambria Math" panose="02040503050406030204" pitchFamily="18" charset="0"/>
+                        </a:rPr>
+                        <m:t> ∀</m:t>
+                      </m:r>
+                      <m:r>
+                        <a:rPr lang="ar-AE" sz="2000">
+                          <a:latin typeface="Cambria Math" panose="02040503050406030204" pitchFamily="18" charset="0"/>
+                        </a:rPr>
+                        <m:t>𝑡</m:t>
+                      </m:r>
+                      <m:r>
+                        <a:rPr lang="ar-AE" sz="2000">
+                          <a:latin typeface="Cambria Math" panose="02040503050406030204" pitchFamily="18" charset="0"/>
+                        </a:rPr>
+                        <m:t>∈</m:t>
+                      </m:r>
+                      <m:r>
+                        <a:rPr lang="ar-AE" sz="2000">
+                          <a:latin typeface="Cambria Math" panose="02040503050406030204" pitchFamily="18" charset="0"/>
+                        </a:rPr>
+                        <m:t>𝑇</m:t>
+                      </m:r>
+                      <m:r>
+                        <a:rPr lang="ar-AE" sz="2000">
+                          <a:latin typeface="Cambria Math" panose="02040503050406030204" pitchFamily="18" charset="0"/>
+                        </a:rPr>
+                        <m:t>,</m:t>
+                      </m:r>
+                    </m:oMath>
+                  </m:oMathPara>
+                </a14:m>
+                <a:endParaRPr lang="ar-AE" sz="2000" dirty="0"/>
+              </a:p>
+              <a:p>
+                <a:pPr marL="0" lvl="0" indent="0">
+                  <a:buNone/>
+                </a:pPr>
+                <a:r>
+                  <a:rPr lang="en-US" sz="2000" dirty="0"/>
+                  <a:t>   where </a:t>
+                </a:r>
+                <a14:m>
+                  <m:oMath xmlns:m="http://schemas.openxmlformats.org/officeDocument/2006/math">
+                    <m:r>
+                      <a:rPr lang="en-US" sz="2000">
+                        <a:latin typeface="Cambria Math" panose="02040503050406030204" pitchFamily="18" charset="0"/>
+                      </a:rPr>
+                      <m:t>𝑀</m:t>
+                    </m:r>
+                  </m:oMath>
+                </a14:m>
+                <a:r>
+                  <a:rPr lang="en-US" sz="2000" dirty="0"/>
+                  <a:t> is a sufficiently large constant, as </a:t>
+                </a:r>
+                <a14:m>
+                  <m:oMath xmlns:m="http://schemas.openxmlformats.org/officeDocument/2006/math">
+                    <m:r>
+                      <a:rPr lang="en-US" sz="2000" b="0" i="1" smtClean="0">
+                        <a:latin typeface="Cambria Math" panose="02040503050406030204" pitchFamily="18" charset="0"/>
+                      </a:rPr>
+                      <m:t>𝑀</m:t>
+                    </m:r>
+                    <m:r>
+                      <a:rPr lang="en-US" sz="2000" b="0" i="1" smtClean="0">
+                        <a:latin typeface="Cambria Math" panose="02040503050406030204" pitchFamily="18" charset="0"/>
+                      </a:rPr>
+                      <m:t>=</m:t>
+                    </m:r>
+                    <m:r>
+                      <a:rPr lang="en-US" sz="2000" b="0" i="1" smtClean="0">
+                        <a:latin typeface="Cambria Math" panose="02040503050406030204" pitchFamily="18" charset="0"/>
+                      </a:rPr>
+                      <m:t>100</m:t>
+                    </m:r>
+                  </m:oMath>
+                </a14:m>
+                <a:r>
+                  <a:rPr lang="en-US" sz="2000" dirty="0"/>
+                  <a:t> (</a:t>
+                </a:r>
+                <a14:m>
+                  <m:oMath xmlns:m="http://schemas.openxmlformats.org/officeDocument/2006/math">
+                    <m:r>
+                      <a:rPr lang="en-US" sz="2000" b="0" i="1" dirty="0" smtClean="0">
+                        <a:latin typeface="Cambria Math" panose="02040503050406030204" pitchFamily="18" charset="0"/>
+                      </a:rPr>
+                      <m:t>≥</m:t>
+                    </m:r>
+                  </m:oMath>
+                </a14:m>
+                <a:r>
+                  <a:rPr lang="en-US" sz="2000" dirty="0"/>
+                  <a:t> sum of tutor capacities)</a:t>
+                </a:r>
+              </a:p>
+            </p:txBody>
+          </p:sp>
+        </mc:Choice>
+        <mc:Fallback>
+          <p:sp>
+            <p:nvSpPr>
+              <p:cNvPr id="3" name="Content Placeholder 2">
+                <a:extLst>
+                  <a:ext uri="{FF2B5EF4-FFF2-40B4-BE49-F238E27FC236}">
+                    <a16:creationId xmlns:a16="http://schemas.microsoft.com/office/drawing/2014/main" id="{5B133C0B-CA46-AC42-A2FE-17BB7478DF4C}"/>
+                  </a:ext>
+                </a:extLst>
+              </p:cNvPr>
+              <p:cNvSpPr>
+                <a:spLocks noGrp="1" noRot="1" noChangeAspect="1" noMove="1" noResize="1" noEditPoints="1" noAdjustHandles="1" noChangeArrowheads="1" noChangeShapeType="1" noTextEdit="1"/>
+              </p:cNvSpPr>
+              <p:nvPr>
+                <p:ph idx="1"/>
+              </p:nvPr>
+            </p:nvSpPr>
+            <p:spPr>
+              <a:xfrm>
+                <a:off x="581332" y="1857837"/>
+                <a:ext cx="11029335" cy="4351338"/>
+              </a:xfrm>
+              <a:blipFill>
+                <a:blip r:embed="rId2"/>
+                <a:stretch>
+                  <a:fillRect l="-1105" t="-2521"/>
+                </a:stretch>
+              </a:blipFill>
+            </p:spPr>
+            <p:txBody>
+              <a:bodyPr/>
+              <a:lstStyle/>
+              <a:p>
+                <a:r>
+                  <a:rPr lang="en-US">
+                    <a:noFill/>
+                  </a:rPr>
+                  <a:t> </a:t>
+                </a:r>
+              </a:p>
+            </p:txBody>
+          </p:sp>
+        </mc:Fallback>
+      </mc:AlternateContent>
+    </p:spTree>
+    <p:extLst>
+      <p:ext uri="{BB962C8B-B14F-4D97-AF65-F5344CB8AC3E}">
+        <p14:creationId xmlns:p14="http://schemas.microsoft.com/office/powerpoint/2010/main" val="406569560"/>
+      </p:ext>
+    </p:extLst>
+  </p:cSld>
+  <p:clrMapOvr>
+    <a:masterClrMapping/>
+  </p:clrMapOvr>
+</p:sld>
+</file>
+
+<file path=ppt/slides/slide12.xml><?xml version="1.0" encoding="utf-8"?>
+<p:sld xmlns:a="http://schemas.openxmlformats.org/drawingml/2006/main" xmlns:r="http://schemas.openxmlformats.org/officeDocument/2006/relationships" xmlns:p="http://schemas.openxmlformats.org/presentationml/2006/main">
+  <p:cSld>
+    <p:spTree>
+      <p:nvGrpSpPr>
+        <p:cNvPr id="1" name="">
+          <a:extLst>
+            <a:ext uri="{FF2B5EF4-FFF2-40B4-BE49-F238E27FC236}">
+              <a16:creationId xmlns:a16="http://schemas.microsoft.com/office/drawing/2014/main" id="{A018EC4A-FD22-F496-6F9D-49B3C2A9D050}"/>
+            </a:ext>
+          </a:extLst>
+        </p:cNvPr>
+        <p:cNvGrpSpPr/>
+        <p:nvPr/>
+      </p:nvGrpSpPr>
+      <p:grpSpPr>
+        <a:xfrm>
+          <a:off x="0" y="0"/>
+          <a:ext cx="0" cy="0"/>
+          <a:chOff x="0" y="0"/>
+          <a:chExt cx="0" cy="0"/>
+        </a:xfrm>
+      </p:grpSpPr>
+      <p:sp>
+        <p:nvSpPr>
+          <p:cNvPr id="2" name="Title 1">
+            <a:extLst>
+              <a:ext uri="{FF2B5EF4-FFF2-40B4-BE49-F238E27FC236}">
+                <a16:creationId xmlns:a16="http://schemas.microsoft.com/office/drawing/2014/main" id="{EECB92B4-31B4-15E0-0143-8AF51B35BE81}"/>
+              </a:ext>
+            </a:extLst>
+          </p:cNvPr>
+          <p:cNvSpPr>
+            <a:spLocks noGrp="1"/>
+          </p:cNvSpPr>
+          <p:nvPr>
+            <p:ph type="title"/>
+          </p:nvPr>
+        </p:nvSpPr>
+        <p:spPr/>
+        <p:txBody>
+          <a:bodyPr/>
+          <a:lstStyle/>
+          <a:p>
+            <a:r>
+              <a:rPr lang="en-US" dirty="0"/>
+              <a:t>Mathematical Model (b)</a:t>
+            </a:r>
+          </a:p>
+        </p:txBody>
+      </p:sp>
+      <mc:AlternateContent xmlns:mc="http://schemas.openxmlformats.org/markup-compatibility/2006">
+        <mc:Choice xmlns:a14="http://schemas.microsoft.com/office/drawing/2010/main" Requires="a14">
+          <p:sp>
+            <p:nvSpPr>
+              <p:cNvPr id="3" name="Content Placeholder 2">
+                <a:extLst>
+                  <a:ext uri="{FF2B5EF4-FFF2-40B4-BE49-F238E27FC236}">
+                    <a16:creationId xmlns:a16="http://schemas.microsoft.com/office/drawing/2014/main" id="{74C08170-7F9D-8E42-368F-78418917AEFD}"/>
+                  </a:ext>
+                </a:extLst>
+              </p:cNvPr>
+              <p:cNvSpPr>
+                <a:spLocks noGrp="1"/>
+              </p:cNvSpPr>
+              <p:nvPr>
+                <p:ph idx="1"/>
+              </p:nvPr>
+            </p:nvSpPr>
+            <p:spPr>
+              <a:xfrm>
+                <a:off x="838200" y="1520824"/>
+                <a:ext cx="10515600" cy="5184775"/>
+              </a:xfrm>
+            </p:spPr>
+            <p:txBody>
+              <a:bodyPr>
+                <a:normAutofit/>
+              </a:bodyPr>
+              <a:lstStyle/>
+              <a:p>
+                <a:pPr marL="0" lvl="0" indent="0">
+                  <a:buNone/>
+                </a:pPr>
+                <a:r>
+                  <a:rPr lang="en-US" sz="2400" dirty="0"/>
+                  <a:t>Problem statement: </a:t>
+                </a:r>
+              </a:p>
+              <a:p>
+                <a:r>
+                  <a:rPr lang="en-US" sz="2000" dirty="0"/>
+                  <a:t>Balance tutor’s workload while maximizing tutor’s preference on the tuition </a:t>
+                </a:r>
+                <a:r>
+                  <a:rPr lang="en-US" sz="2000" dirty="0" err="1"/>
+                  <a:t>centre</a:t>
+                </a:r>
+                <a:r>
+                  <a:rPr lang="en-US" sz="2000" dirty="0"/>
+                  <a:t>.</a:t>
+                </a:r>
+              </a:p>
+              <a:p>
+                <a:pPr marL="0" lvl="0" indent="0">
+                  <a:buNone/>
+                </a:pPr>
+                <a:r>
+                  <a:rPr lang="en-US" sz="2400" dirty="0"/>
+                  <a:t>Objectives: </a:t>
+                </a:r>
+              </a:p>
+              <a:p>
+                <a:r>
+                  <a:rPr lang="en-US" sz="2000" dirty="0"/>
+                  <a:t>Minimize the maximum number of students assigned to any tutor:</a:t>
+                </a:r>
+              </a:p>
+              <a:p>
+                <a:pPr marL="0" lvl="0" indent="0">
+                  <a:buNone/>
+                </a:pPr>
+                <a14:m>
+                  <m:oMathPara xmlns:m="http://schemas.openxmlformats.org/officeDocument/2006/math">
+                    <m:oMathParaPr>
+                      <m:jc m:val="center"/>
+                    </m:oMathParaPr>
+                    <m:oMath xmlns:m="http://schemas.openxmlformats.org/officeDocument/2006/math">
+                      <m:r>
+                        <m:rPr>
+                          <m:sty m:val="p"/>
+                        </m:rPr>
+                        <a:rPr lang="en-US" sz="2000">
+                          <a:latin typeface="Cambria Math" panose="02040503050406030204" pitchFamily="18" charset="0"/>
+                        </a:rPr>
+                        <m:t>min</m:t>
+                      </m:r>
+                      <m:limLow>
+                        <m:limLowPr>
+                          <m:ctrlPr>
+                            <a:rPr lang="ar-AE" sz="2000" i="1">
+                              <a:latin typeface="Cambria Math" panose="02040503050406030204" pitchFamily="18" charset="0"/>
+                            </a:rPr>
+                          </m:ctrlPr>
+                        </m:limLowPr>
+                        <m:e>
+                          <m:r>
+                            <m:rPr>
+                              <m:sty m:val="p"/>
+                            </m:rPr>
+                            <a:rPr lang="en-US" sz="2000">
+                              <a:latin typeface="Cambria Math" panose="02040503050406030204" pitchFamily="18" charset="0"/>
+                            </a:rPr>
+                            <m:t>max</m:t>
+                          </m:r>
+                        </m:e>
+                        <m:lim>
+                          <m:r>
+                            <a:rPr lang="ar-AE" sz="2000">
+                              <a:latin typeface="Cambria Math" panose="02040503050406030204" pitchFamily="18" charset="0"/>
+                            </a:rPr>
+                            <m:t>𝑡</m:t>
+                          </m:r>
+                          <m:r>
+                            <a:rPr lang="ar-AE" sz="2000">
+                              <a:latin typeface="Cambria Math" panose="02040503050406030204" pitchFamily="18" charset="0"/>
+                            </a:rPr>
+                            <m:t>∈</m:t>
+                          </m:r>
+                          <m:r>
+                            <a:rPr lang="ar-AE" sz="2000">
+                              <a:latin typeface="Cambria Math" panose="02040503050406030204" pitchFamily="18" charset="0"/>
+                            </a:rPr>
+                            <m:t>𝑇</m:t>
+                          </m:r>
+                        </m:lim>
+                      </m:limLow>
+                      <m:d>
+                        <m:dPr>
+                          <m:ctrlPr>
+                            <a:rPr lang="ar-AE" sz="2000" i="1">
+                              <a:latin typeface="Cambria Math" panose="02040503050406030204" pitchFamily="18" charset="0"/>
+                            </a:rPr>
+                          </m:ctrlPr>
+                        </m:dPr>
+                        <m:e>
+                          <m:nary>
+                            <m:naryPr>
+                              <m:chr m:val="∑"/>
+                              <m:limLoc m:val="undOvr"/>
+                              <m:ctrlPr>
+                                <a:rPr lang="ar-AE" sz="2000" i="1">
+                                  <a:latin typeface="Cambria Math" panose="02040503050406030204" pitchFamily="18" charset="0"/>
+                                </a:rPr>
+                              </m:ctrlPr>
+                            </m:naryPr>
+                            <m:sub>
+                              <m:r>
+                                <a:rPr lang="ar-AE" sz="2000">
+                                  <a:latin typeface="Cambria Math" panose="02040503050406030204" pitchFamily="18" charset="0"/>
+                                </a:rPr>
+                                <m:t>𝑛</m:t>
+                              </m:r>
+                              <m:r>
+                                <a:rPr lang="ar-AE" sz="2000">
+                                  <a:latin typeface="Cambria Math" panose="02040503050406030204" pitchFamily="18" charset="0"/>
+                                </a:rPr>
+                                <m:t>∈</m:t>
+                              </m:r>
+                              <m:r>
+                                <a:rPr lang="ar-AE" sz="2000">
+                                  <a:latin typeface="Cambria Math" panose="02040503050406030204" pitchFamily="18" charset="0"/>
+                                </a:rPr>
+                                <m:t>𝑁</m:t>
+                              </m:r>
+                            </m:sub>
+                            <m:sup>
+                              <m:r>
+                                <a:rPr lang="ar-AE" sz="2000">
+                                  <a:latin typeface="Cambria Math" panose="02040503050406030204" pitchFamily="18" charset="0"/>
+                                </a:rPr>
+                                <m:t>​</m:t>
+                              </m:r>
+                            </m:sup>
+                            <m:e>
+                              <m:sSub>
+                                <m:sSubPr>
+                                  <m:ctrlPr>
+                                    <a:rPr lang="ar-AE" sz="2000" i="1">
+                                      <a:latin typeface="Cambria Math" panose="02040503050406030204" pitchFamily="18" charset="0"/>
+                                    </a:rPr>
+                                  </m:ctrlPr>
+                                </m:sSubPr>
+                                <m:e>
+                                  <m:r>
+                                    <a:rPr lang="ar-AE" sz="2000">
+                                      <a:latin typeface="Cambria Math" panose="02040503050406030204" pitchFamily="18" charset="0"/>
+                                    </a:rPr>
+                                    <m:t>𝑥</m:t>
+                                  </m:r>
+                                </m:e>
+                                <m:sub>
+                                  <m:r>
+                                    <a:rPr lang="ar-AE" sz="2000">
+                                      <a:latin typeface="Cambria Math" panose="02040503050406030204" pitchFamily="18" charset="0"/>
+                                    </a:rPr>
+                                    <m:t>𝑡𝑛</m:t>
+                                  </m:r>
+                                </m:sub>
+                              </m:sSub>
+                            </m:e>
+                          </m:nary>
+                          <m:r>
+                            <a:rPr lang="ar-AE" sz="2000">
+                              <a:latin typeface="Cambria Math" panose="02040503050406030204" pitchFamily="18" charset="0"/>
+                            </a:rPr>
+                            <m:t>+</m:t>
+                          </m:r>
+                          <m:nary>
+                            <m:naryPr>
+                              <m:chr m:val="∑"/>
+                              <m:limLoc m:val="undOvr"/>
+                              <m:ctrlPr>
+                                <a:rPr lang="ar-AE" sz="2000" i="1">
+                                  <a:latin typeface="Cambria Math" panose="02040503050406030204" pitchFamily="18" charset="0"/>
+                                </a:rPr>
+                              </m:ctrlPr>
+                            </m:naryPr>
+                            <m:sub>
+                              <m:r>
+                                <a:rPr lang="ar-AE" sz="2000">
+                                  <a:latin typeface="Cambria Math" panose="02040503050406030204" pitchFamily="18" charset="0"/>
+                                </a:rPr>
+                                <m:t>𝑒</m:t>
+                              </m:r>
+                              <m:r>
+                                <a:rPr lang="ar-AE" sz="2000">
+                                  <a:latin typeface="Cambria Math" panose="02040503050406030204" pitchFamily="18" charset="0"/>
+                                </a:rPr>
+                                <m:t>∈</m:t>
+                              </m:r>
+                              <m:r>
+                                <a:rPr lang="ar-AE" sz="2000">
+                                  <a:latin typeface="Cambria Math" panose="02040503050406030204" pitchFamily="18" charset="0"/>
+                                </a:rPr>
+                                <m:t>𝐸</m:t>
+                              </m:r>
+                            </m:sub>
+                            <m:sup>
+                              <m:r>
+                                <a:rPr lang="ar-AE" sz="2000">
+                                  <a:latin typeface="Cambria Math" panose="02040503050406030204" pitchFamily="18" charset="0"/>
+                                </a:rPr>
+                                <m:t>​</m:t>
+                              </m:r>
+                            </m:sup>
+                            <m:e>
+                              <m:sSub>
+                                <m:sSubPr>
+                                  <m:ctrlPr>
+                                    <a:rPr lang="ar-AE" sz="2000" i="1">
+                                      <a:latin typeface="Cambria Math" panose="02040503050406030204" pitchFamily="18" charset="0"/>
+                                    </a:rPr>
+                                  </m:ctrlPr>
+                                </m:sSubPr>
+                                <m:e>
+                                  <m:r>
+                                    <a:rPr lang="ar-AE" sz="2000">
+                                      <a:latin typeface="Cambria Math" panose="02040503050406030204" pitchFamily="18" charset="0"/>
+                                    </a:rPr>
+                                    <m:t>𝑦</m:t>
+                                  </m:r>
+                                </m:e>
+                                <m:sub>
+                                  <m:r>
+                                    <a:rPr lang="ar-AE" sz="2000">
+                                      <a:latin typeface="Cambria Math" panose="02040503050406030204" pitchFamily="18" charset="0"/>
+                                    </a:rPr>
+                                    <m:t>𝑡𝑒</m:t>
+                                  </m:r>
+                                </m:sub>
+                              </m:sSub>
+                            </m:e>
+                          </m:nary>
+                        </m:e>
+                      </m:d>
+                    </m:oMath>
+                  </m:oMathPara>
+                </a14:m>
+                <a:endParaRPr lang="ar-AE" sz="2000" dirty="0"/>
+              </a:p>
+              <a:p>
+                <a:r>
+                  <a:rPr lang="en-US" sz="2000" dirty="0"/>
+                  <a:t>Maximize tutor’s preference on tuition </a:t>
+                </a:r>
+                <a:r>
+                  <a:rPr lang="en-US" sz="2000" dirty="0" err="1"/>
+                  <a:t>centre</a:t>
+                </a:r>
+                <a:r>
+                  <a:rPr lang="en-US" sz="2000" dirty="0"/>
+                  <a:t> (for new students). Same as in (a).</a:t>
+                </a:r>
+                <a:endParaRPr lang="ar-AE" sz="2000" dirty="0"/>
+              </a:p>
+              <a:p>
+                <a:pPr marL="0" lvl="0" indent="0">
+                  <a:buNone/>
+                </a:pPr>
+                <a:r>
+                  <a:rPr lang="en-US" sz="2400" dirty="0"/>
+                  <a:t>Objective function (combined): </a:t>
+                </a:r>
+              </a:p>
+              <a:p>
+                <a:r>
+                  <a:rPr lang="en-US" sz="2000" dirty="0"/>
+                  <a:t>Combine the two objectives into a single objective function:</a:t>
+                </a:r>
+              </a:p>
+              <a:p>
+                <a:pPr marL="0" lvl="0" indent="0">
+                  <a:buNone/>
+                </a:pPr>
+                <a14:m>
+                  <m:oMathPara xmlns:m="http://schemas.openxmlformats.org/officeDocument/2006/math">
+                    <m:oMathParaPr>
+                      <m:jc m:val="center"/>
+                    </m:oMathParaPr>
+                    <m:oMath xmlns:m="http://schemas.openxmlformats.org/officeDocument/2006/math">
+                      <m:r>
+                        <m:rPr>
+                          <m:sty m:val="p"/>
+                        </m:rPr>
+                        <a:rPr lang="en-US" sz="2000">
+                          <a:latin typeface="Cambria Math" panose="02040503050406030204" pitchFamily="18" charset="0"/>
+                        </a:rPr>
+                        <m:t>min</m:t>
+                      </m:r>
+                      <m:limLow>
+                        <m:limLowPr>
+                          <m:ctrlPr>
+                            <a:rPr lang="ar-AE" sz="2000" i="1">
+                              <a:latin typeface="Cambria Math" panose="02040503050406030204" pitchFamily="18" charset="0"/>
+                            </a:rPr>
+                          </m:ctrlPr>
+                        </m:limLowPr>
+                        <m:e>
+                          <m:r>
+                            <m:rPr>
+                              <m:sty m:val="p"/>
+                            </m:rPr>
+                            <a:rPr lang="en-US" sz="2000">
+                              <a:latin typeface="Cambria Math" panose="02040503050406030204" pitchFamily="18" charset="0"/>
+                            </a:rPr>
+                            <m:t>max</m:t>
+                          </m:r>
+                        </m:e>
+                        <m:lim>
+                          <m:r>
+                            <a:rPr lang="ar-AE" sz="2000">
+                              <a:latin typeface="Cambria Math" panose="02040503050406030204" pitchFamily="18" charset="0"/>
+                            </a:rPr>
+                            <m:t>𝑡</m:t>
+                          </m:r>
+                          <m:r>
+                            <a:rPr lang="ar-AE" sz="2000">
+                              <a:latin typeface="Cambria Math" panose="02040503050406030204" pitchFamily="18" charset="0"/>
+                            </a:rPr>
+                            <m:t>∈</m:t>
+                          </m:r>
+                          <m:r>
+                            <a:rPr lang="ar-AE" sz="2000">
+                              <a:latin typeface="Cambria Math" panose="02040503050406030204" pitchFamily="18" charset="0"/>
+                            </a:rPr>
+                            <m:t>𝑇</m:t>
+                          </m:r>
+                        </m:lim>
+                      </m:limLow>
+                      <m:d>
+                        <m:dPr>
+                          <m:ctrlPr>
+                            <a:rPr lang="ar-AE" sz="2000" i="1">
+                              <a:latin typeface="Cambria Math" panose="02040503050406030204" pitchFamily="18" charset="0"/>
+                            </a:rPr>
+                          </m:ctrlPr>
+                        </m:dPr>
+                        <m:e>
+                          <m:nary>
+                            <m:naryPr>
+                              <m:chr m:val="∑"/>
+                              <m:limLoc m:val="undOvr"/>
+                              <m:ctrlPr>
+                                <a:rPr lang="ar-AE" sz="2000" i="1">
+                                  <a:latin typeface="Cambria Math" panose="02040503050406030204" pitchFamily="18" charset="0"/>
+                                </a:rPr>
+                              </m:ctrlPr>
+                            </m:naryPr>
+                            <m:sub>
+                              <m:r>
+                                <a:rPr lang="ar-AE" sz="2000">
+                                  <a:latin typeface="Cambria Math" panose="02040503050406030204" pitchFamily="18" charset="0"/>
+                                </a:rPr>
+                                <m:t>𝑛</m:t>
+                              </m:r>
+                              <m:r>
+                                <a:rPr lang="ar-AE" sz="2000">
+                                  <a:latin typeface="Cambria Math" panose="02040503050406030204" pitchFamily="18" charset="0"/>
+                                </a:rPr>
+                                <m:t>∈</m:t>
+                              </m:r>
+                              <m:r>
+                                <a:rPr lang="ar-AE" sz="2000">
+                                  <a:latin typeface="Cambria Math" panose="02040503050406030204" pitchFamily="18" charset="0"/>
+                                </a:rPr>
+                                <m:t>𝑁</m:t>
+                              </m:r>
+                            </m:sub>
+                            <m:sup>
+                              <m:r>
+                                <a:rPr lang="ar-AE" sz="2000">
+                                  <a:latin typeface="Cambria Math" panose="02040503050406030204" pitchFamily="18" charset="0"/>
+                                </a:rPr>
+                                <m:t>​</m:t>
+                              </m:r>
+                            </m:sup>
+                            <m:e>
+                              <m:sSub>
+                                <m:sSubPr>
+                                  <m:ctrlPr>
+                                    <a:rPr lang="ar-AE" sz="2000" i="1">
+                                      <a:latin typeface="Cambria Math" panose="02040503050406030204" pitchFamily="18" charset="0"/>
+                                    </a:rPr>
+                                  </m:ctrlPr>
+                                </m:sSubPr>
+                                <m:e>
+                                  <m:r>
+                                    <a:rPr lang="ar-AE" sz="2000">
+                                      <a:latin typeface="Cambria Math" panose="02040503050406030204" pitchFamily="18" charset="0"/>
+                                    </a:rPr>
+                                    <m:t>𝑥</m:t>
+                                  </m:r>
+                                </m:e>
+                                <m:sub>
+                                  <m:r>
+                                    <a:rPr lang="ar-AE" sz="2000">
+                                      <a:latin typeface="Cambria Math" panose="02040503050406030204" pitchFamily="18" charset="0"/>
+                                    </a:rPr>
+                                    <m:t>𝑡𝑛</m:t>
+                                  </m:r>
+                                </m:sub>
+                              </m:sSub>
+                            </m:e>
+                          </m:nary>
+                          <m:r>
+                            <a:rPr lang="ar-AE" sz="2000">
+                              <a:latin typeface="Cambria Math" panose="02040503050406030204" pitchFamily="18" charset="0"/>
+                            </a:rPr>
+                            <m:t>+</m:t>
+                          </m:r>
+                          <m:nary>
+                            <m:naryPr>
+                              <m:chr m:val="∑"/>
+                              <m:limLoc m:val="undOvr"/>
+                              <m:ctrlPr>
+                                <a:rPr lang="ar-AE" sz="2000" i="1">
+                                  <a:latin typeface="Cambria Math" panose="02040503050406030204" pitchFamily="18" charset="0"/>
+                                </a:rPr>
+                              </m:ctrlPr>
+                            </m:naryPr>
+                            <m:sub>
+                              <m:r>
+                                <a:rPr lang="ar-AE" sz="2000">
+                                  <a:latin typeface="Cambria Math" panose="02040503050406030204" pitchFamily="18" charset="0"/>
+                                </a:rPr>
+                                <m:t>𝑒𝑖𝑛𝐸</m:t>
+                              </m:r>
+                            </m:sub>
+                            <m:sup>
+                              <m:r>
+                                <a:rPr lang="ar-AE" sz="2000">
+                                  <a:latin typeface="Cambria Math" panose="02040503050406030204" pitchFamily="18" charset="0"/>
+                                </a:rPr>
+                                <m:t>​</m:t>
+                              </m:r>
+                            </m:sup>
+                            <m:e>
+                              <m:sSub>
+                                <m:sSubPr>
+                                  <m:ctrlPr>
+                                    <a:rPr lang="ar-AE" sz="2000" i="1">
+                                      <a:latin typeface="Cambria Math" panose="02040503050406030204" pitchFamily="18" charset="0"/>
+                                    </a:rPr>
+                                  </m:ctrlPr>
+                                </m:sSubPr>
+                                <m:e>
+                                  <m:r>
+                                    <a:rPr lang="ar-AE" sz="2000">
+                                      <a:latin typeface="Cambria Math" panose="02040503050406030204" pitchFamily="18" charset="0"/>
+                                    </a:rPr>
+                                    <m:t>𝑦</m:t>
+                                  </m:r>
+                                </m:e>
+                                <m:sub>
+                                  <m:r>
+                                    <a:rPr lang="ar-AE" sz="2000">
+                                      <a:latin typeface="Cambria Math" panose="02040503050406030204" pitchFamily="18" charset="0"/>
+                                    </a:rPr>
+                                    <m:t>𝑡𝑒</m:t>
+                                  </m:r>
+                                </m:sub>
+                              </m:sSub>
+                            </m:e>
+                          </m:nary>
+                        </m:e>
+                      </m:d>
+                      <m:r>
+                        <a:rPr lang="ar-AE" sz="2000">
+                          <a:latin typeface="Cambria Math" panose="02040503050406030204" pitchFamily="18" charset="0"/>
+                        </a:rPr>
+                        <m:t>−</m:t>
+                      </m:r>
+                      <m:r>
+                        <a:rPr lang="ar-AE" sz="2000">
+                          <a:latin typeface="Cambria Math" panose="02040503050406030204" pitchFamily="18" charset="0"/>
+                        </a:rPr>
+                        <m:t>𝛽</m:t>
+                      </m:r>
+                      <m:nary>
+                        <m:naryPr>
+                          <m:chr m:val="∑"/>
+                          <m:limLoc m:val="undOvr"/>
+                          <m:ctrlPr>
+                            <a:rPr lang="ar-AE" sz="2000" i="1">
+                              <a:latin typeface="Cambria Math" panose="02040503050406030204" pitchFamily="18" charset="0"/>
+                            </a:rPr>
+                          </m:ctrlPr>
+                        </m:naryPr>
+                        <m:sub>
+                          <m:r>
+                            <a:rPr lang="ar-AE" sz="2000">
+                              <a:latin typeface="Cambria Math" panose="02040503050406030204" pitchFamily="18" charset="0"/>
+                            </a:rPr>
+                            <m:t>𝑡</m:t>
+                          </m:r>
+                          <m:r>
+                            <a:rPr lang="ar-AE" sz="2000">
+                              <a:latin typeface="Cambria Math" panose="02040503050406030204" pitchFamily="18" charset="0"/>
+                            </a:rPr>
+                            <m:t>∈</m:t>
+                          </m:r>
+                          <m:r>
+                            <a:rPr lang="ar-AE" sz="2000">
+                              <a:latin typeface="Cambria Math" panose="02040503050406030204" pitchFamily="18" charset="0"/>
+                            </a:rPr>
+                            <m:t>𝑇</m:t>
+                          </m:r>
+                        </m:sub>
+                        <m:sup>
+                          <m:r>
+                            <a:rPr lang="ar-AE" sz="2000">
+                              <a:latin typeface="Cambria Math" panose="02040503050406030204" pitchFamily="18" charset="0"/>
+                            </a:rPr>
+                            <m:t>​</m:t>
+                          </m:r>
+                        </m:sup>
+                        <m:e>
+                          <m:nary>
+                            <m:naryPr>
+                              <m:chr m:val="∑"/>
+                              <m:limLoc m:val="undOvr"/>
+                              <m:ctrlPr>
+                                <a:rPr lang="ar-AE" sz="2000" i="1">
+                                  <a:latin typeface="Cambria Math" panose="02040503050406030204" pitchFamily="18" charset="0"/>
+                                </a:rPr>
+                              </m:ctrlPr>
+                            </m:naryPr>
+                            <m:sub>
+                              <m:r>
+                                <a:rPr lang="ar-AE" sz="2000">
+                                  <a:latin typeface="Cambria Math" panose="02040503050406030204" pitchFamily="18" charset="0"/>
+                                </a:rPr>
+                                <m:t>𝑛</m:t>
+                              </m:r>
+                              <m:r>
+                                <a:rPr lang="ar-AE" sz="2000">
+                                  <a:latin typeface="Cambria Math" panose="02040503050406030204" pitchFamily="18" charset="0"/>
+                                </a:rPr>
+                                <m:t>∈</m:t>
+                              </m:r>
+                              <m:r>
+                                <a:rPr lang="ar-AE" sz="2000">
+                                  <a:latin typeface="Cambria Math" panose="02040503050406030204" pitchFamily="18" charset="0"/>
+                                </a:rPr>
+                                <m:t>𝑁</m:t>
+                              </m:r>
+                            </m:sub>
+                            <m:sup>
+                              <m:r>
+                                <a:rPr lang="ar-AE" sz="2000">
+                                  <a:latin typeface="Cambria Math" panose="02040503050406030204" pitchFamily="18" charset="0"/>
+                                </a:rPr>
+                                <m:t>​</m:t>
+                              </m:r>
+                            </m:sup>
+                            <m:e>
+                              <m:sSub>
+                                <m:sSubPr>
+                                  <m:ctrlPr>
+                                    <a:rPr lang="ar-AE" sz="2000" i="1">
+                                      <a:latin typeface="Cambria Math" panose="02040503050406030204" pitchFamily="18" charset="0"/>
+                                    </a:rPr>
+                                  </m:ctrlPr>
+                                </m:sSubPr>
+                                <m:e>
+                                  <m:r>
+                                    <a:rPr lang="ar-AE" sz="2000">
+                                      <a:latin typeface="Cambria Math" panose="02040503050406030204" pitchFamily="18" charset="0"/>
+                                    </a:rPr>
+                                    <m:t>𝑐</m:t>
+                                  </m:r>
+                                </m:e>
+                                <m:sub>
+                                  <m:r>
+                                    <a:rPr lang="ar-AE" sz="2000">
+                                      <a:latin typeface="Cambria Math" panose="02040503050406030204" pitchFamily="18" charset="0"/>
+                                    </a:rPr>
+                                    <m:t>𝑡𝑛</m:t>
+                                  </m:r>
+                                </m:sub>
+                              </m:sSub>
+                            </m:e>
+                          </m:nary>
+                        </m:e>
+                      </m:nary>
+                      <m:sSub>
+                        <m:sSubPr>
+                          <m:ctrlPr>
+                            <a:rPr lang="ar-AE" sz="2000" i="1">
+                              <a:latin typeface="Cambria Math" panose="02040503050406030204" pitchFamily="18" charset="0"/>
+                            </a:rPr>
+                          </m:ctrlPr>
+                        </m:sSubPr>
+                        <m:e>
+                          <m:r>
+                            <a:rPr lang="ar-AE" sz="2000">
+                              <a:latin typeface="Cambria Math" panose="02040503050406030204" pitchFamily="18" charset="0"/>
+                            </a:rPr>
+                            <m:t>𝑥</m:t>
+                          </m:r>
+                        </m:e>
+                        <m:sub>
+                          <m:r>
+                            <a:rPr lang="ar-AE" sz="2000">
+                              <a:latin typeface="Cambria Math" panose="02040503050406030204" pitchFamily="18" charset="0"/>
+                            </a:rPr>
+                            <m:t>𝑡𝑛</m:t>
+                          </m:r>
+                        </m:sub>
+                      </m:sSub>
+                      <m:r>
+                        <a:rPr lang="ar-AE" sz="2000">
+                          <a:latin typeface="Cambria Math" panose="02040503050406030204" pitchFamily="18" charset="0"/>
+                        </a:rPr>
+                        <m:t>,</m:t>
+                      </m:r>
+                    </m:oMath>
+                  </m:oMathPara>
+                </a14:m>
+                <a:endParaRPr lang="ar-AE" sz="2000" dirty="0"/>
+              </a:p>
+              <a:p>
+                <a:pPr marL="0" lvl="0" indent="0">
+                  <a:buNone/>
+                </a:pPr>
+                <a:r>
+                  <a:rPr lang="en-US" sz="2000" dirty="0"/>
+                  <a:t>where </a:t>
+                </a:r>
+                <a14:m>
+                  <m:oMath xmlns:m="http://schemas.openxmlformats.org/officeDocument/2006/math">
+                    <m:r>
+                      <a:rPr lang="en-US" sz="2000">
+                        <a:latin typeface="Cambria Math" panose="02040503050406030204" pitchFamily="18" charset="0"/>
+                      </a:rPr>
+                      <m:t>𝛽</m:t>
+                    </m:r>
+                  </m:oMath>
+                </a14:m>
+                <a:r>
+                  <a:rPr lang="en-US" sz="2000" dirty="0"/>
+                  <a:t> is a weighting factor to balance the two objectives, as </a:t>
+                </a:r>
+                <a14:m>
+                  <m:oMath xmlns:m="http://schemas.openxmlformats.org/officeDocument/2006/math">
+                    <m:r>
+                      <a:rPr lang="en-US" sz="2000">
+                        <a:latin typeface="Cambria Math" panose="02040503050406030204" pitchFamily="18" charset="0"/>
+                      </a:rPr>
+                      <m:t>𝛽</m:t>
+                    </m:r>
+                    <m:r>
+                      <a:rPr lang="en-US" sz="2000">
+                        <a:latin typeface="Cambria Math" panose="02040503050406030204" pitchFamily="18" charset="0"/>
+                      </a:rPr>
+                      <m:t>=</m:t>
+                    </m:r>
+                    <m:f>
+                      <m:fPr>
+                        <m:ctrlPr>
+                          <a:rPr lang="ar-AE" sz="2000" i="1">
+                            <a:latin typeface="Cambria Math" panose="02040503050406030204" pitchFamily="18" charset="0"/>
+                          </a:rPr>
+                        </m:ctrlPr>
+                      </m:fPr>
+                      <m:num>
+                        <m:sSub>
+                          <m:sSubPr>
+                            <m:ctrlPr>
+                              <a:rPr lang="ar-AE" sz="2000" i="1">
+                                <a:latin typeface="Cambria Math" panose="02040503050406030204" pitchFamily="18" charset="0"/>
+                              </a:rPr>
+                            </m:ctrlPr>
+                          </m:sSubPr>
+                          <m:e>
+                            <m:r>
+                              <m:rPr>
+                                <m:sty m:val="p"/>
+                              </m:rPr>
+                              <a:rPr lang="en-US" sz="2000">
+                                <a:latin typeface="Cambria Math" panose="02040503050406030204" pitchFamily="18" charset="0"/>
+                              </a:rPr>
+                              <m:t>max</m:t>
+                            </m:r>
+                          </m:e>
+                          <m:sub>
+                            <m:r>
+                              <a:rPr lang="ar-AE" sz="2000">
+                                <a:latin typeface="Cambria Math" panose="02040503050406030204" pitchFamily="18" charset="0"/>
+                              </a:rPr>
+                              <m:t>𝑡</m:t>
+                            </m:r>
+                            <m:r>
+                              <a:rPr lang="ar-AE" sz="2000">
+                                <a:latin typeface="Cambria Math" panose="02040503050406030204" pitchFamily="18" charset="0"/>
+                              </a:rPr>
+                              <m:t>∈</m:t>
+                            </m:r>
+                            <m:r>
+                              <a:rPr lang="ar-AE" sz="2000">
+                                <a:latin typeface="Cambria Math" panose="02040503050406030204" pitchFamily="18" charset="0"/>
+                              </a:rPr>
+                              <m:t>𝑇</m:t>
+                            </m:r>
+                          </m:sub>
+                        </m:sSub>
+                        <m:r>
+                          <a:rPr lang="ar-AE" sz="2000">
+                            <a:latin typeface="Cambria Math" panose="02040503050406030204" pitchFamily="18" charset="0"/>
+                          </a:rPr>
+                          <m:t>𝑐𝑎</m:t>
+                        </m:r>
+                        <m:sSub>
+                          <m:sSubPr>
+                            <m:ctrlPr>
+                              <a:rPr lang="ar-AE" sz="2000" i="1">
+                                <a:latin typeface="Cambria Math" panose="02040503050406030204" pitchFamily="18" charset="0"/>
+                              </a:rPr>
+                            </m:ctrlPr>
+                          </m:sSubPr>
+                          <m:e>
+                            <m:r>
+                              <a:rPr lang="ar-AE" sz="2000">
+                                <a:latin typeface="Cambria Math" panose="02040503050406030204" pitchFamily="18" charset="0"/>
+                              </a:rPr>
+                              <m:t>𝑝</m:t>
+                            </m:r>
+                          </m:e>
+                          <m:sub>
+                            <m:r>
+                              <a:rPr lang="ar-AE" sz="2000">
+                                <a:latin typeface="Cambria Math" panose="02040503050406030204" pitchFamily="18" charset="0"/>
+                              </a:rPr>
+                              <m:t>𝑡</m:t>
+                            </m:r>
+                          </m:sub>
+                        </m:sSub>
+                      </m:num>
+                      <m:den>
+                        <m:r>
+                          <a:rPr lang="ar-AE" sz="2000">
+                            <a:latin typeface="Cambria Math" panose="02040503050406030204" pitchFamily="18" charset="0"/>
+                          </a:rPr>
+                          <m:t>2</m:t>
+                        </m:r>
+                        <m:r>
+                          <a:rPr lang="ar-AE" sz="2000">
+                            <a:latin typeface="Cambria Math" panose="02040503050406030204" pitchFamily="18" charset="0"/>
+                          </a:rPr>
+                          <m:t>|</m:t>
+                        </m:r>
+                        <m:r>
+                          <a:rPr lang="ar-AE" sz="2000">
+                            <a:latin typeface="Cambria Math" panose="02040503050406030204" pitchFamily="18" charset="0"/>
+                          </a:rPr>
+                          <m:t>𝑆</m:t>
+                        </m:r>
+                        <m:r>
+                          <a:rPr lang="ar-AE" sz="2000">
+                            <a:latin typeface="Cambria Math" panose="02040503050406030204" pitchFamily="18" charset="0"/>
+                          </a:rPr>
+                          <m:t>|</m:t>
+                        </m:r>
+                      </m:den>
+                    </m:f>
+                    <m:r>
+                      <a:rPr lang="en-US" sz="2000" b="0" i="1" smtClean="0">
+                        <a:latin typeface="Cambria Math" panose="02040503050406030204" pitchFamily="18" charset="0"/>
+                      </a:rPr>
+                      <m:t>=</m:t>
+                    </m:r>
+                    <m:f>
+                      <m:fPr>
+                        <m:ctrlPr>
+                          <a:rPr lang="en-US" sz="2000" b="0" i="1" smtClean="0">
+                            <a:latin typeface="Cambria Math" panose="02040503050406030204" pitchFamily="18" charset="0"/>
+                          </a:rPr>
+                        </m:ctrlPr>
+                      </m:fPr>
+                      <m:num>
+                        <m:r>
+                          <a:rPr lang="en-US" sz="2000" b="0" i="1" smtClean="0">
+                            <a:latin typeface="Cambria Math" panose="02040503050406030204" pitchFamily="18" charset="0"/>
+                          </a:rPr>
+                          <m:t>8</m:t>
+                        </m:r>
+                      </m:num>
+                      <m:den>
+                        <m:r>
+                          <a:rPr lang="en-US" sz="2000" b="0" i="1" smtClean="0">
+                            <a:latin typeface="Cambria Math" panose="02040503050406030204" pitchFamily="18" charset="0"/>
+                          </a:rPr>
+                          <m:t>64</m:t>
+                        </m:r>
+                      </m:den>
+                    </m:f>
+                  </m:oMath>
+                </a14:m>
+                <a:endParaRPr lang="en-US" sz="2000" dirty="0"/>
+              </a:p>
+            </p:txBody>
+          </p:sp>
+        </mc:Choice>
+        <mc:Fallback>
+          <p:sp>
+            <p:nvSpPr>
+              <p:cNvPr id="3" name="Content Placeholder 2">
+                <a:extLst>
+                  <a:ext uri="{FF2B5EF4-FFF2-40B4-BE49-F238E27FC236}">
+                    <a16:creationId xmlns:a16="http://schemas.microsoft.com/office/drawing/2014/main" id="{74C08170-7F9D-8E42-368F-78418917AEFD}"/>
+                  </a:ext>
+                </a:extLst>
+              </p:cNvPr>
+              <p:cNvSpPr>
+                <a:spLocks noGrp="1" noRot="1" noChangeAspect="1" noMove="1" noResize="1" noEditPoints="1" noAdjustHandles="1" noChangeArrowheads="1" noChangeShapeType="1" noTextEdit="1"/>
+              </p:cNvSpPr>
+              <p:nvPr>
+                <p:ph idx="1"/>
+              </p:nvPr>
+            </p:nvSpPr>
+            <p:spPr>
+              <a:xfrm>
+                <a:off x="838200" y="1520824"/>
+                <a:ext cx="10515600" cy="5184775"/>
+              </a:xfrm>
+              <a:blipFill>
+                <a:blip r:embed="rId2"/>
+                <a:stretch>
+                  <a:fillRect l="-928" t="-1528"/>
+                </a:stretch>
+              </a:blipFill>
+            </p:spPr>
+            <p:txBody>
+              <a:bodyPr/>
+              <a:lstStyle/>
+              <a:p>
+                <a:r>
+                  <a:rPr lang="en-US">
+                    <a:noFill/>
+                  </a:rPr>
+                  <a:t> </a:t>
+                </a:r>
+              </a:p>
+            </p:txBody>
+          </p:sp>
+        </mc:Fallback>
+      </mc:AlternateContent>
+    </p:spTree>
+    <p:extLst>
+      <p:ext uri="{BB962C8B-B14F-4D97-AF65-F5344CB8AC3E}">
+        <p14:creationId xmlns:p14="http://schemas.microsoft.com/office/powerpoint/2010/main" val="1576875330"/>
+      </p:ext>
+    </p:extLst>
+  </p:cSld>
+  <p:clrMapOvr>
+    <a:masterClrMapping/>
+  </p:clrMapOvr>
+</p:sld>
+</file>
+
+<file path=ppt/slides/slide13.xml><?xml version="1.0" encoding="utf-8"?>
+<p:sld xmlns:a="http://schemas.openxmlformats.org/drawingml/2006/main" xmlns:r="http://schemas.openxmlformats.org/officeDocument/2006/relationships" xmlns:p="http://schemas.openxmlformats.org/presentationml/2006/main">
+  <p:cSld>
+    <p:spTree>
+      <p:nvGrpSpPr>
+        <p:cNvPr id="1" name="">
+          <a:extLst>
+            <a:ext uri="{FF2B5EF4-FFF2-40B4-BE49-F238E27FC236}">
+              <a16:creationId xmlns:a16="http://schemas.microsoft.com/office/drawing/2014/main" id="{035C7F8E-DCE3-C427-C1FB-F2C6C9DBD034}"/>
+            </a:ext>
+          </a:extLst>
+        </p:cNvPr>
+        <p:cNvGrpSpPr/>
+        <p:nvPr/>
+      </p:nvGrpSpPr>
+      <p:grpSpPr>
+        <a:xfrm>
+          <a:off x="0" y="0"/>
+          <a:ext cx="0" cy="0"/>
+          <a:chOff x="0" y="0"/>
+          <a:chExt cx="0" cy="0"/>
+        </a:xfrm>
+      </p:grpSpPr>
+      <p:sp>
+        <p:nvSpPr>
+          <p:cNvPr id="2" name="Title 1">
+            <a:extLst>
+              <a:ext uri="{FF2B5EF4-FFF2-40B4-BE49-F238E27FC236}">
+                <a16:creationId xmlns:a16="http://schemas.microsoft.com/office/drawing/2014/main" id="{62734F31-5345-707C-A13F-9B12AC4E72C5}"/>
+              </a:ext>
+            </a:extLst>
+          </p:cNvPr>
+          <p:cNvSpPr>
+            <a:spLocks noGrp="1"/>
+          </p:cNvSpPr>
+          <p:nvPr>
+            <p:ph type="title"/>
+          </p:nvPr>
+        </p:nvSpPr>
+        <p:spPr/>
+        <p:txBody>
+          <a:bodyPr/>
+          <a:lstStyle/>
+          <a:p>
+            <a:r>
+              <a:rPr lang="en-US" dirty="0"/>
+              <a:t>Results (a)</a:t>
+            </a:r>
+          </a:p>
+        </p:txBody>
+      </p:sp>
+      <p:sp>
+        <p:nvSpPr>
+          <p:cNvPr id="3" name="Content Placeholder 2">
+            <a:extLst>
+              <a:ext uri="{FF2B5EF4-FFF2-40B4-BE49-F238E27FC236}">
+                <a16:creationId xmlns:a16="http://schemas.microsoft.com/office/drawing/2014/main" id="{CDA3ED9C-9410-2A18-AF17-47E487299910}"/>
+              </a:ext>
+            </a:extLst>
+          </p:cNvPr>
+          <p:cNvSpPr>
+            <a:spLocks noGrp="1"/>
+          </p:cNvSpPr>
+          <p:nvPr>
+            <p:ph idx="1"/>
+          </p:nvPr>
+        </p:nvSpPr>
+        <p:spPr>
+          <a:xfrm>
+            <a:off x="838200" y="1520825"/>
+            <a:ext cx="10515600" cy="4351338"/>
+          </a:xfrm>
+        </p:spPr>
+        <p:txBody>
+          <a:bodyPr>
+            <a:normAutofit/>
+          </a:bodyPr>
+          <a:lstStyle/>
+          <a:p>
+            <a:endParaRPr lang="en-US" sz="2400" dirty="0"/>
+          </a:p>
+        </p:txBody>
+      </p:sp>
+    </p:spTree>
+    <p:extLst>
+      <p:ext uri="{BB962C8B-B14F-4D97-AF65-F5344CB8AC3E}">
+        <p14:creationId xmlns:p14="http://schemas.microsoft.com/office/powerpoint/2010/main" val="4075300097"/>
+      </p:ext>
+    </p:extLst>
+  </p:cSld>
+  <p:clrMapOvr>
+    <a:masterClrMapping/>
+  </p:clrMapOvr>
+</p:sld>
+</file>
+
+<file path=ppt/slides/slide14.xml><?xml version="1.0" encoding="utf-8"?>
+<p:sld xmlns:a="http://schemas.openxmlformats.org/drawingml/2006/main" xmlns:r="http://schemas.openxmlformats.org/officeDocument/2006/relationships" xmlns:p="http://schemas.openxmlformats.org/presentationml/2006/main">
+  <p:cSld>
+    <p:spTree>
+      <p:nvGrpSpPr>
+        <p:cNvPr id="1" name="">
+          <a:extLst>
+            <a:ext uri="{FF2B5EF4-FFF2-40B4-BE49-F238E27FC236}">
               <a16:creationId xmlns:a16="http://schemas.microsoft.com/office/drawing/2014/main" id="{CC278B0A-953B-6726-10A2-B2F18363DC92}"/>
             </a:ext>
           </a:extLst>
@@ -3915,7 +6670,7 @@
 </p:sld>
 </file>
 
-<file path=ppt/slides/slide11.xml><?xml version="1.0" encoding="utf-8"?>
+<file path=ppt/slides/slide15.xml><?xml version="1.0" encoding="utf-8"?>
 <p:sld xmlns:a="http://schemas.openxmlformats.org/drawingml/2006/main" xmlns:r="http://schemas.openxmlformats.org/officeDocument/2006/relationships" xmlns:p="http://schemas.openxmlformats.org/presentationml/2006/main">
   <p:cSld>
     <p:spTree>
@@ -4331,53 +7086,104 @@
         </p:nvSpPr>
         <p:spPr>
           <a:xfrm>
-            <a:off x="838200" y="1520825"/>
+            <a:off x="838200" y="1812227"/>
             <a:ext cx="10515600" cy="4351338"/>
           </a:xfrm>
         </p:spPr>
         <p:txBody>
           <a:bodyPr>
-            <a:normAutofit/>
+            <a:normAutofit lnSpcReduction="10000"/>
           </a:bodyPr>
           <a:lstStyle/>
           <a:p>
             <a:r>
-              <a:rPr lang="en-US" dirty="0"/>
+              <a:rPr lang="en-US" sz="3200" dirty="0"/>
               <a:t>To generate an optimal assignment for tutors and students under capacity constraints and one-sided tutor preferences.</a:t>
             </a:r>
           </a:p>
           <a:p>
             <a:r>
-              <a:rPr lang="en-US" dirty="0"/>
+              <a:rPr lang="en-US" sz="3200" dirty="0"/>
               <a:t>Satisfy constraints + maximize tutor preferences </a:t>
             </a:r>
-            <a:r>
-              <a:rPr lang="en-US" dirty="0">
+          </a:p>
+          <a:p>
+            <a:pPr lvl="1">
+              <a:buFont typeface="Wingdings" panose="05000000000000000000" pitchFamily="2" charset="2"/>
+              <a:buChar char="à"/>
+            </a:pPr>
+            <a:r>
+              <a:rPr lang="en-US" sz="2800" dirty="0">
                 <a:sym typeface="Wingdings" panose="05000000000000000000" pitchFamily="2" charset="2"/>
               </a:rPr>
-              <a:t> smooth operations + </a:t>
-            </a:r>
-            <a:r>
-              <a:rPr lang="en-US" dirty="0"/>
-              <a:t>tutors happy </a:t>
-            </a:r>
-            <a:r>
-              <a:rPr lang="en-US" dirty="0">
+              <a:t>smooth operations + </a:t>
+            </a:r>
+            <a:r>
+              <a:rPr lang="en-US" sz="2800" dirty="0"/>
+              <a:t>tutors happy 😀</a:t>
+            </a:r>
+          </a:p>
+          <a:p>
+            <a:pPr lvl="1">
+              <a:buFont typeface="Wingdings" panose="05000000000000000000" pitchFamily="2" charset="2"/>
+              <a:buChar char="à"/>
+            </a:pPr>
+            <a:r>
+              <a:rPr lang="en-US" sz="2800" dirty="0"/>
+              <a:t>better quality teaching </a:t>
+            </a:r>
+            <a:endParaRPr lang="en-US" sz="2800" dirty="0">
+              <a:sym typeface="Wingdings" panose="05000000000000000000" pitchFamily="2" charset="2"/>
+            </a:endParaRPr>
+          </a:p>
+          <a:p>
+            <a:pPr lvl="1">
+              <a:buFont typeface="Wingdings" panose="05000000000000000000" pitchFamily="2" charset="2"/>
+              <a:buChar char="à"/>
+            </a:pPr>
+            <a:r>
+              <a:rPr lang="en-US" sz="2800" dirty="0">
                 <a:sym typeface="Wingdings" panose="05000000000000000000" pitchFamily="2" charset="2"/>
               </a:rPr>
-              <a:t></a:t>
-            </a:r>
-            <a:r>
-              <a:rPr lang="en-US" dirty="0"/>
-              <a:t> better quality teaching </a:t>
-            </a:r>
-            <a:r>
-              <a:rPr lang="en-US" dirty="0">
+              <a:t>satisfied students + better results 💯</a:t>
+            </a:r>
+          </a:p>
+          <a:p>
+            <a:pPr lvl="1">
+              <a:buFont typeface="Wingdings" panose="05000000000000000000" pitchFamily="2" charset="2"/>
+              <a:buChar char="à"/>
+            </a:pPr>
+            <a:r>
+              <a:rPr lang="en-US" sz="2800" dirty="0">
                 <a:sym typeface="Wingdings" panose="05000000000000000000" pitchFamily="2" charset="2"/>
               </a:rPr>
-              <a:t> satisfied students + better results  parents continue with the tuition center + recommend it to their friends  profit</a:t>
-            </a:r>
-            <a:endParaRPr lang="en-US" dirty="0"/>
+              <a:t>parents continue with the tuition </a:t>
+            </a:r>
+            <a:r>
+              <a:rPr lang="en-US" sz="2800" dirty="0" err="1">
+                <a:sym typeface="Wingdings" panose="05000000000000000000" pitchFamily="2" charset="2"/>
+              </a:rPr>
+              <a:t>centre</a:t>
+            </a:r>
+            <a:r>
+              <a:rPr lang="en-US" sz="2800" dirty="0">
+                <a:sym typeface="Wingdings" panose="05000000000000000000" pitchFamily="2" charset="2"/>
+              </a:rPr>
+              <a:t> + recommend it to their friends </a:t>
+            </a:r>
+          </a:p>
+          <a:p>
+            <a:pPr lvl="1">
+              <a:buFont typeface="Wingdings" panose="05000000000000000000" pitchFamily="2" charset="2"/>
+              <a:buChar char="à"/>
+            </a:pPr>
+            <a:r>
+              <a:rPr lang="en-US" sz="2800" dirty="0">
+                <a:sym typeface="Wingdings" panose="05000000000000000000" pitchFamily="2" charset="2"/>
+              </a:rPr>
+              <a:t>profit 💵</a:t>
+            </a:r>
+            <a:endParaRPr lang="en-US" sz="2800" dirty="0"/>
           </a:p>
         </p:txBody>
       </p:sp>
@@ -4518,7 +7324,7 @@
             </a:r>
             <a:r>
               <a:rPr lang="en-US" sz="2400" dirty="0"/>
-              <a:t>discusses methods to associate students teachers for tutoring according to their skills and affinities.</a:t>
+              <a:t>discusses methods to associate students and teachers for tutoring according to their skills and affinities.</a:t>
             </a:r>
           </a:p>
           <a:p>
@@ -4660,7 +7466,7 @@
         </p:nvSpPr>
         <p:spPr>
           <a:xfrm>
-            <a:off x="838200" y="1520825"/>
+            <a:off x="838200" y="1942856"/>
             <a:ext cx="10515600" cy="4351338"/>
           </a:xfrm>
         </p:spPr>
@@ -4670,7 +7476,44 @@
           </a:bodyPr>
           <a:lstStyle/>
           <a:p>
-            <a:endParaRPr lang="en-US" sz="2400" dirty="0"/>
+            <a:r>
+              <a:rPr lang="en-US" sz="3200" dirty="0"/>
+              <a:t>For all students, changing of </a:t>
+            </a:r>
+            <a:r>
+              <a:rPr lang="en-US" sz="3200" dirty="0" err="1"/>
+              <a:t>centres</a:t>
+            </a:r>
+            <a:r>
+              <a:rPr lang="en-US" sz="3200" dirty="0"/>
+              <a:t> is not allowed.</a:t>
+            </a:r>
+          </a:p>
+          <a:p>
+            <a:r>
+              <a:rPr lang="en-US" sz="3200" dirty="0"/>
+              <a:t>For existing students, changing of tutors is not allowed. Exceptions are granted for students that are matched wrongly based on tutoring needs.</a:t>
+            </a:r>
+          </a:p>
+          <a:p>
+            <a:r>
+              <a:rPr lang="en-US" sz="3200" dirty="0"/>
+              <a:t>A feasible assignment exists, that is, the number of students does not exceed the total capacity of tutors, for both normal and extensive teaching needs.</a:t>
+            </a:r>
+          </a:p>
+          <a:p>
+            <a:r>
+              <a:rPr lang="en-US" sz="3200" dirty="0"/>
+              <a:t>Tutors can teach at multiple </a:t>
+            </a:r>
+            <a:r>
+              <a:rPr lang="en-US" sz="3200" dirty="0" err="1"/>
+              <a:t>centres</a:t>
+            </a:r>
+            <a:r>
+              <a:rPr lang="en-US" sz="3200" dirty="0"/>
+              <a:t>.</a:t>
+            </a:r>
           </a:p>
         </p:txBody>
       </p:sp>
@@ -4688,6 +7531,286 @@
 </file>
 
 <file path=ppt/slides/slide6.xml><?xml version="1.0" encoding="utf-8"?>
+<p:sld xmlns:a="http://schemas.openxmlformats.org/drawingml/2006/main" xmlns:r="http://schemas.openxmlformats.org/officeDocument/2006/relationships" xmlns:p="http://schemas.openxmlformats.org/presentationml/2006/main">
+  <p:cSld>
+    <p:spTree>
+      <p:nvGrpSpPr>
+        <p:cNvPr id="1" name=""/>
+        <p:cNvGrpSpPr/>
+        <p:nvPr/>
+      </p:nvGrpSpPr>
+      <p:grpSpPr>
+        <a:xfrm>
+          <a:off x="0" y="0"/>
+          <a:ext cx="0" cy="0"/>
+          <a:chOff x="0" y="0"/>
+          <a:chExt cx="0" cy="0"/>
+        </a:xfrm>
+      </p:grpSpPr>
+      <p:sp>
+        <p:nvSpPr>
+          <p:cNvPr id="2" name="Title 1">
+            <a:extLst>
+              <a:ext uri="{FF2B5EF4-FFF2-40B4-BE49-F238E27FC236}">
+                <a16:creationId xmlns:a16="http://schemas.microsoft.com/office/drawing/2014/main" id="{3F0D960A-C4AD-AA80-1D64-27743C6401CA}"/>
+              </a:ext>
+            </a:extLst>
+          </p:cNvPr>
+          <p:cNvSpPr>
+            <a:spLocks noGrp="1"/>
+          </p:cNvSpPr>
+          <p:nvPr>
+            <p:ph type="title"/>
+          </p:nvPr>
+        </p:nvSpPr>
+        <p:spPr/>
+        <p:txBody>
+          <a:bodyPr/>
+          <a:lstStyle/>
+          <a:p>
+            <a:r>
+              <a:rPr lang="en-US"/>
+              <a:t>Data Available (Rows Truncated)</a:t>
+            </a:r>
+            <a:endParaRPr lang="en-US" dirty="0"/>
+          </a:p>
+        </p:txBody>
+      </p:sp>
+      <p:pic>
+        <p:nvPicPr>
+          <p:cNvPr id="7" name="Picture 6">
+            <a:extLst>
+              <a:ext uri="{FF2B5EF4-FFF2-40B4-BE49-F238E27FC236}">
+                <a16:creationId xmlns:a16="http://schemas.microsoft.com/office/drawing/2014/main" id="{40868573-EA9E-B94C-46C3-27F546F03AF0}"/>
+              </a:ext>
+            </a:extLst>
+          </p:cNvPr>
+          <p:cNvPicPr>
+            <a:picLocks noChangeAspect="1"/>
+          </p:cNvPicPr>
+          <p:nvPr/>
+        </p:nvPicPr>
+        <p:blipFill>
+          <a:blip r:embed="rId2"/>
+          <a:stretch>
+            <a:fillRect/>
+          </a:stretch>
+        </p:blipFill>
+        <p:spPr>
+          <a:xfrm>
+            <a:off x="433296" y="3003285"/>
+            <a:ext cx="10920504" cy="1782446"/>
+          </a:xfrm>
+          <a:prstGeom prst="rect">
+            <a:avLst/>
+          </a:prstGeom>
+        </p:spPr>
+      </p:pic>
+      <p:pic>
+        <p:nvPicPr>
+          <p:cNvPr id="5" name="Content Placeholder 4">
+            <a:extLst>
+              <a:ext uri="{FF2B5EF4-FFF2-40B4-BE49-F238E27FC236}">
+                <a16:creationId xmlns:a16="http://schemas.microsoft.com/office/drawing/2014/main" id="{3154EBA5-6C1D-5E90-884A-9B45EFC3B73D}"/>
+              </a:ext>
+            </a:extLst>
+          </p:cNvPr>
+          <p:cNvPicPr>
+            <a:picLocks noGrp="1" noChangeAspect="1"/>
+          </p:cNvPicPr>
+          <p:nvPr>
+            <p:ph idx="1"/>
+          </p:nvPr>
+        </p:nvPicPr>
+        <p:blipFill>
+          <a:blip r:embed="rId3"/>
+          <a:stretch>
+            <a:fillRect/>
+          </a:stretch>
+        </p:blipFill>
+        <p:spPr>
+          <a:xfrm>
+            <a:off x="2533689" y="1382079"/>
+            <a:ext cx="7283551" cy="1898595"/>
+          </a:xfrm>
+          <a:prstGeom prst="rect">
+            <a:avLst/>
+          </a:prstGeom>
+        </p:spPr>
+      </p:pic>
+      <p:pic>
+        <p:nvPicPr>
+          <p:cNvPr id="11" name="Picture 10">
+            <a:extLst>
+              <a:ext uri="{FF2B5EF4-FFF2-40B4-BE49-F238E27FC236}">
+                <a16:creationId xmlns:a16="http://schemas.microsoft.com/office/drawing/2014/main" id="{67343A18-0E24-C06F-9BF7-AD03A9A5D36E}"/>
+              </a:ext>
+            </a:extLst>
+          </p:cNvPr>
+          <p:cNvPicPr>
+            <a:picLocks noChangeAspect="1"/>
+          </p:cNvPicPr>
+          <p:nvPr/>
+        </p:nvPicPr>
+        <p:blipFill>
+          <a:blip r:embed="rId4"/>
+          <a:stretch>
+            <a:fillRect/>
+          </a:stretch>
+        </p:blipFill>
+        <p:spPr>
+          <a:xfrm>
+            <a:off x="0" y="4785731"/>
+            <a:ext cx="12192000" cy="1910887"/>
+          </a:xfrm>
+          <a:prstGeom prst="rect">
+            <a:avLst/>
+          </a:prstGeom>
+        </p:spPr>
+      </p:pic>
+    </p:spTree>
+    <p:extLst>
+      <p:ext uri="{BB962C8B-B14F-4D97-AF65-F5344CB8AC3E}">
+        <p14:creationId xmlns:p14="http://schemas.microsoft.com/office/powerpoint/2010/main" val="2576153535"/>
+      </p:ext>
+    </p:extLst>
+  </p:cSld>
+  <p:clrMapOvr>
+    <a:masterClrMapping/>
+  </p:clrMapOvr>
+</p:sld>
+</file>
+
+<file path=ppt/slides/slide7.xml><?xml version="1.0" encoding="utf-8"?>
+<p:sld xmlns:a="http://schemas.openxmlformats.org/drawingml/2006/main" xmlns:r="http://schemas.openxmlformats.org/officeDocument/2006/relationships" xmlns:p="http://schemas.openxmlformats.org/presentationml/2006/main">
+  <p:cSld>
+    <p:spTree>
+      <p:nvGrpSpPr>
+        <p:cNvPr id="1" name="">
+          <a:extLst>
+            <a:ext uri="{FF2B5EF4-FFF2-40B4-BE49-F238E27FC236}">
+              <a16:creationId xmlns:a16="http://schemas.microsoft.com/office/drawing/2014/main" id="{8DC7F4DC-FBB4-5DAE-2758-8EAEAEBF6D99}"/>
+            </a:ext>
+          </a:extLst>
+        </p:cNvPr>
+        <p:cNvGrpSpPr/>
+        <p:nvPr/>
+      </p:nvGrpSpPr>
+      <p:grpSpPr>
+        <a:xfrm>
+          <a:off x="0" y="0"/>
+          <a:ext cx="0" cy="0"/>
+          <a:chOff x="0" y="0"/>
+          <a:chExt cx="0" cy="0"/>
+        </a:xfrm>
+      </p:grpSpPr>
+      <p:sp>
+        <p:nvSpPr>
+          <p:cNvPr id="2" name="Title 1">
+            <a:extLst>
+              <a:ext uri="{FF2B5EF4-FFF2-40B4-BE49-F238E27FC236}">
+                <a16:creationId xmlns:a16="http://schemas.microsoft.com/office/drawing/2014/main" id="{9685E650-B841-F059-A0EE-5C55EE2F2834}"/>
+              </a:ext>
+            </a:extLst>
+          </p:cNvPr>
+          <p:cNvSpPr>
+            <a:spLocks noGrp="1"/>
+          </p:cNvSpPr>
+          <p:nvPr>
+            <p:ph type="title"/>
+          </p:nvPr>
+        </p:nvSpPr>
+        <p:spPr/>
+        <p:txBody>
+          <a:bodyPr/>
+          <a:lstStyle/>
+          <a:p>
+            <a:r>
+              <a:rPr lang="en-US" dirty="0"/>
+              <a:t>Data Validation</a:t>
+            </a:r>
+          </a:p>
+        </p:txBody>
+      </p:sp>
+      <p:sp>
+        <p:nvSpPr>
+          <p:cNvPr id="3" name="Content Placeholder 2">
+            <a:extLst>
+              <a:ext uri="{FF2B5EF4-FFF2-40B4-BE49-F238E27FC236}">
+                <a16:creationId xmlns:a16="http://schemas.microsoft.com/office/drawing/2014/main" id="{D51452F6-3D9D-C5CA-F1B2-85CC003BA303}"/>
+              </a:ext>
+            </a:extLst>
+          </p:cNvPr>
+          <p:cNvSpPr>
+            <a:spLocks noGrp="1"/>
+          </p:cNvSpPr>
+          <p:nvPr>
+            <p:ph idx="1"/>
+          </p:nvPr>
+        </p:nvSpPr>
+        <p:spPr>
+          <a:xfrm>
+            <a:off x="838200" y="2506662"/>
+            <a:ext cx="10515600" cy="4351338"/>
+          </a:xfrm>
+        </p:spPr>
+        <p:txBody>
+          <a:bodyPr>
+            <a:normAutofit/>
+          </a:bodyPr>
+          <a:lstStyle/>
+          <a:p>
+            <a:pPr marL="0" indent="0">
+              <a:buNone/>
+            </a:pPr>
+            <a:r>
+              <a:rPr lang="en-US" dirty="0"/>
+              <a:t>✅ 0 duplicates/missing data</a:t>
+            </a:r>
+          </a:p>
+          <a:p>
+            <a:pPr marL="0" indent="0">
+              <a:buNone/>
+            </a:pPr>
+            <a:r>
+              <a:rPr lang="en-US" dirty="0"/>
+              <a:t>✅ Sufficient capacity – normal and extensive needs both ok</a:t>
+            </a:r>
+          </a:p>
+          <a:p>
+            <a:pPr marL="0" indent="0">
+              <a:buNone/>
+            </a:pPr>
+            <a:r>
+              <a:rPr lang="en-US" dirty="0"/>
+              <a:t>❌ New students are assigned smaller IDs than existing students.</a:t>
+            </a:r>
+          </a:p>
+          <a:p>
+            <a:pPr marL="0" indent="0">
+              <a:buNone/>
+            </a:pPr>
+            <a:r>
+              <a:rPr lang="en-US" dirty="0"/>
+              <a:t>❌2 existing extensive needs students assigned to normal skills tutor (we will reassign them)</a:t>
+            </a:r>
+          </a:p>
+        </p:txBody>
+      </p:sp>
+    </p:spTree>
+    <p:extLst>
+      <p:ext uri="{BB962C8B-B14F-4D97-AF65-F5344CB8AC3E}">
+        <p14:creationId xmlns:p14="http://schemas.microsoft.com/office/powerpoint/2010/main" val="1870322208"/>
+      </p:ext>
+    </p:extLst>
+  </p:cSld>
+  <p:clrMapOvr>
+    <a:masterClrMapping/>
+  </p:clrMapOvr>
+</p:sld>
+</file>
+
+<file path=ppt/slides/slide8.xml><?xml version="1.0" encoding="utf-8"?>
 <p:sld xmlns:a="http://schemas.openxmlformats.org/drawingml/2006/main" xmlns:r="http://schemas.openxmlformats.org/officeDocument/2006/relationships" xmlns:p="http://schemas.openxmlformats.org/presentationml/2006/main">
   <p:cSld>
     <p:spTree>
@@ -4738,38 +7861,684 @@
           </a:p>
         </p:txBody>
       </p:sp>
-      <p:sp>
-        <p:nvSpPr>
-          <p:cNvPr id="3" name="Content Placeholder 2">
-            <a:extLst>
-              <a:ext uri="{FF2B5EF4-FFF2-40B4-BE49-F238E27FC236}">
-                <a16:creationId xmlns:a16="http://schemas.microsoft.com/office/drawing/2014/main" id="{6C692743-3EAD-7B33-C42A-90D51793D2B5}"/>
-              </a:ext>
-            </a:extLst>
-          </p:cNvPr>
-          <p:cNvSpPr>
-            <a:spLocks noGrp="1"/>
-          </p:cNvSpPr>
-          <p:nvPr>
-            <p:ph idx="1"/>
-          </p:nvPr>
-        </p:nvSpPr>
-        <p:spPr>
-          <a:xfrm>
-            <a:off x="838200" y="1520825"/>
-            <a:ext cx="10515600" cy="4351338"/>
-          </a:xfrm>
-        </p:spPr>
-        <p:txBody>
-          <a:bodyPr>
-            <a:normAutofit/>
-          </a:bodyPr>
-          <a:lstStyle/>
-          <a:p>
-            <a:endParaRPr lang="en-US" sz="2400" dirty="0"/>
-          </a:p>
-        </p:txBody>
-      </p:sp>
+      <mc:AlternateContent xmlns:mc="http://schemas.openxmlformats.org/markup-compatibility/2006">
+        <mc:Choice xmlns:a14="http://schemas.microsoft.com/office/drawing/2010/main" Requires="a14">
+          <p:sp>
+            <p:nvSpPr>
+              <p:cNvPr id="3" name="Content Placeholder 2">
+                <a:extLst>
+                  <a:ext uri="{FF2B5EF4-FFF2-40B4-BE49-F238E27FC236}">
+                    <a16:creationId xmlns:a16="http://schemas.microsoft.com/office/drawing/2014/main" id="{6C692743-3EAD-7B33-C42A-90D51793D2B5}"/>
+                  </a:ext>
+                </a:extLst>
+              </p:cNvPr>
+              <p:cNvSpPr>
+                <a:spLocks noGrp="1"/>
+              </p:cNvSpPr>
+              <p:nvPr>
+                <p:ph idx="1"/>
+              </p:nvPr>
+            </p:nvSpPr>
+            <p:spPr>
+              <a:xfrm>
+                <a:off x="838200" y="1520825"/>
+                <a:ext cx="10515600" cy="4732491"/>
+              </a:xfrm>
+            </p:spPr>
+            <p:txBody>
+              <a:bodyPr>
+                <a:noAutofit/>
+              </a:bodyPr>
+              <a:lstStyle/>
+              <a:p>
+                <a:pPr marL="0" lvl="0" indent="0">
+                  <a:buNone/>
+                </a:pPr>
+                <a:r>
+                  <a:rPr lang="en-US" sz="2400" dirty="0"/>
+                  <a:t>Parameters: </a:t>
+                </a:r>
+              </a:p>
+              <a:p>
+                <a14:m>
+                  <m:oMath xmlns:m="http://schemas.openxmlformats.org/officeDocument/2006/math">
+                    <m:r>
+                      <a:rPr lang="en-US" sz="1800">
+                        <a:latin typeface="Cambria Math" panose="02040503050406030204" pitchFamily="18" charset="0"/>
+                      </a:rPr>
+                      <m:t>𝐸</m:t>
+                    </m:r>
+                    <m:r>
+                      <a:rPr lang="en-US" sz="1800" b="0" i="0" smtClean="0">
+                        <a:latin typeface="Cambria Math" panose="02040503050406030204" pitchFamily="18" charset="0"/>
+                      </a:rPr>
+                      <m:t>:</m:t>
+                    </m:r>
+                  </m:oMath>
+                </a14:m>
+                <a:r>
+                  <a:rPr lang="en-US" sz="1800" dirty="0"/>
+                  <a:t> set of existing students</a:t>
+                </a:r>
+              </a:p>
+              <a:p>
+                <a14:m>
+                  <m:oMath xmlns:m="http://schemas.openxmlformats.org/officeDocument/2006/math">
+                    <m:r>
+                      <a:rPr lang="en-US" sz="1800">
+                        <a:latin typeface="Cambria Math" panose="02040503050406030204" pitchFamily="18" charset="0"/>
+                      </a:rPr>
+                      <m:t>𝑁</m:t>
+                    </m:r>
+                  </m:oMath>
+                </a14:m>
+                <a:r>
+                  <a:rPr lang="en-US" sz="1800" dirty="0"/>
+                  <a:t>: set of new students</a:t>
+                </a:r>
+              </a:p>
+              <a:p>
+                <a14:m>
+                  <m:oMath xmlns:m="http://schemas.openxmlformats.org/officeDocument/2006/math">
+                    <m:r>
+                      <a:rPr lang="en-US" sz="1800">
+                        <a:latin typeface="Cambria Math" panose="02040503050406030204" pitchFamily="18" charset="0"/>
+                      </a:rPr>
+                      <m:t>𝑇</m:t>
+                    </m:r>
+                  </m:oMath>
+                </a14:m>
+                <a:r>
+                  <a:rPr lang="en-US" sz="1800" dirty="0"/>
+                  <a:t>: set of tutors</a:t>
+                </a:r>
+                <a:endParaRPr lang="en-US" sz="1800" i="1" dirty="0">
+                  <a:latin typeface="Cambria Math" panose="02040503050406030204" pitchFamily="18" charset="0"/>
+                </a:endParaRPr>
+              </a:p>
+              <a:p>
+                <a14:m>
+                  <m:oMath xmlns:m="http://schemas.openxmlformats.org/officeDocument/2006/math">
+                    <m:sSub>
+                      <m:sSubPr>
+                        <m:ctrlPr>
+                          <a:rPr lang="ar-AE" sz="1800" i="1">
+                            <a:latin typeface="Cambria Math" panose="02040503050406030204" pitchFamily="18" charset="0"/>
+                          </a:rPr>
+                        </m:ctrlPr>
+                      </m:sSubPr>
+                      <m:e>
+                        <m:r>
+                          <a:rPr lang="ar-AE" sz="1800">
+                            <a:latin typeface="Cambria Math" panose="02040503050406030204" pitchFamily="18" charset="0"/>
+                          </a:rPr>
+                          <m:t>𝑇</m:t>
+                        </m:r>
+                      </m:e>
+                      <m:sub>
+                        <m:r>
+                          <a:rPr lang="ar-AE" sz="1800">
+                            <a:latin typeface="Cambria Math" panose="02040503050406030204" pitchFamily="18" charset="0"/>
+                          </a:rPr>
+                          <m:t>𝑒𝑥𝑡</m:t>
+                        </m:r>
+                      </m:sub>
+                    </m:sSub>
+                  </m:oMath>
+                </a14:m>
+                <a:r>
+                  <a:rPr lang="en-US" sz="1800" dirty="0"/>
+                  <a:t>:</a:t>
+                </a:r>
+                <a:r>
+                  <a:rPr lang="ar-AE" sz="1800" dirty="0"/>
+                  <a:t> </a:t>
+                </a:r>
+                <a:r>
+                  <a:rPr lang="en-US" sz="1800" dirty="0"/>
+                  <a:t>set of tutors that can handle extensive tutoring needs</a:t>
+                </a:r>
+                <a:endParaRPr lang="en-US" sz="1800" i="1" dirty="0">
+                  <a:latin typeface="Cambria Math" panose="02040503050406030204" pitchFamily="18" charset="0"/>
+                </a:endParaRPr>
+              </a:p>
+              <a:p>
+                <a14:m>
+                  <m:oMath xmlns:m="http://schemas.openxmlformats.org/officeDocument/2006/math">
+                    <m:sSub>
+                      <m:sSubPr>
+                        <m:ctrlPr>
+                          <a:rPr lang="ar-AE" sz="1800" i="1">
+                            <a:latin typeface="Cambria Math" panose="02040503050406030204" pitchFamily="18" charset="0"/>
+                          </a:rPr>
+                        </m:ctrlPr>
+                      </m:sSubPr>
+                      <m:e>
+                        <m:r>
+                          <a:rPr lang="ar-AE" sz="1800">
+                            <a:latin typeface="Cambria Math" panose="02040503050406030204" pitchFamily="18" charset="0"/>
+                          </a:rPr>
+                          <m:t>𝑁</m:t>
+                        </m:r>
+                      </m:e>
+                      <m:sub>
+                        <m:r>
+                          <a:rPr lang="ar-AE" sz="1800">
+                            <a:latin typeface="Cambria Math" panose="02040503050406030204" pitchFamily="18" charset="0"/>
+                          </a:rPr>
+                          <m:t>𝑒𝑥𝑡</m:t>
+                        </m:r>
+                      </m:sub>
+                    </m:sSub>
+                    <m:r>
+                      <a:rPr lang="en-US" sz="1800" b="0" i="1" smtClean="0">
+                        <a:latin typeface="Cambria Math" panose="02040503050406030204" pitchFamily="18" charset="0"/>
+                      </a:rPr>
+                      <m:t>:</m:t>
+                    </m:r>
+                  </m:oMath>
+                </a14:m>
+                <a:r>
+                  <a:rPr lang="ar-AE" sz="1800" dirty="0"/>
+                  <a:t> </a:t>
+                </a:r>
+                <a:r>
+                  <a:rPr lang="en-US" sz="1800" dirty="0"/>
+                  <a:t>set of new students that require extensive tutoring needs</a:t>
+                </a:r>
+              </a:p>
+              <a:p>
+                <a14:m>
+                  <m:oMath xmlns:m="http://schemas.openxmlformats.org/officeDocument/2006/math">
+                    <m:r>
+                      <a:rPr lang="en-US" sz="1800">
+                        <a:latin typeface="Cambria Math" panose="02040503050406030204" pitchFamily="18" charset="0"/>
+                      </a:rPr>
+                      <m:t>𝑐𝑎</m:t>
+                    </m:r>
+                    <m:sSub>
+                      <m:sSubPr>
+                        <m:ctrlPr>
+                          <a:rPr lang="ar-AE" sz="1800" i="1">
+                            <a:latin typeface="Cambria Math" panose="02040503050406030204" pitchFamily="18" charset="0"/>
+                          </a:rPr>
+                        </m:ctrlPr>
+                      </m:sSubPr>
+                      <m:e>
+                        <m:r>
+                          <a:rPr lang="ar-AE" sz="1800">
+                            <a:latin typeface="Cambria Math" panose="02040503050406030204" pitchFamily="18" charset="0"/>
+                          </a:rPr>
+                          <m:t>𝑝</m:t>
+                        </m:r>
+                      </m:e>
+                      <m:sub>
+                        <m:r>
+                          <a:rPr lang="ar-AE" sz="1800">
+                            <a:latin typeface="Cambria Math" panose="02040503050406030204" pitchFamily="18" charset="0"/>
+                          </a:rPr>
+                          <m:t>𝑡</m:t>
+                        </m:r>
+                      </m:sub>
+                    </m:sSub>
+                  </m:oMath>
+                </a14:m>
+                <a:r>
+                  <a:rPr lang="en-US" sz="1800" dirty="0"/>
+                  <a:t>:</a:t>
+                </a:r>
+                <a:r>
+                  <a:rPr lang="ar-AE" sz="1800" dirty="0"/>
+                  <a:t> </a:t>
+                </a:r>
+                <a:r>
+                  <a:rPr lang="en-US" sz="1800" dirty="0"/>
+                  <a:t>be the capacity of tutor </a:t>
+                </a:r>
+                <a14:m>
+                  <m:oMath xmlns:m="http://schemas.openxmlformats.org/officeDocument/2006/math">
+                    <m:r>
+                      <a:rPr lang="en-US" sz="1800">
+                        <a:latin typeface="Cambria Math" panose="02040503050406030204" pitchFamily="18" charset="0"/>
+                      </a:rPr>
+                      <m:t>𝑡</m:t>
+                    </m:r>
+                  </m:oMath>
+                </a14:m>
+                <a:endParaRPr lang="en-US" sz="1800" dirty="0"/>
+              </a:p>
+              <a:p>
+                <a14:m>
+                  <m:oMath xmlns:m="http://schemas.openxmlformats.org/officeDocument/2006/math">
+                    <m:sSub>
+                      <m:sSubPr>
+                        <m:ctrlPr>
+                          <a:rPr lang="ar-AE" sz="1800" i="1">
+                            <a:latin typeface="Cambria Math" panose="02040503050406030204" pitchFamily="18" charset="0"/>
+                          </a:rPr>
+                        </m:ctrlPr>
+                      </m:sSubPr>
+                      <m:e>
+                        <m:r>
+                          <a:rPr lang="ar-AE" sz="1800">
+                            <a:latin typeface="Cambria Math" panose="02040503050406030204" pitchFamily="18" charset="0"/>
+                          </a:rPr>
+                          <m:t>𝑦</m:t>
+                        </m:r>
+                      </m:e>
+                      <m:sub>
+                        <m:r>
+                          <a:rPr lang="ar-AE" sz="1800">
+                            <a:latin typeface="Cambria Math" panose="02040503050406030204" pitchFamily="18" charset="0"/>
+                          </a:rPr>
+                          <m:t>𝑡𝑒</m:t>
+                        </m:r>
+                      </m:sub>
+                    </m:sSub>
+                    <m:r>
+                      <a:rPr lang="en-US" sz="1800" b="0" i="1" smtClean="0">
+                        <a:latin typeface="Cambria Math" panose="02040503050406030204" pitchFamily="18" charset="0"/>
+                      </a:rPr>
+                      <m:t>:</m:t>
+                    </m:r>
+                  </m:oMath>
+                </a14:m>
+                <a:r>
+                  <a:rPr lang="en-US" sz="1800" dirty="0"/>
+                  <a:t> constant that is 1 if tutor </a:t>
+                </a:r>
+                <a14:m>
+                  <m:oMath xmlns:m="http://schemas.openxmlformats.org/officeDocument/2006/math">
+                    <m:r>
+                      <a:rPr lang="en-US" sz="1800">
+                        <a:latin typeface="Cambria Math" panose="02040503050406030204" pitchFamily="18" charset="0"/>
+                      </a:rPr>
+                      <m:t>𝑡</m:t>
+                    </m:r>
+                  </m:oMath>
+                </a14:m>
+                <a:r>
+                  <a:rPr lang="en-US" sz="1800" dirty="0"/>
+                  <a:t> was assigned to existing student </a:t>
+                </a:r>
+                <a14:m>
+                  <m:oMath xmlns:m="http://schemas.openxmlformats.org/officeDocument/2006/math">
+                    <m:r>
+                      <a:rPr lang="en-US" sz="1800">
+                        <a:latin typeface="Cambria Math" panose="02040503050406030204" pitchFamily="18" charset="0"/>
+                      </a:rPr>
+                      <m:t>𝑒</m:t>
+                    </m:r>
+                  </m:oMath>
+                </a14:m>
+                <a:r>
+                  <a:rPr lang="en-US" sz="1800" dirty="0"/>
+                  <a:t>, and 0 otherwise</a:t>
+                </a:r>
+              </a:p>
+              <a:p>
+                <a14:m>
+                  <m:oMath xmlns:m="http://schemas.openxmlformats.org/officeDocument/2006/math">
+                    <m:sSub>
+                      <m:sSubPr>
+                        <m:ctrlPr>
+                          <a:rPr lang="ar-AE" sz="1800" i="1">
+                            <a:latin typeface="Cambria Math" panose="02040503050406030204" pitchFamily="18" charset="0"/>
+                          </a:rPr>
+                        </m:ctrlPr>
+                      </m:sSubPr>
+                      <m:e>
+                        <m:r>
+                          <a:rPr lang="ar-AE" sz="1800">
+                            <a:latin typeface="Cambria Math" panose="02040503050406030204" pitchFamily="18" charset="0"/>
+                          </a:rPr>
+                          <m:t>𝑐</m:t>
+                        </m:r>
+                      </m:e>
+                      <m:sub>
+                        <m:r>
+                          <a:rPr lang="ar-AE" sz="1800">
+                            <a:latin typeface="Cambria Math" panose="02040503050406030204" pitchFamily="18" charset="0"/>
+                          </a:rPr>
+                          <m:t>𝑡𝑛</m:t>
+                        </m:r>
+                      </m:sub>
+                    </m:sSub>
+                  </m:oMath>
+                </a14:m>
+                <a:r>
+                  <a:rPr lang="en-US" sz="1800" dirty="0"/>
+                  <a:t>: coefficient for tutor </a:t>
+                </a:r>
+                <a14:m>
+                  <m:oMath xmlns:m="http://schemas.openxmlformats.org/officeDocument/2006/math">
+                    <m:r>
+                      <a:rPr lang="en-US" sz="1800">
+                        <a:latin typeface="Cambria Math" panose="02040503050406030204" pitchFamily="18" charset="0"/>
+                      </a:rPr>
+                      <m:t>𝑡</m:t>
+                    </m:r>
+                  </m:oMath>
+                </a14:m>
+                <a:r>
+                  <a:rPr lang="en-US" sz="1800" dirty="0"/>
+                  <a:t> assigned to new student </a:t>
+                </a:r>
+                <a14:m>
+                  <m:oMath xmlns:m="http://schemas.openxmlformats.org/officeDocument/2006/math">
+                    <m:r>
+                      <a:rPr lang="en-US" sz="1800">
+                        <a:latin typeface="Cambria Math" panose="02040503050406030204" pitchFamily="18" charset="0"/>
+                      </a:rPr>
+                      <m:t>𝑛</m:t>
+                    </m:r>
+                    <m:r>
+                      <a:rPr lang="en-US" sz="1800" b="0" i="0" smtClean="0">
+                        <a:latin typeface="Cambria Math" panose="02040503050406030204" pitchFamily="18" charset="0"/>
+                      </a:rPr>
+                      <m:t>.</m:t>
+                    </m:r>
+                  </m:oMath>
+                </a14:m>
+                <a:r>
+                  <a:rPr lang="en-US" sz="1800" dirty="0"/>
+                  <a:t> </a:t>
+                </a:r>
+                <a14:m>
+                  <m:oMath xmlns:m="http://schemas.openxmlformats.org/officeDocument/2006/math">
+                    <m:sSub>
+                      <m:sSubPr>
+                        <m:ctrlPr>
+                          <a:rPr lang="ar-AE" sz="1800" i="1">
+                            <a:latin typeface="Cambria Math" panose="02040503050406030204" pitchFamily="18" charset="0"/>
+                          </a:rPr>
+                        </m:ctrlPr>
+                      </m:sSubPr>
+                      <m:e>
+                        <m:r>
+                          <a:rPr lang="ar-AE" sz="1800">
+                            <a:latin typeface="Cambria Math" panose="02040503050406030204" pitchFamily="18" charset="0"/>
+                          </a:rPr>
+                          <m:t>𝑐</m:t>
+                        </m:r>
+                      </m:e>
+                      <m:sub>
+                        <m:r>
+                          <a:rPr lang="ar-AE" sz="1800">
+                            <a:latin typeface="Cambria Math" panose="02040503050406030204" pitchFamily="18" charset="0"/>
+                          </a:rPr>
+                          <m:t>𝑡𝑛</m:t>
+                        </m:r>
+                      </m:sub>
+                    </m:sSub>
+                    <m:r>
+                      <a:rPr lang="ar-AE" sz="1800">
+                        <a:latin typeface="Cambria Math" panose="02040503050406030204" pitchFamily="18" charset="0"/>
+                      </a:rPr>
+                      <m:t>=</m:t>
+                    </m:r>
+                    <m:r>
+                      <a:rPr lang="ar-AE" sz="1800">
+                        <a:latin typeface="Cambria Math" panose="02040503050406030204" pitchFamily="18" charset="0"/>
+                      </a:rPr>
+                      <m:t>2</m:t>
+                    </m:r>
+                  </m:oMath>
+                </a14:m>
+                <a:r>
+                  <a:rPr lang="ar-AE" sz="1800" dirty="0"/>
+                  <a:t> </a:t>
+                </a:r>
+                <a:r>
+                  <a:rPr lang="en-US" sz="1800" dirty="0"/>
+                  <a:t>if student </a:t>
+                </a:r>
+                <a14:m>
+                  <m:oMath xmlns:m="http://schemas.openxmlformats.org/officeDocument/2006/math">
+                    <m:r>
+                      <a:rPr lang="en-US" sz="1800" b="0" i="1" smtClean="0">
+                        <a:latin typeface="Cambria Math" panose="02040503050406030204" pitchFamily="18" charset="0"/>
+                      </a:rPr>
+                      <m:t>𝑛</m:t>
+                    </m:r>
+                  </m:oMath>
+                </a14:m>
+                <a:r>
+                  <a:rPr lang="en-US" sz="1800" dirty="0"/>
+                  <a:t>’s </a:t>
+                </a:r>
+                <a:r>
+                  <a:rPr lang="en-US" sz="1800" dirty="0" err="1"/>
+                  <a:t>centre</a:t>
+                </a:r>
+                <a:r>
+                  <a:rPr lang="en-US" sz="1800" dirty="0"/>
+                  <a:t> is the tutor’s first choice, </a:t>
+                </a:r>
+                <a14:m>
+                  <m:oMath xmlns:m="http://schemas.openxmlformats.org/officeDocument/2006/math">
+                    <m:sSub>
+                      <m:sSubPr>
+                        <m:ctrlPr>
+                          <a:rPr lang="ar-AE" sz="1800" i="1">
+                            <a:latin typeface="Cambria Math" panose="02040503050406030204" pitchFamily="18" charset="0"/>
+                          </a:rPr>
+                        </m:ctrlPr>
+                      </m:sSubPr>
+                      <m:e>
+                        <m:r>
+                          <a:rPr lang="ar-AE" sz="1800">
+                            <a:latin typeface="Cambria Math" panose="02040503050406030204" pitchFamily="18" charset="0"/>
+                          </a:rPr>
+                          <m:t>𝑐</m:t>
+                        </m:r>
+                      </m:e>
+                      <m:sub>
+                        <m:r>
+                          <a:rPr lang="ar-AE" sz="1800">
+                            <a:latin typeface="Cambria Math" panose="02040503050406030204" pitchFamily="18" charset="0"/>
+                          </a:rPr>
+                          <m:t>𝑡𝑛</m:t>
+                        </m:r>
+                      </m:sub>
+                    </m:sSub>
+                    <m:r>
+                      <a:rPr lang="ar-AE" sz="1800">
+                        <a:latin typeface="Cambria Math" panose="02040503050406030204" pitchFamily="18" charset="0"/>
+                      </a:rPr>
+                      <m:t>=</m:t>
+                    </m:r>
+                    <m:r>
+                      <a:rPr lang="ar-AE" sz="1800">
+                        <a:latin typeface="Cambria Math" panose="02040503050406030204" pitchFamily="18" charset="0"/>
+                      </a:rPr>
+                      <m:t>1</m:t>
+                    </m:r>
+                  </m:oMath>
+                </a14:m>
+                <a:r>
+                  <a:rPr lang="ar-AE" sz="1800" dirty="0"/>
+                  <a:t> </a:t>
+                </a:r>
+                <a:r>
+                  <a:rPr lang="en-US" sz="1800" dirty="0"/>
+                  <a:t>if it is the tutor’s second choice, and </a:t>
+                </a:r>
+                <a14:m>
+                  <m:oMath xmlns:m="http://schemas.openxmlformats.org/officeDocument/2006/math">
+                    <m:sSub>
+                      <m:sSubPr>
+                        <m:ctrlPr>
+                          <a:rPr lang="ar-AE" sz="1800" i="1">
+                            <a:latin typeface="Cambria Math" panose="02040503050406030204" pitchFamily="18" charset="0"/>
+                          </a:rPr>
+                        </m:ctrlPr>
+                      </m:sSubPr>
+                      <m:e>
+                        <m:r>
+                          <a:rPr lang="ar-AE" sz="1800">
+                            <a:latin typeface="Cambria Math" panose="02040503050406030204" pitchFamily="18" charset="0"/>
+                          </a:rPr>
+                          <m:t>𝑐</m:t>
+                        </m:r>
+                      </m:e>
+                      <m:sub>
+                        <m:r>
+                          <a:rPr lang="ar-AE" sz="1800">
+                            <a:latin typeface="Cambria Math" panose="02040503050406030204" pitchFamily="18" charset="0"/>
+                          </a:rPr>
+                          <m:t>𝑡𝑛</m:t>
+                        </m:r>
+                      </m:sub>
+                    </m:sSub>
+                    <m:r>
+                      <a:rPr lang="ar-AE" sz="1800">
+                        <a:latin typeface="Cambria Math" panose="02040503050406030204" pitchFamily="18" charset="0"/>
+                      </a:rPr>
+                      <m:t>=</m:t>
+                    </m:r>
+                    <m:r>
+                      <a:rPr lang="ar-AE" sz="1800">
+                        <a:latin typeface="Cambria Math" panose="02040503050406030204" pitchFamily="18" charset="0"/>
+                      </a:rPr>
+                      <m:t>0</m:t>
+                    </m:r>
+                  </m:oMath>
+                </a14:m>
+                <a:r>
+                  <a:rPr lang="ar-AE" sz="1800" dirty="0"/>
+                  <a:t> </a:t>
+                </a:r>
+                <a:r>
+                  <a:rPr lang="en-US" sz="1800" dirty="0"/>
+                  <a:t>otherwise.</a:t>
+                </a:r>
+              </a:p>
+              <a:p>
+                <a:pPr marL="0" lvl="0" indent="0">
+                  <a:buNone/>
+                </a:pPr>
+                <a:r>
+                  <a:rPr lang="en-US" sz="2400" dirty="0"/>
+                  <a:t>Variables: </a:t>
+                </a:r>
+              </a:p>
+              <a:p>
+                <a14:m>
+                  <m:oMath xmlns:m="http://schemas.openxmlformats.org/officeDocument/2006/math">
+                    <m:sSub>
+                      <m:sSubPr>
+                        <m:ctrlPr>
+                          <a:rPr lang="ar-AE" sz="1800" i="1">
+                            <a:latin typeface="Cambria Math" panose="02040503050406030204" pitchFamily="18" charset="0"/>
+                          </a:rPr>
+                        </m:ctrlPr>
+                      </m:sSubPr>
+                      <m:e>
+                        <m:r>
+                          <a:rPr lang="ar-AE" sz="1800">
+                            <a:latin typeface="Cambria Math" panose="02040503050406030204" pitchFamily="18" charset="0"/>
+                          </a:rPr>
+                          <m:t>𝑥</m:t>
+                        </m:r>
+                      </m:e>
+                      <m:sub>
+                        <m:r>
+                          <a:rPr lang="ar-AE" sz="1800">
+                            <a:latin typeface="Cambria Math" panose="02040503050406030204" pitchFamily="18" charset="0"/>
+                          </a:rPr>
+                          <m:t>𝑡𝑛</m:t>
+                        </m:r>
+                      </m:sub>
+                    </m:sSub>
+                    <m:r>
+                      <a:rPr lang="en-US" sz="1800" b="0" i="0" smtClean="0">
+                        <a:latin typeface="Cambria Math" panose="02040503050406030204" pitchFamily="18" charset="0"/>
+                      </a:rPr>
+                      <m:t>:</m:t>
+                    </m:r>
+                  </m:oMath>
+                </a14:m>
+                <a:r>
+                  <a:rPr lang="en-US" sz="1800" dirty="0"/>
+                  <a:t> binary variable that is 1 if tutor </a:t>
+                </a:r>
+                <a14:m>
+                  <m:oMath xmlns:m="http://schemas.openxmlformats.org/officeDocument/2006/math">
+                    <m:r>
+                      <a:rPr lang="en-US" sz="1800">
+                        <a:latin typeface="Cambria Math" panose="02040503050406030204" pitchFamily="18" charset="0"/>
+                      </a:rPr>
+                      <m:t>𝑡</m:t>
+                    </m:r>
+                  </m:oMath>
+                </a14:m>
+                <a:r>
+                  <a:rPr lang="en-US" sz="1800" dirty="0"/>
+                  <a:t> is assigned to new student </a:t>
+                </a:r>
+                <a14:m>
+                  <m:oMath xmlns:m="http://schemas.openxmlformats.org/officeDocument/2006/math">
+                    <m:r>
+                      <a:rPr lang="en-US" sz="1800">
+                        <a:latin typeface="Cambria Math" panose="02040503050406030204" pitchFamily="18" charset="0"/>
+                      </a:rPr>
+                      <m:t>𝑛</m:t>
+                    </m:r>
+                  </m:oMath>
+                </a14:m>
+                <a:r>
+                  <a:rPr lang="en-US" sz="1800" dirty="0"/>
+                  <a:t>, and 0 otherwise.</a:t>
+                </a:r>
+              </a:p>
+            </p:txBody>
+          </p:sp>
+        </mc:Choice>
+        <mc:Fallback>
+          <p:sp>
+            <p:nvSpPr>
+              <p:cNvPr id="3" name="Content Placeholder 2">
+                <a:extLst>
+                  <a:ext uri="{FF2B5EF4-FFF2-40B4-BE49-F238E27FC236}">
+                    <a16:creationId xmlns:a16="http://schemas.microsoft.com/office/drawing/2014/main" id="{6C692743-3EAD-7B33-C42A-90D51793D2B5}"/>
+                  </a:ext>
+                </a:extLst>
+              </p:cNvPr>
+              <p:cNvSpPr>
+                <a:spLocks noGrp="1" noRot="1" noChangeAspect="1" noMove="1" noResize="1" noEditPoints="1" noAdjustHandles="1" noChangeArrowheads="1" noChangeShapeType="1" noTextEdit="1"/>
+              </p:cNvSpPr>
+              <p:nvPr>
+                <p:ph idx="1"/>
+              </p:nvPr>
+            </p:nvSpPr>
+            <p:spPr>
+              <a:xfrm>
+                <a:off x="838200" y="1520825"/>
+                <a:ext cx="10515600" cy="4732491"/>
+              </a:xfrm>
+              <a:blipFill>
+                <a:blip r:embed="rId2"/>
+                <a:stretch>
+                  <a:fillRect l="-928" t="-1673"/>
+                </a:stretch>
+              </a:blipFill>
+            </p:spPr>
+            <p:txBody>
+              <a:bodyPr/>
+              <a:lstStyle/>
+              <a:p>
+                <a:r>
+                  <a:rPr lang="en-US">
+                    <a:noFill/>
+                  </a:rPr>
+                  <a:t> </a:t>
+                </a:r>
+              </a:p>
+            </p:txBody>
+          </p:sp>
+        </mc:Fallback>
+      </mc:AlternateContent>
     </p:spTree>
     <p:extLst>
       <p:ext uri="{BB962C8B-B14F-4D97-AF65-F5344CB8AC3E}">
@@ -4783,7 +8552,7 @@
 </p:sld>
 </file>
 
-<file path=ppt/slides/slide7.xml><?xml version="1.0" encoding="utf-8"?>
+<file path=ppt/slides/slide9.xml><?xml version="1.0" encoding="utf-8"?>
 <p:sld xmlns:a="http://schemas.openxmlformats.org/drawingml/2006/main" xmlns:r="http://schemas.openxmlformats.org/officeDocument/2006/relationships" xmlns:p="http://schemas.openxmlformats.org/presentationml/2006/main">
   <p:cSld>
     <p:spTree>
@@ -4791,7 +8560,7 @@
         <p:cNvPr id="1" name="">
           <a:extLst>
             <a:ext uri="{FF2B5EF4-FFF2-40B4-BE49-F238E27FC236}">
-              <a16:creationId xmlns:a16="http://schemas.microsoft.com/office/drawing/2014/main" id="{F9CDB498-E029-449F-70AF-9F260131FFBF}"/>
+              <a16:creationId xmlns:a16="http://schemas.microsoft.com/office/drawing/2014/main" id="{5355D338-1B29-7EED-86EE-D8041E5F3ADA}"/>
             </a:ext>
           </a:extLst>
         </p:cNvPr>
@@ -4811,7 +8580,7 @@
           <p:cNvPr id="2" name="Title 1">
             <a:extLst>
               <a:ext uri="{FF2B5EF4-FFF2-40B4-BE49-F238E27FC236}">
-                <a16:creationId xmlns:a16="http://schemas.microsoft.com/office/drawing/2014/main" id="{FA801C68-EAA4-5F9C-45DD-6B86C849C218}"/>
+                <a16:creationId xmlns:a16="http://schemas.microsoft.com/office/drawing/2014/main" id="{23336320-0DE8-4146-3E9E-1061E726AE69}"/>
               </a:ext>
             </a:extLst>
           </p:cNvPr>
@@ -4829,239 +8598,608 @@
           <a:p>
             <a:r>
               <a:rPr lang="en-US" dirty="0"/>
-              <a:t>Mathematical Model (a)</a:t>
+              <a:t>Mathematical Model (General)</a:t>
             </a:r>
           </a:p>
         </p:txBody>
       </p:sp>
-      <p:sp>
-        <p:nvSpPr>
-          <p:cNvPr id="3" name="Content Placeholder 2">
-            <a:extLst>
-              <a:ext uri="{FF2B5EF4-FFF2-40B4-BE49-F238E27FC236}">
-                <a16:creationId xmlns:a16="http://schemas.microsoft.com/office/drawing/2014/main" id="{CBB31ADD-60E8-2E88-05D4-785FFD7696BA}"/>
-              </a:ext>
-            </a:extLst>
-          </p:cNvPr>
-          <p:cNvSpPr>
-            <a:spLocks noGrp="1"/>
-          </p:cNvSpPr>
-          <p:nvPr>
-            <p:ph idx="1"/>
-          </p:nvPr>
-        </p:nvSpPr>
-        <p:spPr>
-          <a:xfrm>
-            <a:off x="838200" y="1520825"/>
-            <a:ext cx="10515600" cy="4351338"/>
-          </a:xfrm>
-        </p:spPr>
-        <p:txBody>
-          <a:bodyPr>
-            <a:normAutofit/>
-          </a:bodyPr>
-          <a:lstStyle/>
-          <a:p>
-            <a:endParaRPr lang="en-US" sz="2400" dirty="0"/>
-          </a:p>
-        </p:txBody>
-      </p:sp>
+      <mc:AlternateContent xmlns:mc="http://schemas.openxmlformats.org/markup-compatibility/2006" xmlns:a14="http://schemas.microsoft.com/office/drawing/2010/main">
+        <mc:Choice Requires="a14">
+          <p:sp>
+            <p:nvSpPr>
+              <p:cNvPr id="3" name="Content Placeholder 2">
+                <a:extLst>
+                  <a:ext uri="{FF2B5EF4-FFF2-40B4-BE49-F238E27FC236}">
+                    <a16:creationId xmlns:a16="http://schemas.microsoft.com/office/drawing/2014/main" id="{132821E9-466B-7834-1E8D-0C89DBC56120}"/>
+                  </a:ext>
+                </a:extLst>
+              </p:cNvPr>
+              <p:cNvSpPr>
+                <a:spLocks noGrp="1"/>
+              </p:cNvSpPr>
+              <p:nvPr>
+                <p:ph idx="1"/>
+              </p:nvPr>
+            </p:nvSpPr>
+            <p:spPr>
+              <a:xfrm>
+                <a:off x="838200" y="1520825"/>
+                <a:ext cx="10515600" cy="4732491"/>
+              </a:xfrm>
+            </p:spPr>
+            <p:txBody>
+              <a:bodyPr>
+                <a:noAutofit/>
+              </a:bodyPr>
+              <a:lstStyle/>
+              <a:p>
+                <a:pPr marL="0" lvl="0" indent="0">
+                  <a:buNone/>
+                </a:pPr>
+                <a:r>
+                  <a:rPr lang="en-US" sz="3200" dirty="0"/>
+                  <a:t>Constraints</a:t>
+                </a:r>
+                <a:r>
+                  <a:rPr lang="en-US" sz="2400" dirty="0"/>
+                  <a:t>: </a:t>
+                </a:r>
+              </a:p>
+              <a:p>
+                <a:r>
+                  <a:rPr lang="en-US" dirty="0"/>
+                  <a:t>Each new student is assigned to exactly one tutor:</a:t>
+                </a:r>
+              </a:p>
+              <a:p>
+                <a:pPr marL="0" lvl="0" indent="0">
+                  <a:buNone/>
+                </a:pPr>
+                <a14:m>
+                  <m:oMathPara xmlns:m="http://schemas.openxmlformats.org/officeDocument/2006/math">
+                    <m:oMathParaPr>
+                      <m:jc m:val="centerGroup"/>
+                    </m:oMathParaPr>
+                    <m:oMath xmlns:m="http://schemas.openxmlformats.org/officeDocument/2006/math">
+                      <m:nary>
+                        <m:naryPr>
+                          <m:chr m:val="∑"/>
+                          <m:limLoc m:val="undOvr"/>
+                          <m:ctrlPr>
+                            <a:rPr lang="ar-AE" sz="2400" i="1">
+                              <a:latin typeface="Cambria Math" panose="02040503050406030204" pitchFamily="18" charset="0"/>
+                            </a:rPr>
+                          </m:ctrlPr>
+                        </m:naryPr>
+                        <m:sub>
+                          <m:r>
+                            <a:rPr lang="ar-AE" sz="2400">
+                              <a:latin typeface="Cambria Math" panose="02040503050406030204" pitchFamily="18" charset="0"/>
+                            </a:rPr>
+                            <m:t>𝑡</m:t>
+                          </m:r>
+                          <m:r>
+                            <a:rPr lang="ar-AE" sz="2400">
+                              <a:latin typeface="Cambria Math" panose="02040503050406030204" pitchFamily="18" charset="0"/>
+                            </a:rPr>
+                            <m:t>∈</m:t>
+                          </m:r>
+                          <m:r>
+                            <a:rPr lang="ar-AE" sz="2400">
+                              <a:latin typeface="Cambria Math" panose="02040503050406030204" pitchFamily="18" charset="0"/>
+                            </a:rPr>
+                            <m:t>𝑇</m:t>
+                          </m:r>
+                        </m:sub>
+                        <m:sup>
+                          <m:r>
+                            <a:rPr lang="ar-AE" sz="2400">
+                              <a:latin typeface="Cambria Math" panose="02040503050406030204" pitchFamily="18" charset="0"/>
+                            </a:rPr>
+                            <m:t>​</m:t>
+                          </m:r>
+                        </m:sup>
+                        <m:e>
+                          <m:sSub>
+                            <m:sSubPr>
+                              <m:ctrlPr>
+                                <a:rPr lang="ar-AE" sz="2400" i="1">
+                                  <a:latin typeface="Cambria Math" panose="02040503050406030204" pitchFamily="18" charset="0"/>
+                                </a:rPr>
+                              </m:ctrlPr>
+                            </m:sSubPr>
+                            <m:e>
+                              <m:r>
+                                <a:rPr lang="ar-AE" sz="2400">
+                                  <a:latin typeface="Cambria Math" panose="02040503050406030204" pitchFamily="18" charset="0"/>
+                                </a:rPr>
+                                <m:t>𝑥</m:t>
+                              </m:r>
+                            </m:e>
+                            <m:sub>
+                              <m:r>
+                                <a:rPr lang="ar-AE" sz="2400">
+                                  <a:latin typeface="Cambria Math" panose="02040503050406030204" pitchFamily="18" charset="0"/>
+                                </a:rPr>
+                                <m:t>𝑡𝑛</m:t>
+                              </m:r>
+                            </m:sub>
+                          </m:sSub>
+                        </m:e>
+                      </m:nary>
+                      <m:r>
+                        <a:rPr lang="ar-AE" sz="2400">
+                          <a:latin typeface="Cambria Math" panose="02040503050406030204" pitchFamily="18" charset="0"/>
+                        </a:rPr>
+                        <m:t>=</m:t>
+                      </m:r>
+                      <m:r>
+                        <a:rPr lang="ar-AE" sz="2400">
+                          <a:latin typeface="Cambria Math" panose="02040503050406030204" pitchFamily="18" charset="0"/>
+                        </a:rPr>
+                        <m:t>1</m:t>
+                      </m:r>
+                      <m:r>
+                        <a:rPr lang="ar-AE" sz="2400">
+                          <a:latin typeface="Cambria Math" panose="02040503050406030204" pitchFamily="18" charset="0"/>
+                        </a:rPr>
+                        <m:t> ∀</m:t>
+                      </m:r>
+                      <m:r>
+                        <a:rPr lang="ar-AE" sz="2400">
+                          <a:latin typeface="Cambria Math" panose="02040503050406030204" pitchFamily="18" charset="0"/>
+                        </a:rPr>
+                        <m:t>𝑛</m:t>
+                      </m:r>
+                      <m:r>
+                        <a:rPr lang="ar-AE" sz="2400">
+                          <a:latin typeface="Cambria Math" panose="02040503050406030204" pitchFamily="18" charset="0"/>
+                        </a:rPr>
+                        <m:t>∈</m:t>
+                      </m:r>
+                      <m:r>
+                        <a:rPr lang="ar-AE" sz="2400" smtClean="0">
+                          <a:latin typeface="Cambria Math" panose="02040503050406030204" pitchFamily="18" charset="0"/>
+                        </a:rPr>
+                        <m:t>𝑁</m:t>
+                      </m:r>
+                    </m:oMath>
+                  </m:oMathPara>
+                </a14:m>
+                <a:endParaRPr lang="ar-AE" sz="2400" dirty="0"/>
+              </a:p>
+              <a:p>
+                <a:r>
+                  <a:rPr lang="en-US" sz="2400" dirty="0"/>
+                  <a:t>Each new student with extensive tutoring needs is assigned to a tutor that can handle extensive tutoring needs:</a:t>
+                </a:r>
+              </a:p>
+              <a:p>
+                <a:pPr marL="0" lvl="0" indent="0">
+                  <a:buNone/>
+                </a:pPr>
+                <a14:m>
+                  <m:oMathPara xmlns:m="http://schemas.openxmlformats.org/officeDocument/2006/math">
+                    <m:oMathParaPr>
+                      <m:jc m:val="center"/>
+                    </m:oMathParaPr>
+                    <m:oMath xmlns:m="http://schemas.openxmlformats.org/officeDocument/2006/math">
+                      <m:nary>
+                        <m:naryPr>
+                          <m:chr m:val="∑"/>
+                          <m:limLoc m:val="undOvr"/>
+                          <m:ctrlPr>
+                            <a:rPr lang="ar-AE" sz="2400" i="1">
+                              <a:latin typeface="Cambria Math" panose="02040503050406030204" pitchFamily="18" charset="0"/>
+                            </a:rPr>
+                          </m:ctrlPr>
+                        </m:naryPr>
+                        <m:sub>
+                          <m:r>
+                            <a:rPr lang="ar-AE" sz="2400">
+                              <a:latin typeface="Cambria Math" panose="02040503050406030204" pitchFamily="18" charset="0"/>
+                            </a:rPr>
+                            <m:t>𝑡</m:t>
+                          </m:r>
+                          <m:r>
+                            <a:rPr lang="ar-AE" sz="2400">
+                              <a:latin typeface="Cambria Math" panose="02040503050406030204" pitchFamily="18" charset="0"/>
+                            </a:rPr>
+                            <m:t>∈</m:t>
+                          </m:r>
+                          <m:sSub>
+                            <m:sSubPr>
+                              <m:ctrlPr>
+                                <a:rPr lang="ar-AE" sz="2400" i="1">
+                                  <a:latin typeface="Cambria Math" panose="02040503050406030204" pitchFamily="18" charset="0"/>
+                                </a:rPr>
+                              </m:ctrlPr>
+                            </m:sSubPr>
+                            <m:e>
+                              <m:r>
+                                <a:rPr lang="ar-AE" sz="2400">
+                                  <a:latin typeface="Cambria Math" panose="02040503050406030204" pitchFamily="18" charset="0"/>
+                                </a:rPr>
+                                <m:t>𝑇</m:t>
+                              </m:r>
+                            </m:e>
+                            <m:sub>
+                              <m:r>
+                                <a:rPr lang="ar-AE" sz="2400">
+                                  <a:latin typeface="Cambria Math" panose="02040503050406030204" pitchFamily="18" charset="0"/>
+                                </a:rPr>
+                                <m:t>𝑒𝑥𝑡</m:t>
+                              </m:r>
+                            </m:sub>
+                          </m:sSub>
+                        </m:sub>
+                        <m:sup>
+                          <m:r>
+                            <a:rPr lang="ar-AE" sz="2400">
+                              <a:latin typeface="Cambria Math" panose="02040503050406030204" pitchFamily="18" charset="0"/>
+                            </a:rPr>
+                            <m:t>​</m:t>
+                          </m:r>
+                        </m:sup>
+                        <m:e>
+                          <m:sSub>
+                            <m:sSubPr>
+                              <m:ctrlPr>
+                                <a:rPr lang="ar-AE" sz="2400" i="1">
+                                  <a:latin typeface="Cambria Math" panose="02040503050406030204" pitchFamily="18" charset="0"/>
+                                </a:rPr>
+                              </m:ctrlPr>
+                            </m:sSubPr>
+                            <m:e>
+                              <m:r>
+                                <a:rPr lang="ar-AE" sz="2400">
+                                  <a:latin typeface="Cambria Math" panose="02040503050406030204" pitchFamily="18" charset="0"/>
+                                </a:rPr>
+                                <m:t>𝑥</m:t>
+                              </m:r>
+                            </m:e>
+                            <m:sub>
+                              <m:r>
+                                <a:rPr lang="ar-AE" sz="2400">
+                                  <a:latin typeface="Cambria Math" panose="02040503050406030204" pitchFamily="18" charset="0"/>
+                                </a:rPr>
+                                <m:t>𝑡𝑛</m:t>
+                              </m:r>
+                            </m:sub>
+                          </m:sSub>
+                        </m:e>
+                      </m:nary>
+                      <m:r>
+                        <a:rPr lang="ar-AE" sz="2400">
+                          <a:latin typeface="Cambria Math" panose="02040503050406030204" pitchFamily="18" charset="0"/>
+                        </a:rPr>
+                        <m:t>=</m:t>
+                      </m:r>
+                      <m:r>
+                        <a:rPr lang="ar-AE" sz="2400">
+                          <a:latin typeface="Cambria Math" panose="02040503050406030204" pitchFamily="18" charset="0"/>
+                        </a:rPr>
+                        <m:t>1</m:t>
+                      </m:r>
+                      <m:r>
+                        <a:rPr lang="ar-AE" sz="2400">
+                          <a:latin typeface="Cambria Math" panose="02040503050406030204" pitchFamily="18" charset="0"/>
+                        </a:rPr>
+                        <m:t> ∀</m:t>
+                      </m:r>
+                      <m:r>
+                        <a:rPr lang="ar-AE" sz="2400">
+                          <a:latin typeface="Cambria Math" panose="02040503050406030204" pitchFamily="18" charset="0"/>
+                        </a:rPr>
+                        <m:t>𝑛</m:t>
+                      </m:r>
+                      <m:r>
+                        <a:rPr lang="ar-AE" sz="2400">
+                          <a:latin typeface="Cambria Math" panose="02040503050406030204" pitchFamily="18" charset="0"/>
+                        </a:rPr>
+                        <m:t>∈</m:t>
+                      </m:r>
+                      <m:sSub>
+                        <m:sSubPr>
+                          <m:ctrlPr>
+                            <a:rPr lang="ar-AE" sz="2400" i="1">
+                              <a:latin typeface="Cambria Math" panose="02040503050406030204" pitchFamily="18" charset="0"/>
+                            </a:rPr>
+                          </m:ctrlPr>
+                        </m:sSubPr>
+                        <m:e>
+                          <m:r>
+                            <a:rPr lang="ar-AE" sz="2400">
+                              <a:latin typeface="Cambria Math" panose="02040503050406030204" pitchFamily="18" charset="0"/>
+                            </a:rPr>
+                            <m:t>𝑁</m:t>
+                          </m:r>
+                        </m:e>
+                        <m:sub>
+                          <m:r>
+                            <a:rPr lang="ar-AE" sz="2400">
+                              <a:latin typeface="Cambria Math" panose="02040503050406030204" pitchFamily="18" charset="0"/>
+                            </a:rPr>
+                            <m:t>𝑒𝑥𝑡</m:t>
+                          </m:r>
+                        </m:sub>
+                      </m:sSub>
+                    </m:oMath>
+                  </m:oMathPara>
+                </a14:m>
+                <a:endParaRPr lang="ar-AE" sz="2400" dirty="0"/>
+              </a:p>
+              <a:p>
+                <a:r>
+                  <a:rPr lang="en-US" sz="2400" dirty="0"/>
+                  <a:t>A tutor cannot exceed their maximum overall capacity: </a:t>
+                </a:r>
+              </a:p>
+              <a:p>
+                <a:pPr marL="0" lvl="0" indent="0">
+                  <a:buNone/>
+                </a:pPr>
+                <a14:m>
+                  <m:oMathPara xmlns:m="http://schemas.openxmlformats.org/officeDocument/2006/math">
+                    <m:oMathParaPr>
+                      <m:jc m:val="centerGroup"/>
+                    </m:oMathParaPr>
+                    <m:oMath xmlns:m="http://schemas.openxmlformats.org/officeDocument/2006/math">
+                      <m:nary>
+                        <m:naryPr>
+                          <m:chr m:val="∑"/>
+                          <m:limLoc m:val="undOvr"/>
+                          <m:ctrlPr>
+                            <a:rPr lang="ar-AE" sz="2400" i="1">
+                              <a:latin typeface="Cambria Math" panose="02040503050406030204" pitchFamily="18" charset="0"/>
+                            </a:rPr>
+                          </m:ctrlPr>
+                        </m:naryPr>
+                        <m:sub>
+                          <m:r>
+                            <a:rPr lang="ar-AE" sz="2400">
+                              <a:latin typeface="Cambria Math" panose="02040503050406030204" pitchFamily="18" charset="0"/>
+                            </a:rPr>
+                            <m:t>𝑛</m:t>
+                          </m:r>
+                          <m:r>
+                            <a:rPr lang="ar-AE" sz="2400">
+                              <a:latin typeface="Cambria Math" panose="02040503050406030204" pitchFamily="18" charset="0"/>
+                            </a:rPr>
+                            <m:t>∈</m:t>
+                          </m:r>
+                          <m:r>
+                            <a:rPr lang="ar-AE" sz="2400">
+                              <a:latin typeface="Cambria Math" panose="02040503050406030204" pitchFamily="18" charset="0"/>
+                            </a:rPr>
+                            <m:t>𝑁</m:t>
+                          </m:r>
+                        </m:sub>
+                        <m:sup>
+                          <m:r>
+                            <a:rPr lang="ar-AE" sz="2400">
+                              <a:latin typeface="Cambria Math" panose="02040503050406030204" pitchFamily="18" charset="0"/>
+                            </a:rPr>
+                            <m:t>​</m:t>
+                          </m:r>
+                        </m:sup>
+                        <m:e>
+                          <m:sSub>
+                            <m:sSubPr>
+                              <m:ctrlPr>
+                                <a:rPr lang="ar-AE" sz="2400" i="1">
+                                  <a:latin typeface="Cambria Math" panose="02040503050406030204" pitchFamily="18" charset="0"/>
+                                </a:rPr>
+                              </m:ctrlPr>
+                            </m:sSubPr>
+                            <m:e>
+                              <m:r>
+                                <a:rPr lang="ar-AE" sz="2400">
+                                  <a:latin typeface="Cambria Math" panose="02040503050406030204" pitchFamily="18" charset="0"/>
+                                </a:rPr>
+                                <m:t>𝑥</m:t>
+                              </m:r>
+                            </m:e>
+                            <m:sub>
+                              <m:r>
+                                <a:rPr lang="ar-AE" sz="2400">
+                                  <a:latin typeface="Cambria Math" panose="02040503050406030204" pitchFamily="18" charset="0"/>
+                                </a:rPr>
+                                <m:t>𝑡𝑛</m:t>
+                              </m:r>
+                            </m:sub>
+                          </m:sSub>
+                        </m:e>
+                      </m:nary>
+                      <m:r>
+                        <a:rPr lang="ar-AE" sz="2400">
+                          <a:latin typeface="Cambria Math" panose="02040503050406030204" pitchFamily="18" charset="0"/>
+                        </a:rPr>
+                        <m:t>+</m:t>
+                      </m:r>
+                      <m:nary>
+                        <m:naryPr>
+                          <m:chr m:val="∑"/>
+                          <m:limLoc m:val="undOvr"/>
+                          <m:ctrlPr>
+                            <a:rPr lang="ar-AE" sz="2400" i="1">
+                              <a:latin typeface="Cambria Math" panose="02040503050406030204" pitchFamily="18" charset="0"/>
+                            </a:rPr>
+                          </m:ctrlPr>
+                        </m:naryPr>
+                        <m:sub>
+                          <m:r>
+                            <a:rPr lang="ar-AE" sz="2400">
+                              <a:latin typeface="Cambria Math" panose="02040503050406030204" pitchFamily="18" charset="0"/>
+                            </a:rPr>
+                            <m:t>𝑒</m:t>
+                          </m:r>
+                          <m:r>
+                            <a:rPr lang="ar-AE" sz="2400">
+                              <a:latin typeface="Cambria Math" panose="02040503050406030204" pitchFamily="18" charset="0"/>
+                            </a:rPr>
+                            <m:t>∈</m:t>
+                          </m:r>
+                          <m:r>
+                            <a:rPr lang="ar-AE" sz="2400">
+                              <a:latin typeface="Cambria Math" panose="02040503050406030204" pitchFamily="18" charset="0"/>
+                            </a:rPr>
+                            <m:t>𝐸</m:t>
+                          </m:r>
+                        </m:sub>
+                        <m:sup>
+                          <m:r>
+                            <a:rPr lang="ar-AE" sz="2400">
+                              <a:latin typeface="Cambria Math" panose="02040503050406030204" pitchFamily="18" charset="0"/>
+                            </a:rPr>
+                            <m:t>​</m:t>
+                          </m:r>
+                        </m:sup>
+                        <m:e>
+                          <m:sSub>
+                            <m:sSubPr>
+                              <m:ctrlPr>
+                                <a:rPr lang="ar-AE" sz="2400" i="1">
+                                  <a:latin typeface="Cambria Math" panose="02040503050406030204" pitchFamily="18" charset="0"/>
+                                </a:rPr>
+                              </m:ctrlPr>
+                            </m:sSubPr>
+                            <m:e>
+                              <m:r>
+                                <a:rPr lang="ar-AE" sz="2400">
+                                  <a:latin typeface="Cambria Math" panose="02040503050406030204" pitchFamily="18" charset="0"/>
+                                </a:rPr>
+                                <m:t>𝑦</m:t>
+                              </m:r>
+                            </m:e>
+                            <m:sub>
+                              <m:r>
+                                <a:rPr lang="ar-AE" sz="2400">
+                                  <a:latin typeface="Cambria Math" panose="02040503050406030204" pitchFamily="18" charset="0"/>
+                                </a:rPr>
+                                <m:t>𝑡𝑒</m:t>
+                              </m:r>
+                            </m:sub>
+                          </m:sSub>
+                        </m:e>
+                      </m:nary>
+                      <m:r>
+                        <a:rPr lang="ar-AE" sz="2400">
+                          <a:latin typeface="Cambria Math" panose="02040503050406030204" pitchFamily="18" charset="0"/>
+                        </a:rPr>
+                        <m:t>≤</m:t>
+                      </m:r>
+                      <m:r>
+                        <a:rPr lang="ar-AE" sz="2400">
+                          <a:latin typeface="Cambria Math" panose="02040503050406030204" pitchFamily="18" charset="0"/>
+                        </a:rPr>
+                        <m:t>𝑐𝑎</m:t>
+                      </m:r>
+                      <m:sSub>
+                        <m:sSubPr>
+                          <m:ctrlPr>
+                            <a:rPr lang="ar-AE" sz="2400" i="1">
+                              <a:latin typeface="Cambria Math" panose="02040503050406030204" pitchFamily="18" charset="0"/>
+                            </a:rPr>
+                          </m:ctrlPr>
+                        </m:sSubPr>
+                        <m:e>
+                          <m:r>
+                            <a:rPr lang="ar-AE" sz="2400">
+                              <a:latin typeface="Cambria Math" panose="02040503050406030204" pitchFamily="18" charset="0"/>
+                            </a:rPr>
+                            <m:t>𝑝</m:t>
+                          </m:r>
+                        </m:e>
+                        <m:sub>
+                          <m:r>
+                            <a:rPr lang="ar-AE" sz="2400">
+                              <a:latin typeface="Cambria Math" panose="02040503050406030204" pitchFamily="18" charset="0"/>
+                            </a:rPr>
+                            <m:t>𝑡</m:t>
+                          </m:r>
+                        </m:sub>
+                      </m:sSub>
+                      <m:r>
+                        <a:rPr lang="ar-AE" sz="2400">
+                          <a:latin typeface="Cambria Math" panose="02040503050406030204" pitchFamily="18" charset="0"/>
+                        </a:rPr>
+                        <m:t> ∀</m:t>
+                      </m:r>
+                      <m:r>
+                        <a:rPr lang="ar-AE" sz="2400">
+                          <a:latin typeface="Cambria Math" panose="02040503050406030204" pitchFamily="18" charset="0"/>
+                        </a:rPr>
+                        <m:t>𝑡</m:t>
+                      </m:r>
+                      <m:r>
+                        <a:rPr lang="ar-AE" sz="2400">
+                          <a:latin typeface="Cambria Math" panose="02040503050406030204" pitchFamily="18" charset="0"/>
+                        </a:rPr>
+                        <m:t>∈</m:t>
+                      </m:r>
+                      <m:r>
+                        <a:rPr lang="ar-AE" sz="2400">
+                          <a:latin typeface="Cambria Math" panose="02040503050406030204" pitchFamily="18" charset="0"/>
+                        </a:rPr>
+                        <m:t>𝑇</m:t>
+                      </m:r>
+                    </m:oMath>
+                  </m:oMathPara>
+                </a14:m>
+                <a:endParaRPr lang="ar-AE" sz="2400" dirty="0"/>
+              </a:p>
+            </p:txBody>
+          </p:sp>
+        </mc:Choice>
+        <mc:Fallback xmlns="">
+          <p:sp>
+            <p:nvSpPr>
+              <p:cNvPr id="3" name="Content Placeholder 2">
+                <a:extLst>
+                  <a:ext uri="{FF2B5EF4-FFF2-40B4-BE49-F238E27FC236}">
+                    <a16:creationId xmlns:a16="http://schemas.microsoft.com/office/drawing/2014/main" id="{132821E9-466B-7834-1E8D-0C89DBC56120}"/>
+                  </a:ext>
+                </a:extLst>
+              </p:cNvPr>
+              <p:cNvSpPr>
+                <a:spLocks noGrp="1" noRot="1" noChangeAspect="1" noMove="1" noResize="1" noEditPoints="1" noAdjustHandles="1" noChangeArrowheads="1" noChangeShapeType="1" noTextEdit="1"/>
+              </p:cNvSpPr>
+              <p:nvPr>
+                <p:ph idx="1"/>
+              </p:nvPr>
+            </p:nvSpPr>
+            <p:spPr>
+              <a:xfrm>
+                <a:off x="838200" y="1520825"/>
+                <a:ext cx="10515600" cy="4732491"/>
+              </a:xfrm>
+              <a:blipFill>
+                <a:blip r:embed="rId2"/>
+                <a:stretch>
+                  <a:fillRect l="-1507" t="-2574"/>
+                </a:stretch>
+              </a:blipFill>
+            </p:spPr>
+            <p:txBody>
+              <a:bodyPr/>
+              <a:lstStyle/>
+              <a:p>
+                <a:r>
+                  <a:rPr lang="en-US">
+                    <a:noFill/>
+                  </a:rPr>
+                  <a:t> </a:t>
+                </a:r>
+              </a:p>
+            </p:txBody>
+          </p:sp>
+        </mc:Fallback>
+      </mc:AlternateContent>
     </p:spTree>
     <p:extLst>
       <p:ext uri="{BB962C8B-B14F-4D97-AF65-F5344CB8AC3E}">
-        <p14:creationId xmlns:p14="http://schemas.microsoft.com/office/powerpoint/2010/main" val="1571870719"/>
-      </p:ext>
-    </p:extLst>
-  </p:cSld>
-  <p:clrMapOvr>
-    <a:masterClrMapping/>
-  </p:clrMapOvr>
-</p:sld>
-</file>
-
-<file path=ppt/slides/slide8.xml><?xml version="1.0" encoding="utf-8"?>
-<p:sld xmlns:a="http://schemas.openxmlformats.org/drawingml/2006/main" xmlns:r="http://schemas.openxmlformats.org/officeDocument/2006/relationships" xmlns:p="http://schemas.openxmlformats.org/presentationml/2006/main">
-  <p:cSld>
-    <p:spTree>
-      <p:nvGrpSpPr>
-        <p:cNvPr id="1" name="">
-          <a:extLst>
-            <a:ext uri="{FF2B5EF4-FFF2-40B4-BE49-F238E27FC236}">
-              <a16:creationId xmlns:a16="http://schemas.microsoft.com/office/drawing/2014/main" id="{A018EC4A-FD22-F496-6F9D-49B3C2A9D050}"/>
-            </a:ext>
-          </a:extLst>
-        </p:cNvPr>
-        <p:cNvGrpSpPr/>
-        <p:nvPr/>
-      </p:nvGrpSpPr>
-      <p:grpSpPr>
-        <a:xfrm>
-          <a:off x="0" y="0"/>
-          <a:ext cx="0" cy="0"/>
-          <a:chOff x="0" y="0"/>
-          <a:chExt cx="0" cy="0"/>
-        </a:xfrm>
-      </p:grpSpPr>
-      <p:sp>
-        <p:nvSpPr>
-          <p:cNvPr id="2" name="Title 1">
-            <a:extLst>
-              <a:ext uri="{FF2B5EF4-FFF2-40B4-BE49-F238E27FC236}">
-                <a16:creationId xmlns:a16="http://schemas.microsoft.com/office/drawing/2014/main" id="{EECB92B4-31B4-15E0-0143-8AF51B35BE81}"/>
-              </a:ext>
-            </a:extLst>
-          </p:cNvPr>
-          <p:cNvSpPr>
-            <a:spLocks noGrp="1"/>
-          </p:cNvSpPr>
-          <p:nvPr>
-            <p:ph type="title"/>
-          </p:nvPr>
-        </p:nvSpPr>
-        <p:spPr/>
-        <p:txBody>
-          <a:bodyPr/>
-          <a:lstStyle/>
-          <a:p>
-            <a:r>
-              <a:rPr lang="en-US" dirty="0"/>
-              <a:t>Mathematical Model (b)</a:t>
-            </a:r>
-          </a:p>
-        </p:txBody>
-      </p:sp>
-      <p:sp>
-        <p:nvSpPr>
-          <p:cNvPr id="3" name="Content Placeholder 2">
-            <a:extLst>
-              <a:ext uri="{FF2B5EF4-FFF2-40B4-BE49-F238E27FC236}">
-                <a16:creationId xmlns:a16="http://schemas.microsoft.com/office/drawing/2014/main" id="{74C08170-7F9D-8E42-368F-78418917AEFD}"/>
-              </a:ext>
-            </a:extLst>
-          </p:cNvPr>
-          <p:cNvSpPr>
-            <a:spLocks noGrp="1"/>
-          </p:cNvSpPr>
-          <p:nvPr>
-            <p:ph idx="1"/>
-          </p:nvPr>
-        </p:nvSpPr>
-        <p:spPr>
-          <a:xfrm>
-            <a:off x="838200" y="1520825"/>
-            <a:ext cx="10515600" cy="4351338"/>
-          </a:xfrm>
-        </p:spPr>
-        <p:txBody>
-          <a:bodyPr>
-            <a:normAutofit/>
-          </a:bodyPr>
-          <a:lstStyle/>
-          <a:p>
-            <a:endParaRPr lang="en-US" sz="2400" dirty="0"/>
-          </a:p>
-        </p:txBody>
-      </p:sp>
-    </p:spTree>
-    <p:extLst>
-      <p:ext uri="{BB962C8B-B14F-4D97-AF65-F5344CB8AC3E}">
-        <p14:creationId xmlns:p14="http://schemas.microsoft.com/office/powerpoint/2010/main" val="1576875330"/>
-      </p:ext>
-    </p:extLst>
-  </p:cSld>
-  <p:clrMapOvr>
-    <a:masterClrMapping/>
-  </p:clrMapOvr>
-</p:sld>
-</file>
-
-<file path=ppt/slides/slide9.xml><?xml version="1.0" encoding="utf-8"?>
-<p:sld xmlns:a="http://schemas.openxmlformats.org/drawingml/2006/main" xmlns:r="http://schemas.openxmlformats.org/officeDocument/2006/relationships" xmlns:p="http://schemas.openxmlformats.org/presentationml/2006/main">
-  <p:cSld>
-    <p:spTree>
-      <p:nvGrpSpPr>
-        <p:cNvPr id="1" name="">
-          <a:extLst>
-            <a:ext uri="{FF2B5EF4-FFF2-40B4-BE49-F238E27FC236}">
-              <a16:creationId xmlns:a16="http://schemas.microsoft.com/office/drawing/2014/main" id="{035C7F8E-DCE3-C427-C1FB-F2C6C9DBD034}"/>
-            </a:ext>
-          </a:extLst>
-        </p:cNvPr>
-        <p:cNvGrpSpPr/>
-        <p:nvPr/>
-      </p:nvGrpSpPr>
-      <p:grpSpPr>
-        <a:xfrm>
-          <a:off x="0" y="0"/>
-          <a:ext cx="0" cy="0"/>
-          <a:chOff x="0" y="0"/>
-          <a:chExt cx="0" cy="0"/>
-        </a:xfrm>
-      </p:grpSpPr>
-      <p:sp>
-        <p:nvSpPr>
-          <p:cNvPr id="2" name="Title 1">
-            <a:extLst>
-              <a:ext uri="{FF2B5EF4-FFF2-40B4-BE49-F238E27FC236}">
-                <a16:creationId xmlns:a16="http://schemas.microsoft.com/office/drawing/2014/main" id="{62734F31-5345-707C-A13F-9B12AC4E72C5}"/>
-              </a:ext>
-            </a:extLst>
-          </p:cNvPr>
-          <p:cNvSpPr>
-            <a:spLocks noGrp="1"/>
-          </p:cNvSpPr>
-          <p:nvPr>
-            <p:ph type="title"/>
-          </p:nvPr>
-        </p:nvSpPr>
-        <p:spPr/>
-        <p:txBody>
-          <a:bodyPr/>
-          <a:lstStyle/>
-          <a:p>
-            <a:r>
-              <a:rPr lang="en-US" dirty="0"/>
-              <a:t>Results (a)</a:t>
-            </a:r>
-          </a:p>
-        </p:txBody>
-      </p:sp>
-      <p:sp>
-        <p:nvSpPr>
-          <p:cNvPr id="3" name="Content Placeholder 2">
-            <a:extLst>
-              <a:ext uri="{FF2B5EF4-FFF2-40B4-BE49-F238E27FC236}">
-                <a16:creationId xmlns:a16="http://schemas.microsoft.com/office/drawing/2014/main" id="{CDA3ED9C-9410-2A18-AF17-47E487299910}"/>
-              </a:ext>
-            </a:extLst>
-          </p:cNvPr>
-          <p:cNvSpPr>
-            <a:spLocks noGrp="1"/>
-          </p:cNvSpPr>
-          <p:nvPr>
-            <p:ph idx="1"/>
-          </p:nvPr>
-        </p:nvSpPr>
-        <p:spPr>
-          <a:xfrm>
-            <a:off x="838200" y="1520825"/>
-            <a:ext cx="10515600" cy="4351338"/>
-          </a:xfrm>
-        </p:spPr>
-        <p:txBody>
-          <a:bodyPr>
-            <a:normAutofit/>
-          </a:bodyPr>
-          <a:lstStyle/>
-          <a:p>
-            <a:endParaRPr lang="en-US" sz="2400" dirty="0"/>
-          </a:p>
-        </p:txBody>
-      </p:sp>
-    </p:spTree>
-    <p:extLst>
-      <p:ext uri="{BB962C8B-B14F-4D97-AF65-F5344CB8AC3E}">
-        <p14:creationId xmlns:p14="http://schemas.microsoft.com/office/powerpoint/2010/main" val="4075300097"/>
+        <p14:creationId xmlns:p14="http://schemas.microsoft.com/office/powerpoint/2010/main" val="193619896"/>
       </p:ext>
     </p:extLst>
   </p:cSld>

--- a/test_presentation.pptx
+++ b/test_presentation.pptx
@@ -5,7 +5,7 @@
     <p:sldMasterId id="2147483648" r:id="rId1"/>
   </p:sldMasterIdLst>
   <p:notesMasterIdLst>
-    <p:notesMasterId r:id="rId17"/>
+    <p:notesMasterId r:id="rId19"/>
   </p:notesMasterIdLst>
   <p:sldIdLst>
     <p:sldId id="256" r:id="rId2"/>
@@ -23,6 +23,8 @@
     <p:sldId id="264" r:id="rId14"/>
     <p:sldId id="265" r:id="rId15"/>
     <p:sldId id="266" r:id="rId16"/>
+    <p:sldId id="271" r:id="rId17"/>
+    <p:sldId id="272" r:id="rId18"/>
   </p:sldIdLst>
   <p:sldSz cx="12192000" cy="6858000"/>
   <p:notesSz cx="6858000" cy="9144000"/>
@@ -132,7 +134,7 @@
 <file path=ppt/revisionInfo.xml><?xml version="1.0" encoding="utf-8"?>
 <p1510:revInfo xmlns:a="http://schemas.openxmlformats.org/drawingml/2006/main" xmlns:r="http://schemas.openxmlformats.org/officeDocument/2006/relationships" xmlns:p1510="http://schemas.microsoft.com/office/powerpoint/2015/10/main">
   <p1510:revLst>
-    <p1510:client id="{041D70CF-5F4E-4E4E-B90B-6FAACDCB4082}" v="474" dt="2025-10-07T15:56:59.819"/>
+    <p1510:client id="{041D70CF-5F4E-4E4E-B90B-6FAACDCB4082}" v="491" dt="2025-10-07T17:04:30.369"/>
   </p1510:revLst>
 </p1510:revInfo>
 </file>
@@ -141,11 +143,42 @@
 <pc:chgInfo xmlns:a="http://schemas.openxmlformats.org/drawingml/2006/main" xmlns:r="http://schemas.openxmlformats.org/officeDocument/2006/relationships" xmlns:ac="http://schemas.microsoft.com/office/drawing/2013/main/command" xmlns:pc="http://schemas.microsoft.com/office/powerpoint/2013/main/command">
   <pc:docChgLst>
     <pc:chgData name="PhD - Teo Hong Jie Darryl" userId="4d248269-a284-4223-a368-54cf77bc2846" providerId="ADAL" clId="{74553948-A13E-4153-A2D4-579571E5685D}"/>
-    <pc:docChg chg="undo custSel addSld delSld modSld">
-      <pc:chgData name="PhD - Teo Hong Jie Darryl" userId="4d248269-a284-4223-a368-54cf77bc2846" providerId="ADAL" clId="{74553948-A13E-4153-A2D4-579571E5685D}" dt="2025-10-07T15:57:58.696" v="1331" actId="255"/>
+    <pc:docChg chg="undo redo custSel addSld delSld modSld">
+      <pc:chgData name="PhD - Teo Hong Jie Darryl" userId="4d248269-a284-4223-a368-54cf77bc2846" providerId="ADAL" clId="{74553948-A13E-4153-A2D4-579571E5685D}" dt="2025-10-07T17:07:36.547" v="3365" actId="20577"/>
       <pc:docMkLst>
         <pc:docMk/>
       </pc:docMkLst>
+      <pc:sldChg chg="addSp delSp modSp mod">
+        <pc:chgData name="PhD - Teo Hong Jie Darryl" userId="4d248269-a284-4223-a368-54cf77bc2846" providerId="ADAL" clId="{74553948-A13E-4153-A2D4-579571E5685D}" dt="2025-10-07T17:04:10.161" v="2862" actId="478"/>
+        <pc:sldMkLst>
+          <pc:docMk/>
+          <pc:sldMk cId="839424154" sldId="257"/>
+        </pc:sldMkLst>
+        <pc:spChg chg="mod">
+          <ac:chgData name="PhD - Teo Hong Jie Darryl" userId="4d248269-a284-4223-a368-54cf77bc2846" providerId="ADAL" clId="{74553948-A13E-4153-A2D4-579571E5685D}" dt="2025-10-07T17:03:04.058" v="2854" actId="20577"/>
+          <ac:spMkLst>
+            <pc:docMk/>
+            <pc:sldMk cId="839424154" sldId="257"/>
+            <ac:spMk id="3" creationId="{37203612-1EBE-4CE1-F97F-5B3DF68F77DA}"/>
+          </ac:spMkLst>
+        </pc:spChg>
+        <pc:spChg chg="add del">
+          <ac:chgData name="PhD - Teo Hong Jie Darryl" userId="4d248269-a284-4223-a368-54cf77bc2846" providerId="ADAL" clId="{74553948-A13E-4153-A2D4-579571E5685D}" dt="2025-10-07T17:04:10.161" v="2862" actId="478"/>
+          <ac:spMkLst>
+            <pc:docMk/>
+            <pc:sldMk cId="839424154" sldId="257"/>
+            <ac:spMk id="5" creationId="{DDABA919-BAB8-EB52-3851-5AB65A0BDDC9}"/>
+          </ac:spMkLst>
+        </pc:spChg>
+        <pc:spChg chg="mod">
+          <ac:chgData name="PhD - Teo Hong Jie Darryl" userId="4d248269-a284-4223-a368-54cf77bc2846" providerId="ADAL" clId="{74553948-A13E-4153-A2D4-579571E5685D}" dt="2025-10-07T17:03:09.973" v="2856" actId="20577"/>
+          <ac:spMkLst>
+            <pc:docMk/>
+            <pc:sldMk cId="839424154" sldId="257"/>
+            <ac:spMk id="13" creationId="{1190ED85-A0BA-9101-F156-AF38383AB67B}"/>
+          </ac:spMkLst>
+        </pc:spChg>
+      </pc:sldChg>
       <pc:sldChg chg="modSp mod">
         <pc:chgData name="PhD - Teo Hong Jie Darryl" userId="4d248269-a284-4223-a368-54cf77bc2846" providerId="ADAL" clId="{74553948-A13E-4153-A2D4-579571E5685D}" dt="2025-10-07T15:50:05.960" v="1240"/>
         <pc:sldMkLst>
@@ -161,18 +194,26 @@
           </ac:spMkLst>
         </pc:spChg>
       </pc:sldChg>
-      <pc:sldChg chg="modSp mod">
-        <pc:chgData name="PhD - Teo Hong Jie Darryl" userId="4d248269-a284-4223-a368-54cf77bc2846" providerId="ADAL" clId="{74553948-A13E-4153-A2D4-579571E5685D}" dt="2025-10-07T12:27:22.202" v="651" actId="20577"/>
+      <pc:sldChg chg="delSp modSp mod">
+        <pc:chgData name="PhD - Teo Hong Jie Darryl" userId="4d248269-a284-4223-a368-54cf77bc2846" providerId="ADAL" clId="{74553948-A13E-4153-A2D4-579571E5685D}" dt="2025-10-07T17:02:33.478" v="2850" actId="20577"/>
         <pc:sldMkLst>
           <pc:docMk/>
           <pc:sldMk cId="983274224" sldId="259"/>
         </pc:sldMkLst>
         <pc:spChg chg="mod">
-          <ac:chgData name="PhD - Teo Hong Jie Darryl" userId="4d248269-a284-4223-a368-54cf77bc2846" providerId="ADAL" clId="{74553948-A13E-4153-A2D4-579571E5685D}" dt="2025-10-07T12:27:22.202" v="651" actId="20577"/>
+          <ac:chgData name="PhD - Teo Hong Jie Darryl" userId="4d248269-a284-4223-a368-54cf77bc2846" providerId="ADAL" clId="{74553948-A13E-4153-A2D4-579571E5685D}" dt="2025-10-07T17:02:33.478" v="2850" actId="20577"/>
           <ac:spMkLst>
             <pc:docMk/>
             <pc:sldMk cId="983274224" sldId="259"/>
             <ac:spMk id="3" creationId="{7E489B6A-9AEE-33BC-0C25-FCFBA743A7A6}"/>
+          </ac:spMkLst>
+        </pc:spChg>
+        <pc:spChg chg="del">
+          <ac:chgData name="PhD - Teo Hong Jie Darryl" userId="4d248269-a284-4223-a368-54cf77bc2846" providerId="ADAL" clId="{74553948-A13E-4153-A2D4-579571E5685D}" dt="2025-10-07T17:02:11.422" v="2844" actId="478"/>
+          <ac:spMkLst>
+            <pc:docMk/>
+            <pc:sldMk cId="983274224" sldId="259"/>
+            <ac:spMk id="4" creationId="{545DCE91-E460-49FE-4000-A412D6015718}"/>
           </ac:spMkLst>
         </pc:spChg>
       </pc:sldChg>
@@ -244,14 +285,124 @@
           </ac:spMkLst>
         </pc:spChg>
       </pc:sldChg>
+      <pc:sldChg chg="addSp delSp modSp mod">
+        <pc:chgData name="PhD - Teo Hong Jie Darryl" userId="4d248269-a284-4223-a368-54cf77bc2846" providerId="ADAL" clId="{74553948-A13E-4153-A2D4-579571E5685D}" dt="2025-10-07T16:23:40.425" v="1880" actId="403"/>
+        <pc:sldMkLst>
+          <pc:docMk/>
+          <pc:sldMk cId="4075300097" sldId="264"/>
+        </pc:sldMkLst>
+        <pc:spChg chg="mod">
+          <ac:chgData name="PhD - Teo Hong Jie Darryl" userId="4d248269-a284-4223-a368-54cf77bc2846" providerId="ADAL" clId="{74553948-A13E-4153-A2D4-579571E5685D}" dt="2025-10-07T16:18:23.008" v="1359" actId="20577"/>
+          <ac:spMkLst>
+            <pc:docMk/>
+            <pc:sldMk cId="4075300097" sldId="264"/>
+            <ac:spMk id="2" creationId="{62734F31-5345-707C-A13F-9B12AC4E72C5}"/>
+          </ac:spMkLst>
+        </pc:spChg>
+        <pc:spChg chg="del">
+          <ac:chgData name="PhD - Teo Hong Jie Darryl" userId="4d248269-a284-4223-a368-54cf77bc2846" providerId="ADAL" clId="{74553948-A13E-4153-A2D4-579571E5685D}" dt="2025-10-07T16:18:01.231" v="1344" actId="478"/>
+          <ac:spMkLst>
+            <pc:docMk/>
+            <pc:sldMk cId="4075300097" sldId="264"/>
+            <ac:spMk id="3" creationId="{CDA3ED9C-9410-2A18-AF17-47E487299910}"/>
+          </ac:spMkLst>
+        </pc:spChg>
+        <pc:spChg chg="add del mod">
+          <ac:chgData name="PhD - Teo Hong Jie Darryl" userId="4d248269-a284-4223-a368-54cf77bc2846" providerId="ADAL" clId="{74553948-A13E-4153-A2D4-579571E5685D}" dt="2025-10-07T16:18:08.611" v="1347"/>
+          <ac:spMkLst>
+            <pc:docMk/>
+            <pc:sldMk cId="4075300097" sldId="264"/>
+            <ac:spMk id="6" creationId="{E2C27862-85A8-FB95-5EDD-2FF43717A1C5}"/>
+          </ac:spMkLst>
+        </pc:spChg>
+        <pc:spChg chg="add mod">
+          <ac:chgData name="PhD - Teo Hong Jie Darryl" userId="4d248269-a284-4223-a368-54cf77bc2846" providerId="ADAL" clId="{74553948-A13E-4153-A2D4-579571E5685D}" dt="2025-10-07T16:23:37.571" v="1878" actId="403"/>
+          <ac:spMkLst>
+            <pc:docMk/>
+            <pc:sldMk cId="4075300097" sldId="264"/>
+            <ac:spMk id="7" creationId="{FE3E4ACE-5D0C-C128-B842-D992AABDF24B}"/>
+          </ac:spMkLst>
+        </pc:spChg>
+        <pc:spChg chg="add mod">
+          <ac:chgData name="PhD - Teo Hong Jie Darryl" userId="4d248269-a284-4223-a368-54cf77bc2846" providerId="ADAL" clId="{74553948-A13E-4153-A2D4-579571E5685D}" dt="2025-10-07T16:23:40.425" v="1880" actId="403"/>
+          <ac:spMkLst>
+            <pc:docMk/>
+            <pc:sldMk cId="4075300097" sldId="264"/>
+            <ac:spMk id="10" creationId="{2B5E424D-F743-FF25-BD9B-F963272EF39A}"/>
+          </ac:spMkLst>
+        </pc:spChg>
+        <pc:picChg chg="add mod">
+          <ac:chgData name="PhD - Teo Hong Jie Darryl" userId="4d248269-a284-4223-a368-54cf77bc2846" providerId="ADAL" clId="{74553948-A13E-4153-A2D4-579571E5685D}" dt="2025-10-07T16:19:35.569" v="1588" actId="1076"/>
+          <ac:picMkLst>
+            <pc:docMk/>
+            <pc:sldMk cId="4075300097" sldId="264"/>
+            <ac:picMk id="5" creationId="{FAF53767-2BA1-C734-18DB-198F37707335}"/>
+          </ac:picMkLst>
+        </pc:picChg>
+        <pc:picChg chg="add mod">
+          <ac:chgData name="PhD - Teo Hong Jie Darryl" userId="4d248269-a284-4223-a368-54cf77bc2846" providerId="ADAL" clId="{74553948-A13E-4153-A2D4-579571E5685D}" dt="2025-10-07T16:19:49.483" v="1590" actId="1076"/>
+          <ac:picMkLst>
+            <pc:docMk/>
+            <pc:sldMk cId="4075300097" sldId="264"/>
+            <ac:picMk id="9" creationId="{CD149EC3-7237-F093-0B06-40000671860F}"/>
+          </ac:picMkLst>
+        </pc:picChg>
+      </pc:sldChg>
+      <pc:sldChg chg="addSp delSp modSp mod">
+        <pc:chgData name="PhD - Teo Hong Jie Darryl" userId="4d248269-a284-4223-a368-54cf77bc2846" providerId="ADAL" clId="{74553948-A13E-4153-A2D4-579571E5685D}" dt="2025-10-07T16:26:31.410" v="2165" actId="1036"/>
+        <pc:sldMkLst>
+          <pc:docMk/>
+          <pc:sldMk cId="1744687058" sldId="265"/>
+        </pc:sldMkLst>
+        <pc:spChg chg="del">
+          <ac:chgData name="PhD - Teo Hong Jie Darryl" userId="4d248269-a284-4223-a368-54cf77bc2846" providerId="ADAL" clId="{74553948-A13E-4153-A2D4-579571E5685D}" dt="2025-10-07T16:23:24.125" v="1875" actId="478"/>
+          <ac:spMkLst>
+            <pc:docMk/>
+            <pc:sldMk cId="1744687058" sldId="265"/>
+            <ac:spMk id="3" creationId="{852AC60A-EABA-64FE-C964-2596721AD4E9}"/>
+          </ac:spMkLst>
+        </pc:spChg>
+        <pc:spChg chg="add mod">
+          <ac:chgData name="PhD - Teo Hong Jie Darryl" userId="4d248269-a284-4223-a368-54cf77bc2846" providerId="ADAL" clId="{74553948-A13E-4153-A2D4-579571E5685D}" dt="2025-10-07T16:24:54.729" v="2066" actId="20577"/>
+          <ac:spMkLst>
+            <pc:docMk/>
+            <pc:sldMk cId="1744687058" sldId="265"/>
+            <ac:spMk id="6" creationId="{00A80702-D211-5A72-A20F-9F0B573A49CE}"/>
+          </ac:spMkLst>
+        </pc:spChg>
+        <pc:spChg chg="add mod">
+          <ac:chgData name="PhD - Teo Hong Jie Darryl" userId="4d248269-a284-4223-a368-54cf77bc2846" providerId="ADAL" clId="{74553948-A13E-4153-A2D4-579571E5685D}" dt="2025-10-07T16:26:31.410" v="2165" actId="1036"/>
+          <ac:spMkLst>
+            <pc:docMk/>
+            <pc:sldMk cId="1744687058" sldId="265"/>
+            <ac:spMk id="9" creationId="{65A7F0BB-B5D8-D625-6FCC-23967D26F5C1}"/>
+          </ac:spMkLst>
+        </pc:spChg>
+        <pc:picChg chg="add mod">
+          <ac:chgData name="PhD - Teo Hong Jie Darryl" userId="4d248269-a284-4223-a368-54cf77bc2846" providerId="ADAL" clId="{74553948-A13E-4153-A2D4-579571E5685D}" dt="2025-10-07T16:23:27.999" v="1876" actId="1076"/>
+          <ac:picMkLst>
+            <pc:docMk/>
+            <pc:sldMk cId="1744687058" sldId="265"/>
+            <ac:picMk id="5" creationId="{B282DA6B-EAE4-868B-CA0A-3061B11A0ED6}"/>
+          </ac:picMkLst>
+        </pc:picChg>
+        <pc:picChg chg="add mod">
+          <ac:chgData name="PhD - Teo Hong Jie Darryl" userId="4d248269-a284-4223-a368-54cf77bc2846" providerId="ADAL" clId="{74553948-A13E-4153-A2D4-579571E5685D}" dt="2025-10-07T16:26:31.410" v="2165" actId="1036"/>
+          <ac:picMkLst>
+            <pc:docMk/>
+            <pc:sldMk cId="1744687058" sldId="265"/>
+            <ac:picMk id="8" creationId="{D8BA8BB5-1D63-A589-9371-71EB2A750129}"/>
+          </ac:picMkLst>
+        </pc:picChg>
+      </pc:sldChg>
       <pc:sldChg chg="modSp mod">
-        <pc:chgData name="PhD - Teo Hong Jie Darryl" userId="4d248269-a284-4223-a368-54cf77bc2846" providerId="ADAL" clId="{74553948-A13E-4153-A2D4-579571E5685D}" dt="2025-10-07T11:57:23.144" v="105" actId="20577"/>
+        <pc:chgData name="PhD - Teo Hong Jie Darryl" userId="4d248269-a284-4223-a368-54cf77bc2846" providerId="ADAL" clId="{74553948-A13E-4153-A2D4-579571E5685D}" dt="2025-10-07T17:07:36.547" v="3365" actId="20577"/>
         <pc:sldMkLst>
           <pc:docMk/>
           <pc:sldMk cId="2289692239" sldId="266"/>
         </pc:sldMkLst>
         <pc:spChg chg="mod">
-          <ac:chgData name="PhD - Teo Hong Jie Darryl" userId="4d248269-a284-4223-a368-54cf77bc2846" providerId="ADAL" clId="{74553948-A13E-4153-A2D4-579571E5685D}" dt="2025-10-07T11:57:23.144" v="105" actId="20577"/>
+          <ac:chgData name="PhD - Teo Hong Jie Darryl" userId="4d248269-a284-4223-a368-54cf77bc2846" providerId="ADAL" clId="{74553948-A13E-4153-A2D4-579571E5685D}" dt="2025-10-07T17:07:36.547" v="3365" actId="20577"/>
           <ac:spMkLst>
             <pc:docMk/>
             <pc:sldMk cId="2289692239" sldId="266"/>
@@ -260,7 +411,7 @@
         </pc:spChg>
       </pc:sldChg>
       <pc:sldChg chg="modSp add mod">
-        <pc:chgData name="PhD - Teo Hong Jie Darryl" userId="4d248269-a284-4223-a368-54cf77bc2846" providerId="ADAL" clId="{74553948-A13E-4153-A2D4-579571E5685D}" dt="2025-10-07T12:25:40.125" v="618" actId="1076"/>
+        <pc:chgData name="PhD - Teo Hong Jie Darryl" userId="4d248269-a284-4223-a368-54cf77bc2846" providerId="ADAL" clId="{74553948-A13E-4153-A2D4-579571E5685D}" dt="2025-10-07T16:14:16.186" v="1340" actId="20577"/>
         <pc:sldMkLst>
           <pc:docMk/>
           <pc:sldMk cId="1870322208" sldId="267"/>
@@ -274,7 +425,7 @@
           </ac:spMkLst>
         </pc:spChg>
         <pc:spChg chg="mod">
-          <ac:chgData name="PhD - Teo Hong Jie Darryl" userId="4d248269-a284-4223-a368-54cf77bc2846" providerId="ADAL" clId="{74553948-A13E-4153-A2D4-579571E5685D}" dt="2025-10-07T12:25:40.125" v="618" actId="1076"/>
+          <ac:chgData name="PhD - Teo Hong Jie Darryl" userId="4d248269-a284-4223-a368-54cf77bc2846" providerId="ADAL" clId="{74553948-A13E-4153-A2D4-579571E5685D}" dt="2025-10-07T16:14:16.186" v="1340" actId="20577"/>
           <ac:spMkLst>
             <pc:docMk/>
             <pc:sldMk cId="1870322208" sldId="267"/>
@@ -399,12 +550,74 @@
           </ac:spMkLst>
         </pc:spChg>
       </pc:sldChg>
+      <pc:sldChg chg="addSp delSp modSp add mod">
+        <pc:chgData name="PhD - Teo Hong Jie Darryl" userId="4d248269-a284-4223-a368-54cf77bc2846" providerId="ADAL" clId="{74553948-A13E-4153-A2D4-579571E5685D}" dt="2025-10-07T16:50:09.482" v="2823" actId="5793"/>
+        <pc:sldMkLst>
+          <pc:docMk/>
+          <pc:sldMk cId="736221231" sldId="271"/>
+        </pc:sldMkLst>
+        <pc:spChg chg="mod">
+          <ac:chgData name="PhD - Teo Hong Jie Darryl" userId="4d248269-a284-4223-a368-54cf77bc2846" providerId="ADAL" clId="{74553948-A13E-4153-A2D4-579571E5685D}" dt="2025-10-07T16:50:09.482" v="2823" actId="5793"/>
+          <ac:spMkLst>
+            <pc:docMk/>
+            <pc:sldMk cId="736221231" sldId="271"/>
+            <ac:spMk id="2" creationId="{49C09F76-9520-C724-C638-47829F008024}"/>
+          </ac:spMkLst>
+        </pc:spChg>
+        <pc:spChg chg="del">
+          <ac:chgData name="PhD - Teo Hong Jie Darryl" userId="4d248269-a284-4223-a368-54cf77bc2846" providerId="ADAL" clId="{74553948-A13E-4153-A2D4-579571E5685D}" dt="2025-10-07T16:49:59.802" v="2809" actId="478"/>
+          <ac:spMkLst>
+            <pc:docMk/>
+            <pc:sldMk cId="736221231" sldId="271"/>
+            <ac:spMk id="3" creationId="{3D7B4AD2-E2C3-F409-729B-667F1CE708D7}"/>
+          </ac:spMkLst>
+        </pc:spChg>
+        <pc:spChg chg="del">
+          <ac:chgData name="PhD - Teo Hong Jie Darryl" userId="4d248269-a284-4223-a368-54cf77bc2846" providerId="ADAL" clId="{74553948-A13E-4153-A2D4-579571E5685D}" dt="2025-10-07T16:49:57.383" v="2808" actId="478"/>
+          <ac:spMkLst>
+            <pc:docMk/>
+            <pc:sldMk cId="736221231" sldId="271"/>
+            <ac:spMk id="4" creationId="{CD31E84C-41CA-F6AB-A4FA-9805284B6FA9}"/>
+          </ac:spMkLst>
+        </pc:spChg>
+        <pc:spChg chg="add del mod">
+          <ac:chgData name="PhD - Teo Hong Jie Darryl" userId="4d248269-a284-4223-a368-54cf77bc2846" providerId="ADAL" clId="{74553948-A13E-4153-A2D4-579571E5685D}" dt="2025-10-07T16:50:05.275" v="2810" actId="478"/>
+          <ac:spMkLst>
+            <pc:docMk/>
+            <pc:sldMk cId="736221231" sldId="271"/>
+            <ac:spMk id="6" creationId="{BD200A90-A875-929D-961A-4133B3748B52}"/>
+          </ac:spMkLst>
+        </pc:spChg>
+      </pc:sldChg>
       <pc:sldChg chg="add del">
         <pc:chgData name="PhD - Teo Hong Jie Darryl" userId="4d248269-a284-4223-a368-54cf77bc2846" providerId="ADAL" clId="{74553948-A13E-4153-A2D4-579571E5685D}" dt="2025-10-07T15:54:49.673" v="1250" actId="47"/>
         <pc:sldMkLst>
           <pc:docMk/>
           <pc:sldMk cId="2481923327" sldId="271"/>
         </pc:sldMkLst>
+      </pc:sldChg>
+      <pc:sldChg chg="modSp new mod">
+        <pc:chgData name="PhD - Teo Hong Jie Darryl" userId="4d248269-a284-4223-a368-54cf77bc2846" providerId="ADAL" clId="{74553948-A13E-4153-A2D4-579571E5685D}" dt="2025-10-07T16:56:20.209" v="2843" actId="20577"/>
+        <pc:sldMkLst>
+          <pc:docMk/>
+          <pc:sldMk cId="3061621776" sldId="272"/>
+        </pc:sldMkLst>
+        <pc:spChg chg="mod">
+          <ac:chgData name="PhD - Teo Hong Jie Darryl" userId="4d248269-a284-4223-a368-54cf77bc2846" providerId="ADAL" clId="{74553948-A13E-4153-A2D4-579571E5685D}" dt="2025-10-07T16:50:17.542" v="2834" actId="20577"/>
+          <ac:spMkLst>
+            <pc:docMk/>
+            <pc:sldMk cId="3061621776" sldId="272"/>
+            <ac:spMk id="2" creationId="{B5503595-B0E9-C20E-D94F-93851A286517}"/>
+          </ac:spMkLst>
+        </pc:spChg>
+        <pc:spChg chg="mod">
+          <ac:chgData name="PhD - Teo Hong Jie Darryl" userId="4d248269-a284-4223-a368-54cf77bc2846" providerId="ADAL" clId="{74553948-A13E-4153-A2D4-579571E5685D}" dt="2025-10-07T16:56:20.209" v="2843" actId="20577"/>
+          <ac:spMkLst>
+            <pc:docMk/>
+            <pc:sldMk cId="3061621776" sldId="272"/>
+            <ac:spMk id="3" creationId="{9DE53850-E5F2-9DFF-C7DF-ACE09A4B220D}"/>
+          </ac:spMkLst>
+        </pc:spChg>
       </pc:sldChg>
     </pc:docChg>
   </pc:docChgLst>
@@ -493,7 +706,7 @@
           <a:p>
             <a:fld id="{6A54D384-37A1-4E07-B865-A7CF62098C03}" type="datetimeFigureOut">
               <a:rPr lang="en-US" smtClean="0"/>
-              <a:t>10/7/2025</a:t>
+              <a:t>10/8/2025</a:t>
             </a:fld>
             <a:endParaRPr lang="en-US"/>
           </a:p>
@@ -907,7 +1120,7 @@
           <a:p>
             <a:fld id="{61BA9AEA-1374-47CD-B028-4A10FF9380E2}" type="datetimeFigureOut">
               <a:rPr lang="en-US" smtClean="0"/>
-              <a:t>10/7/2025</a:t>
+              <a:t>10/8/2025</a:t>
             </a:fld>
             <a:endParaRPr lang="en-US"/>
           </a:p>
@@ -1105,7 +1318,7 @@
           <a:p>
             <a:fld id="{61BA9AEA-1374-47CD-B028-4A10FF9380E2}" type="datetimeFigureOut">
               <a:rPr lang="en-US" smtClean="0"/>
-              <a:t>10/7/2025</a:t>
+              <a:t>10/8/2025</a:t>
             </a:fld>
             <a:endParaRPr lang="en-US"/>
           </a:p>
@@ -1313,7 +1526,7 @@
           <a:p>
             <a:fld id="{61BA9AEA-1374-47CD-B028-4A10FF9380E2}" type="datetimeFigureOut">
               <a:rPr lang="en-US" smtClean="0"/>
-              <a:t>10/7/2025</a:t>
+              <a:t>10/8/2025</a:t>
             </a:fld>
             <a:endParaRPr lang="en-US"/>
           </a:p>
@@ -1511,7 +1724,7 @@
           <a:p>
             <a:fld id="{61BA9AEA-1374-47CD-B028-4A10FF9380E2}" type="datetimeFigureOut">
               <a:rPr lang="en-US" smtClean="0"/>
-              <a:t>10/7/2025</a:t>
+              <a:t>10/8/2025</a:t>
             </a:fld>
             <a:endParaRPr lang="en-US"/>
           </a:p>
@@ -1786,7 +1999,7 @@
           <a:p>
             <a:fld id="{61BA9AEA-1374-47CD-B028-4A10FF9380E2}" type="datetimeFigureOut">
               <a:rPr lang="en-US" smtClean="0"/>
-              <a:t>10/7/2025</a:t>
+              <a:t>10/8/2025</a:t>
             </a:fld>
             <a:endParaRPr lang="en-US"/>
           </a:p>
@@ -2051,7 +2264,7 @@
           <a:p>
             <a:fld id="{61BA9AEA-1374-47CD-B028-4A10FF9380E2}" type="datetimeFigureOut">
               <a:rPr lang="en-US" smtClean="0"/>
-              <a:t>10/7/2025</a:t>
+              <a:t>10/8/2025</a:t>
             </a:fld>
             <a:endParaRPr lang="en-US"/>
           </a:p>
@@ -2463,7 +2676,7 @@
           <a:p>
             <a:fld id="{61BA9AEA-1374-47CD-B028-4A10FF9380E2}" type="datetimeFigureOut">
               <a:rPr lang="en-US" smtClean="0"/>
-              <a:t>10/7/2025</a:t>
+              <a:t>10/8/2025</a:t>
             </a:fld>
             <a:endParaRPr lang="en-US"/>
           </a:p>
@@ -2604,7 +2817,7 @@
           <a:p>
             <a:fld id="{61BA9AEA-1374-47CD-B028-4A10FF9380E2}" type="datetimeFigureOut">
               <a:rPr lang="en-US" smtClean="0"/>
-              <a:t>10/7/2025</a:t>
+              <a:t>10/8/2025</a:t>
             </a:fld>
             <a:endParaRPr lang="en-US"/>
           </a:p>
@@ -2717,7 +2930,7 @@
           <a:p>
             <a:fld id="{61BA9AEA-1374-47CD-B028-4A10FF9380E2}" type="datetimeFigureOut">
               <a:rPr lang="en-US" smtClean="0"/>
-              <a:t>10/7/2025</a:t>
+              <a:t>10/8/2025</a:t>
             </a:fld>
             <a:endParaRPr lang="en-US"/>
           </a:p>
@@ -3028,7 +3241,7 @@
           <a:p>
             <a:fld id="{61BA9AEA-1374-47CD-B028-4A10FF9380E2}" type="datetimeFigureOut">
               <a:rPr lang="en-US" smtClean="0"/>
-              <a:t>10/7/2025</a:t>
+              <a:t>10/8/2025</a:t>
             </a:fld>
             <a:endParaRPr lang="en-US"/>
           </a:p>
@@ -3316,7 +3529,7 @@
           <a:p>
             <a:fld id="{61BA9AEA-1374-47CD-B028-4A10FF9380E2}" type="datetimeFigureOut">
               <a:rPr lang="en-US" smtClean="0"/>
-              <a:t>10/7/2025</a:t>
+              <a:t>10/8/2025</a:t>
             </a:fld>
             <a:endParaRPr lang="en-US"/>
           </a:p>
@@ -3557,7 +3770,7 @@
           <a:p>
             <a:fld id="{61BA9AEA-1374-47CD-B028-4A10FF9380E2}" type="datetimeFigureOut">
               <a:rPr lang="en-US" smtClean="0"/>
-              <a:t>10/7/2025</a:t>
+              <a:t>10/8/2025</a:t>
             </a:fld>
             <a:endParaRPr lang="en-US"/>
           </a:p>
@@ -4132,8 +4345,8 @@
           </a:p>
         </p:txBody>
       </p:sp>
-      <mc:AlternateContent xmlns:mc="http://schemas.openxmlformats.org/markup-compatibility/2006">
-        <mc:Choice xmlns:a14="http://schemas.microsoft.com/office/drawing/2010/main" Requires="a14">
+      <mc:AlternateContent xmlns:mc="http://schemas.openxmlformats.org/markup-compatibility/2006" xmlns:a14="http://schemas.microsoft.com/office/drawing/2010/main">
+        <mc:Choice Requires="a14">
           <p:sp>
             <p:nvSpPr>
               <p:cNvPr id="3" name="Content Placeholder 2">
@@ -4548,7 +4761,7 @@
             </p:txBody>
           </p:sp>
         </mc:Choice>
-        <mc:Fallback>
+        <mc:Fallback xmlns="">
           <p:sp>
             <p:nvSpPr>
               <p:cNvPr id="3" name="Content Placeholder 2">
@@ -4656,8 +4869,8 @@
           </a:p>
         </p:txBody>
       </p:sp>
-      <mc:AlternateContent xmlns:mc="http://schemas.openxmlformats.org/markup-compatibility/2006">
-        <mc:Choice xmlns:a14="http://schemas.microsoft.com/office/drawing/2010/main" Requires="a14">
+      <mc:AlternateContent xmlns:mc="http://schemas.openxmlformats.org/markup-compatibility/2006" xmlns:a14="http://schemas.microsoft.com/office/drawing/2010/main">
+        <mc:Choice Requires="a14">
           <p:sp>
             <p:nvSpPr>
               <p:cNvPr id="3" name="Content Placeholder 2">
@@ -5470,7 +5683,7 @@
             </p:txBody>
           </p:sp>
         </mc:Choice>
-        <mc:Fallback>
+        <mc:Fallback xmlns="">
           <p:sp>
             <p:nvSpPr>
               <p:cNvPr id="3" name="Content Placeholder 2">
@@ -5578,8 +5791,8 @@
           </a:p>
         </p:txBody>
       </p:sp>
-      <mc:AlternateContent xmlns:mc="http://schemas.openxmlformats.org/markup-compatibility/2006">
-        <mc:Choice xmlns:a14="http://schemas.microsoft.com/office/drawing/2010/main" Requires="a14">
+      <mc:AlternateContent xmlns:mc="http://schemas.openxmlformats.org/markup-compatibility/2006" xmlns:a14="http://schemas.microsoft.com/office/drawing/2010/main">
+        <mc:Choice Requires="a14">
           <p:sp>
             <p:nvSpPr>
               <p:cNvPr id="3" name="Content Placeholder 2">
@@ -6421,7 +6634,7 @@
             </p:txBody>
           </p:sp>
         </mc:Choice>
-        <mc:Fallback>
+        <mc:Fallback xmlns="">
           <p:sp>
             <p:nvSpPr>
               <p:cNvPr id="3" name="Content Placeholder 2">
@@ -6529,35 +6742,166 @@
           </a:p>
         </p:txBody>
       </p:sp>
-      <p:sp>
-        <p:nvSpPr>
-          <p:cNvPr id="3" name="Content Placeholder 2">
+      <p:pic>
+        <p:nvPicPr>
+          <p:cNvPr id="5" name="Picture 4">
             <a:extLst>
               <a:ext uri="{FF2B5EF4-FFF2-40B4-BE49-F238E27FC236}">
-                <a16:creationId xmlns:a16="http://schemas.microsoft.com/office/drawing/2014/main" id="{CDA3ED9C-9410-2A18-AF17-47E487299910}"/>
+                <a16:creationId xmlns:a16="http://schemas.microsoft.com/office/drawing/2014/main" id="{FAF53767-2BA1-C734-18DB-198F37707335}"/>
               </a:ext>
             </a:extLst>
           </p:cNvPr>
-          <p:cNvSpPr>
-            <a:spLocks noGrp="1"/>
-          </p:cNvSpPr>
-          <p:nvPr>
-            <p:ph idx="1"/>
-          </p:nvPr>
+          <p:cNvPicPr>
+            <a:picLocks noChangeAspect="1"/>
+          </p:cNvPicPr>
+          <p:nvPr/>
+        </p:nvPicPr>
+        <p:blipFill>
+          <a:blip r:embed="rId2"/>
+          <a:stretch>
+            <a:fillRect/>
+          </a:stretch>
+        </p:blipFill>
+        <p:spPr>
+          <a:xfrm>
+            <a:off x="942875" y="2310093"/>
+            <a:ext cx="3591426" cy="2572109"/>
+          </a:xfrm>
+          <a:prstGeom prst="rect">
+            <a:avLst/>
+          </a:prstGeom>
+        </p:spPr>
+      </p:pic>
+      <p:sp>
+        <p:nvSpPr>
+          <p:cNvPr id="7" name="TextBox 6">
+            <a:extLst>
+              <a:ext uri="{FF2B5EF4-FFF2-40B4-BE49-F238E27FC236}">
+                <a16:creationId xmlns:a16="http://schemas.microsoft.com/office/drawing/2014/main" id="{FE3E4ACE-5D0C-C128-B842-D992AABDF24B}"/>
+              </a:ext>
+            </a:extLst>
+          </p:cNvPr>
+          <p:cNvSpPr txBox="1"/>
+          <p:nvPr/>
         </p:nvSpPr>
         <p:spPr>
           <a:xfrm>
-            <a:off x="838200" y="1520825"/>
-            <a:ext cx="10515600" cy="4351338"/>
+            <a:off x="357552" y="4975123"/>
+            <a:ext cx="4762073" cy="738664"/>
           </a:xfrm>
+          <a:prstGeom prst="rect">
+            <a:avLst/>
+          </a:prstGeom>
+          <a:noFill/>
         </p:spPr>
         <p:txBody>
-          <a:bodyPr>
-            <a:normAutofit/>
+          <a:bodyPr wrap="none" rtlCol="0">
+            <a:spAutoFit/>
           </a:bodyPr>
           <a:lstStyle/>
           <a:p>
-            <a:endParaRPr lang="en-US" sz="2400" dirty="0"/>
+            <a:pPr algn="ctr"/>
+            <a:r>
+              <a:rPr lang="en-US" sz="2400" dirty="0"/>
+              <a:t>Minimize tutors assigned</a:t>
+            </a:r>
+          </a:p>
+          <a:p>
+            <a:pPr algn="ctr"/>
+            <a:r>
+              <a:rPr lang="en-US" dirty="0"/>
+              <a:t>Only 6 out of 10 tutors received an assignment</a:t>
+            </a:r>
+          </a:p>
+        </p:txBody>
+      </p:sp>
+      <p:pic>
+        <p:nvPicPr>
+          <p:cNvPr id="9" name="Picture 8">
+            <a:extLst>
+              <a:ext uri="{FF2B5EF4-FFF2-40B4-BE49-F238E27FC236}">
+                <a16:creationId xmlns:a16="http://schemas.microsoft.com/office/drawing/2014/main" id="{CD149EC3-7237-F093-0B06-40000671860F}"/>
+              </a:ext>
+            </a:extLst>
+          </p:cNvPr>
+          <p:cNvPicPr>
+            <a:picLocks noChangeAspect="1"/>
+          </p:cNvPicPr>
+          <p:nvPr/>
+        </p:nvPicPr>
+        <p:blipFill>
+          <a:blip r:embed="rId3"/>
+          <a:stretch>
+            <a:fillRect/>
+          </a:stretch>
+        </p:blipFill>
+        <p:spPr>
+          <a:xfrm>
+            <a:off x="6718631" y="2305329"/>
+            <a:ext cx="4791744" cy="2581635"/>
+          </a:xfrm>
+          <a:prstGeom prst="rect">
+            <a:avLst/>
+          </a:prstGeom>
+        </p:spPr>
+      </p:pic>
+      <p:sp>
+        <p:nvSpPr>
+          <p:cNvPr id="10" name="TextBox 9">
+            <a:extLst>
+              <a:ext uri="{FF2B5EF4-FFF2-40B4-BE49-F238E27FC236}">
+                <a16:creationId xmlns:a16="http://schemas.microsoft.com/office/drawing/2014/main" id="{2B5E424D-F743-FF25-BD9B-F963272EF39A}"/>
+              </a:ext>
+            </a:extLst>
+          </p:cNvPr>
+          <p:cNvSpPr txBox="1"/>
+          <p:nvPr/>
+        </p:nvSpPr>
+        <p:spPr>
+          <a:xfrm>
+            <a:off x="6819515" y="4975122"/>
+            <a:ext cx="4619662" cy="1015663"/>
+          </a:xfrm>
+          <a:prstGeom prst="rect">
+            <a:avLst/>
+          </a:prstGeom>
+          <a:noFill/>
+        </p:spPr>
+        <p:txBody>
+          <a:bodyPr wrap="none" rtlCol="0">
+            <a:spAutoFit/>
+          </a:bodyPr>
+          <a:lstStyle/>
+          <a:p>
+            <a:pPr algn="ctr"/>
+            <a:r>
+              <a:rPr lang="en-US" sz="2400" dirty="0"/>
+              <a:t>Maximize tutor preferences</a:t>
+            </a:r>
+          </a:p>
+          <a:p>
+            <a:pPr algn="ctr"/>
+            <a:r>
+              <a:rPr lang="en-US" dirty="0"/>
+              <a:t>Most tutor assignments are at their #1 </a:t>
+            </a:r>
+            <a:r>
+              <a:rPr lang="en-US" dirty="0" err="1"/>
+              <a:t>centre</a:t>
+            </a:r>
+            <a:endParaRPr lang="en-US" dirty="0"/>
+          </a:p>
+          <a:p>
+            <a:pPr algn="ctr"/>
+            <a:r>
+              <a:rPr lang="en-US" dirty="0"/>
+              <a:t>No tutor assigned to a non-preferred </a:t>
+            </a:r>
+            <a:r>
+              <a:rPr lang="en-US" dirty="0" err="1"/>
+              <a:t>centre</a:t>
+            </a:r>
+            <a:endParaRPr lang="en-US" dirty="0"/>
           </a:p>
         </p:txBody>
       </p:sp>
@@ -6625,35 +6969,178 @@
           </a:p>
         </p:txBody>
       </p:sp>
-      <p:sp>
-        <p:nvSpPr>
-          <p:cNvPr id="3" name="Content Placeholder 2">
+      <p:pic>
+        <p:nvPicPr>
+          <p:cNvPr id="5" name="Picture 4">
             <a:extLst>
               <a:ext uri="{FF2B5EF4-FFF2-40B4-BE49-F238E27FC236}">
-                <a16:creationId xmlns:a16="http://schemas.microsoft.com/office/drawing/2014/main" id="{852AC60A-EABA-64FE-C964-2596721AD4E9}"/>
+                <a16:creationId xmlns:a16="http://schemas.microsoft.com/office/drawing/2014/main" id="{B282DA6B-EAE4-868B-CA0A-3061B11A0ED6}"/>
               </a:ext>
             </a:extLst>
           </p:cNvPr>
-          <p:cNvSpPr>
-            <a:spLocks noGrp="1"/>
-          </p:cNvSpPr>
-          <p:nvPr>
-            <p:ph idx="1"/>
-          </p:nvPr>
+          <p:cNvPicPr>
+            <a:picLocks noChangeAspect="1"/>
+          </p:cNvPicPr>
+          <p:nvPr/>
+        </p:nvPicPr>
+        <p:blipFill>
+          <a:blip r:embed="rId2"/>
+          <a:stretch>
+            <a:fillRect/>
+          </a:stretch>
+        </p:blipFill>
+        <p:spPr>
+          <a:xfrm>
+            <a:off x="1145169" y="1457050"/>
+            <a:ext cx="3410426" cy="3943900"/>
+          </a:xfrm>
+          <a:prstGeom prst="rect">
+            <a:avLst/>
+          </a:prstGeom>
+        </p:spPr>
+      </p:pic>
+      <p:sp>
+        <p:nvSpPr>
+          <p:cNvPr id="6" name="TextBox 5">
+            <a:extLst>
+              <a:ext uri="{FF2B5EF4-FFF2-40B4-BE49-F238E27FC236}">
+                <a16:creationId xmlns:a16="http://schemas.microsoft.com/office/drawing/2014/main" id="{00A80702-D211-5A72-A20F-9F0B573A49CE}"/>
+              </a:ext>
+            </a:extLst>
+          </p:cNvPr>
+          <p:cNvSpPr txBox="1"/>
+          <p:nvPr/>
         </p:nvSpPr>
         <p:spPr>
           <a:xfrm>
-            <a:off x="838200" y="1520825"/>
-            <a:ext cx="10515600" cy="4351338"/>
+            <a:off x="-18868" y="5497637"/>
+            <a:ext cx="5595314" cy="738664"/>
           </a:xfrm>
+          <a:prstGeom prst="rect">
+            <a:avLst/>
+          </a:prstGeom>
+          <a:noFill/>
         </p:spPr>
         <p:txBody>
-          <a:bodyPr>
-            <a:normAutofit/>
+          <a:bodyPr wrap="none" rtlCol="0">
+            <a:spAutoFit/>
           </a:bodyPr>
           <a:lstStyle/>
           <a:p>
-            <a:endParaRPr lang="en-US" sz="2400" dirty="0"/>
+            <a:pPr algn="ctr"/>
+            <a:r>
+              <a:rPr lang="en-US" sz="2400" dirty="0"/>
+              <a:t>Balance tutor workload</a:t>
+            </a:r>
+          </a:p>
+          <a:p>
+            <a:pPr algn="ctr"/>
+            <a:r>
+              <a:rPr lang="en-US" dirty="0"/>
+              <a:t>The worst-off tutor (workload) was assigned 4 students</a:t>
+            </a:r>
+          </a:p>
+        </p:txBody>
+      </p:sp>
+      <p:pic>
+        <p:nvPicPr>
+          <p:cNvPr id="8" name="Picture 7">
+            <a:extLst>
+              <a:ext uri="{FF2B5EF4-FFF2-40B4-BE49-F238E27FC236}">
+                <a16:creationId xmlns:a16="http://schemas.microsoft.com/office/drawing/2014/main" id="{D8BA8BB5-1D63-A589-9371-71EB2A750129}"/>
+              </a:ext>
+            </a:extLst>
+          </p:cNvPr>
+          <p:cNvPicPr>
+            <a:picLocks noChangeAspect="1"/>
+          </p:cNvPicPr>
+          <p:nvPr/>
+        </p:nvPicPr>
+        <p:blipFill>
+          <a:blip r:embed="rId3"/>
+          <a:stretch>
+            <a:fillRect/>
+          </a:stretch>
+        </p:blipFill>
+        <p:spPr>
+          <a:xfrm>
+            <a:off x="6647793" y="1436947"/>
+            <a:ext cx="4706007" cy="3896269"/>
+          </a:xfrm>
+          <a:prstGeom prst="rect">
+            <a:avLst/>
+          </a:prstGeom>
+        </p:spPr>
+      </p:pic>
+      <p:sp>
+        <p:nvSpPr>
+          <p:cNvPr id="9" name="TextBox 8">
+            <a:extLst>
+              <a:ext uri="{FF2B5EF4-FFF2-40B4-BE49-F238E27FC236}">
+                <a16:creationId xmlns:a16="http://schemas.microsoft.com/office/drawing/2014/main" id="{65A7F0BB-B5D8-D625-6FCC-23967D26F5C1}"/>
+              </a:ext>
+            </a:extLst>
+          </p:cNvPr>
+          <p:cNvSpPr txBox="1"/>
+          <p:nvPr/>
+        </p:nvSpPr>
+        <p:spPr>
+          <a:xfrm>
+            <a:off x="6570248" y="5472120"/>
+            <a:ext cx="5118196" cy="1292662"/>
+          </a:xfrm>
+          <a:prstGeom prst="rect">
+            <a:avLst/>
+          </a:prstGeom>
+          <a:noFill/>
+        </p:spPr>
+        <p:txBody>
+          <a:bodyPr wrap="none" rtlCol="0">
+            <a:spAutoFit/>
+          </a:bodyPr>
+          <a:lstStyle/>
+          <a:p>
+            <a:pPr algn="ctr"/>
+            <a:r>
+              <a:rPr lang="en-US" sz="2400" dirty="0"/>
+              <a:t>Maximize tutor preferences</a:t>
+            </a:r>
+          </a:p>
+          <a:p>
+            <a:pPr algn="ctr"/>
+            <a:r>
+              <a:rPr lang="en-US" dirty="0"/>
+              <a:t>Almost all tutor assignments are at their #1 </a:t>
+            </a:r>
+            <a:r>
+              <a:rPr lang="en-US" dirty="0" err="1"/>
+              <a:t>centre</a:t>
+            </a:r>
+            <a:endParaRPr lang="en-US" dirty="0"/>
+          </a:p>
+          <a:p>
+            <a:pPr algn="ctr"/>
+            <a:r>
+              <a:rPr lang="en-US" dirty="0"/>
+              <a:t>Two tutors had 1 assignment at #2 </a:t>
+            </a:r>
+            <a:r>
+              <a:rPr lang="en-US" dirty="0" err="1"/>
+              <a:t>centre</a:t>
+            </a:r>
+            <a:endParaRPr lang="en-US" dirty="0"/>
+          </a:p>
+          <a:p>
+            <a:pPr algn="ctr"/>
+            <a:r>
+              <a:rPr lang="en-US" dirty="0"/>
+              <a:t>No tutor assigned to a non-preferred </a:t>
+            </a:r>
+            <a:r>
+              <a:rPr lang="en-US" dirty="0" err="1"/>
+              <a:t>centre</a:t>
+            </a:r>
+            <a:endParaRPr lang="en-US" dirty="0"/>
           </a:p>
         </p:txBody>
       </p:sp>
@@ -6751,24 +7238,44 @@
           <a:p>
             <a:r>
               <a:rPr lang="en-US" sz="2400" dirty="0"/>
-              <a:t>Not enough data</a:t>
+              <a:t>Modeled the Tutor-Student Assignment Problem --- Bipartite Matching with One Sided Preferences as an integer programming problem.</a:t>
             </a:r>
           </a:p>
           <a:p>
             <a:r>
               <a:rPr lang="en-US" sz="2400" dirty="0"/>
-              <a:t>Group students – identify characteristics that allow more students, vs which need 1-1, scolding </a:t>
-            </a:r>
-            <a:r>
-              <a:rPr lang="en-US" sz="2400" dirty="0" err="1"/>
-              <a:t>etc</a:t>
-            </a:r>
+              <a:t>The problem was solved to optimality, satisfied all constraints and generated optimal assignments for both task (a) and (b)</a:t>
+            </a:r>
+          </a:p>
+          <a:p>
             <a:endParaRPr lang="en-US" sz="2400" dirty="0"/>
           </a:p>
           <a:p>
             <a:r>
               <a:rPr lang="en-US" sz="2400" dirty="0"/>
-              <a:t>Link these to objective</a:t>
+              <a:t>Studies done by Magnanti and Natarajan</a:t>
+            </a:r>
+            <a:r>
+              <a:rPr lang="en-US" sz="2400" baseline="30000" dirty="0"/>
+              <a:t>3 </a:t>
+            </a:r>
+            <a:r>
+              <a:rPr lang="en-US" sz="2400" dirty="0"/>
+              <a:t>and Urbina et al.</a:t>
+            </a:r>
+            <a:r>
+              <a:rPr lang="en-US" sz="2400" baseline="30000" dirty="0"/>
+              <a:t>6 </a:t>
+            </a:r>
+            <a:r>
+              <a:rPr lang="en-US" sz="2400" dirty="0"/>
+              <a:t> suggest that with more data, we can more efficiently assign tutors to students.</a:t>
+            </a:r>
+          </a:p>
+          <a:p>
+            <a:r>
+              <a:rPr lang="en-US" sz="2400" dirty="0"/>
+              <a:t>Further work can be done to identify student characteristics that allow for synergistic grouping of students, expanding the tutoring service to group tuition.</a:t>
             </a:r>
           </a:p>
         </p:txBody>
@@ -6777,6 +7284,279 @@
     <p:extLst>
       <p:ext uri="{BB962C8B-B14F-4D97-AF65-F5344CB8AC3E}">
         <p14:creationId xmlns:p14="http://schemas.microsoft.com/office/powerpoint/2010/main" val="2289692239"/>
+      </p:ext>
+    </p:extLst>
+  </p:cSld>
+  <p:clrMapOvr>
+    <a:masterClrMapping/>
+  </p:clrMapOvr>
+</p:sld>
+</file>
+
+<file path=ppt/slides/slide16.xml><?xml version="1.0" encoding="utf-8"?>
+<p:sld xmlns:a="http://schemas.openxmlformats.org/drawingml/2006/main" xmlns:r="http://schemas.openxmlformats.org/officeDocument/2006/relationships" xmlns:p="http://schemas.openxmlformats.org/presentationml/2006/main">
+  <p:cSld>
+    <p:spTree>
+      <p:nvGrpSpPr>
+        <p:cNvPr id="1" name="">
+          <a:extLst>
+            <a:ext uri="{FF2B5EF4-FFF2-40B4-BE49-F238E27FC236}">
+              <a16:creationId xmlns:a16="http://schemas.microsoft.com/office/drawing/2014/main" id="{0740F4D7-A3B1-2B5E-5E99-77DA5FE631D9}"/>
+            </a:ext>
+          </a:extLst>
+        </p:cNvPr>
+        <p:cNvGrpSpPr/>
+        <p:nvPr/>
+      </p:nvGrpSpPr>
+      <p:grpSpPr>
+        <a:xfrm>
+          <a:off x="0" y="0"/>
+          <a:ext cx="0" cy="0"/>
+          <a:chOff x="0" y="0"/>
+          <a:chExt cx="0" cy="0"/>
+        </a:xfrm>
+      </p:grpSpPr>
+      <p:sp>
+        <p:nvSpPr>
+          <p:cNvPr id="2" name="Title 1">
+            <a:extLst>
+              <a:ext uri="{FF2B5EF4-FFF2-40B4-BE49-F238E27FC236}">
+                <a16:creationId xmlns:a16="http://schemas.microsoft.com/office/drawing/2014/main" id="{49C09F76-9520-C724-C638-47829F008024}"/>
+              </a:ext>
+            </a:extLst>
+          </p:cNvPr>
+          <p:cNvSpPr>
+            <a:spLocks noGrp="1"/>
+          </p:cNvSpPr>
+          <p:nvPr>
+            <p:ph type="ctrTitle"/>
+          </p:nvPr>
+        </p:nvSpPr>
+        <p:spPr/>
+        <p:txBody>
+          <a:bodyPr>
+            <a:normAutofit/>
+          </a:bodyPr>
+          <a:lstStyle/>
+          <a:p>
+            <a:r>
+              <a:rPr lang="en-US" sz="4800" dirty="0"/>
+              <a:t>Thank you </a:t>
+            </a:r>
+            <a:r>
+              <a:rPr lang="en-US" sz="4800" dirty="0">
+                <a:sym typeface="Wingdings" panose="05000000000000000000" pitchFamily="2" charset="2"/>
+              </a:rPr>
+              <a:t></a:t>
+            </a:r>
+            <a:endParaRPr lang="en-US" sz="4800" dirty="0"/>
+          </a:p>
+        </p:txBody>
+      </p:sp>
+    </p:spTree>
+    <p:extLst>
+      <p:ext uri="{BB962C8B-B14F-4D97-AF65-F5344CB8AC3E}">
+        <p14:creationId xmlns:p14="http://schemas.microsoft.com/office/powerpoint/2010/main" val="736221231"/>
+      </p:ext>
+    </p:extLst>
+  </p:cSld>
+  <p:clrMapOvr>
+    <a:masterClrMapping/>
+  </p:clrMapOvr>
+</p:sld>
+</file>
+
+<file path=ppt/slides/slide17.xml><?xml version="1.0" encoding="utf-8"?>
+<p:sld xmlns:a="http://schemas.openxmlformats.org/drawingml/2006/main" xmlns:r="http://schemas.openxmlformats.org/officeDocument/2006/relationships" xmlns:p="http://schemas.openxmlformats.org/presentationml/2006/main">
+  <p:cSld>
+    <p:spTree>
+      <p:nvGrpSpPr>
+        <p:cNvPr id="1" name=""/>
+        <p:cNvGrpSpPr/>
+        <p:nvPr/>
+      </p:nvGrpSpPr>
+      <p:grpSpPr>
+        <a:xfrm>
+          <a:off x="0" y="0"/>
+          <a:ext cx="0" cy="0"/>
+          <a:chOff x="0" y="0"/>
+          <a:chExt cx="0" cy="0"/>
+        </a:xfrm>
+      </p:grpSpPr>
+      <p:sp>
+        <p:nvSpPr>
+          <p:cNvPr id="2" name="Title 1">
+            <a:extLst>
+              <a:ext uri="{FF2B5EF4-FFF2-40B4-BE49-F238E27FC236}">
+                <a16:creationId xmlns:a16="http://schemas.microsoft.com/office/drawing/2014/main" id="{B5503595-B0E9-C20E-D94F-93851A286517}"/>
+              </a:ext>
+            </a:extLst>
+          </p:cNvPr>
+          <p:cNvSpPr>
+            <a:spLocks noGrp="1"/>
+          </p:cNvSpPr>
+          <p:nvPr>
+            <p:ph type="title"/>
+          </p:nvPr>
+        </p:nvSpPr>
+        <p:spPr/>
+        <p:txBody>
+          <a:bodyPr/>
+          <a:lstStyle/>
+          <a:p>
+            <a:r>
+              <a:rPr lang="en-US" dirty="0"/>
+              <a:t>References</a:t>
+            </a:r>
+          </a:p>
+        </p:txBody>
+      </p:sp>
+      <p:sp>
+        <p:nvSpPr>
+          <p:cNvPr id="3" name="Content Placeholder 2">
+            <a:extLst>
+              <a:ext uri="{FF2B5EF4-FFF2-40B4-BE49-F238E27FC236}">
+                <a16:creationId xmlns:a16="http://schemas.microsoft.com/office/drawing/2014/main" id="{9DE53850-E5F2-9DFF-C7DF-ACE09A4B220D}"/>
+              </a:ext>
+            </a:extLst>
+          </p:cNvPr>
+          <p:cNvSpPr>
+            <a:spLocks noGrp="1"/>
+          </p:cNvSpPr>
+          <p:nvPr>
+            <p:ph idx="1"/>
+          </p:nvPr>
+        </p:nvSpPr>
+        <p:spPr/>
+        <p:txBody>
+          <a:bodyPr>
+            <a:normAutofit fontScale="77500" lnSpcReduction="20000"/>
+          </a:bodyPr>
+          <a:lstStyle/>
+          <a:p>
+            <a:pPr marL="0" indent="0">
+              <a:buNone/>
+            </a:pPr>
+            <a:r>
+              <a:rPr lang="en-US" dirty="0"/>
+              <a:t>[1] Claudia Chan and Mark Bray. Marketized private tutoring as a supplement to regular schooling: Liberal studies and the shadow sector in </a:t>
+            </a:r>
+            <a:r>
+              <a:rPr lang="en-US" dirty="0" err="1"/>
+              <a:t>hong</a:t>
+            </a:r>
+            <a:r>
+              <a:rPr lang="en-US" dirty="0"/>
+              <a:t> </a:t>
+            </a:r>
+            <a:r>
+              <a:rPr lang="en-US" dirty="0" err="1"/>
+              <a:t>kong</a:t>
+            </a:r>
+            <a:r>
+              <a:rPr lang="en-US" dirty="0"/>
+              <a:t> secondary education. Journal of Curriculum Studies, 46(3):361–388, February 2014.</a:t>
+            </a:r>
+          </a:p>
+          <a:p>
+            <a:pPr marL="0" indent="0">
+              <a:buNone/>
+            </a:pPr>
+            <a:r>
+              <a:rPr lang="en-US" dirty="0"/>
+              <a:t>[2] Titus Siu Pang Li and Ben Cheong Choi. Private supplementary tutoring in </a:t>
+            </a:r>
+            <a:r>
+              <a:rPr lang="en-US" dirty="0" err="1"/>
+              <a:t>macao</a:t>
+            </a:r>
+            <a:r>
+              <a:rPr lang="en-US" dirty="0"/>
+              <a:t>: past, present and the future. Asia Pacific Journal of Education, 34(4):505–517, October 2014.</a:t>
+            </a:r>
+          </a:p>
+          <a:p>
+            <a:pPr marL="0" indent="0">
+              <a:buNone/>
+            </a:pPr>
+            <a:r>
+              <a:rPr lang="en-US" dirty="0"/>
+              <a:t>[3] Thomas L. Magnanti and Karthik Natarajan. Allocating students to multidisciplinary capstone projects using discrete optimization. Interfaces, 48(3):204–216, June 2018.</a:t>
+            </a:r>
+          </a:p>
+          <a:p>
+            <a:pPr marL="0" indent="0">
+              <a:buNone/>
+            </a:pPr>
+            <a:r>
+              <a:rPr lang="en-US" dirty="0"/>
+              <a:t>[4] Charlene Tan. Private supplementary tutoring and </a:t>
+            </a:r>
+            <a:r>
+              <a:rPr lang="en-US" dirty="0" err="1"/>
+              <a:t>parentocracy</a:t>
+            </a:r>
+            <a:r>
+              <a:rPr lang="en-US" dirty="0"/>
+              <a:t> in </a:t>
+            </a:r>
+            <a:r>
+              <a:rPr lang="en-US" dirty="0" err="1"/>
+              <a:t>singapore</a:t>
+            </a:r>
+            <a:r>
+              <a:rPr lang="en-US" dirty="0"/>
+              <a:t>. Interchange, 48(4):315–329, February 2017.</a:t>
+            </a:r>
+          </a:p>
+          <a:p>
+            <a:pPr marL="0" indent="0">
+              <a:buNone/>
+            </a:pPr>
+            <a:r>
+              <a:rPr lang="en-US" dirty="0"/>
+              <a:t>[5] Elisha Tushara. Spending by </a:t>
+            </a:r>
+            <a:r>
+              <a:rPr lang="en-US" dirty="0" err="1"/>
+              <a:t>s’pore</a:t>
+            </a:r>
+            <a:r>
+              <a:rPr lang="en-US" dirty="0"/>
+              <a:t> families on private tuition rises to 1.8 billion in 2023, 2025.</a:t>
+            </a:r>
+          </a:p>
+          <a:p>
+            <a:pPr marL="0" indent="0">
+              <a:buNone/>
+            </a:pPr>
+            <a:r>
+              <a:rPr lang="en-US" dirty="0"/>
+              <a:t>[6] Argelia B. Urbina Najera, Jorge de la Calleja, and Ma. </a:t>
+            </a:r>
+            <a:r>
+              <a:rPr lang="en-US" dirty="0" err="1"/>
+              <a:t>Auxilio</a:t>
+            </a:r>
+            <a:r>
+              <a:rPr lang="en-US" dirty="0"/>
+              <a:t> Medina. Associating students and teachers for tutoring in higher education </a:t>
+            </a:r>
+            <a:r>
+              <a:rPr lang="en-US" dirty="0" err="1"/>
+              <a:t>usin</a:t>
+            </a:r>
+            <a:r>
+              <a:rPr lang="en-US" dirty="0"/>
+              <a:t> clustering and data mining. Computer Applications in Engineering Education, 25(5):823–832, June 2017</a:t>
+            </a:r>
+          </a:p>
+        </p:txBody>
+      </p:sp>
+    </p:spTree>
+    <p:extLst>
+      <p:ext uri="{BB962C8B-B14F-4D97-AF65-F5344CB8AC3E}">
+        <p14:creationId xmlns:p14="http://schemas.microsoft.com/office/powerpoint/2010/main" val="3061621776"/>
       </p:ext>
     </p:extLst>
   </p:cSld>
@@ -6865,7 +7645,7 @@
             </a:r>
             <a:r>
               <a:rPr lang="en-US" sz="2400" baseline="30000" dirty="0"/>
-              <a:t>1</a:t>
+              <a:t>1,2,4</a:t>
             </a:r>
           </a:p>
           <a:p>
@@ -6881,55 +7661,6 @@
             <a:r>
               <a:rPr lang="en-US" sz="2400" dirty="0"/>
               <a:t> </a:t>
-            </a:r>
-          </a:p>
-        </p:txBody>
-      </p:sp>
-      <p:sp>
-        <p:nvSpPr>
-          <p:cNvPr id="5" name="TextBox 4">
-            <a:extLst>
-              <a:ext uri="{FF2B5EF4-FFF2-40B4-BE49-F238E27FC236}">
-                <a16:creationId xmlns:a16="http://schemas.microsoft.com/office/drawing/2014/main" id="{DDABA919-BAB8-EB52-3851-5AB65A0BDDC9}"/>
-              </a:ext>
-            </a:extLst>
-          </p:cNvPr>
-          <p:cNvSpPr txBox="1"/>
-          <p:nvPr/>
-        </p:nvSpPr>
-        <p:spPr>
-          <a:xfrm>
-            <a:off x="838200" y="6338649"/>
-            <a:ext cx="6096000" cy="461665"/>
-          </a:xfrm>
-          <a:prstGeom prst="rect">
-            <a:avLst/>
-          </a:prstGeom>
-          <a:noFill/>
-        </p:spPr>
-        <p:txBody>
-          <a:bodyPr wrap="square">
-            <a:spAutoFit/>
-          </a:bodyPr>
-          <a:lstStyle/>
-          <a:p>
-            <a:r>
-              <a:rPr lang="en-US" sz="1200" baseline="30000" dirty="0"/>
-              <a:t>1</a:t>
-            </a:r>
-            <a:r>
-              <a:rPr lang="en-US" sz="1200" dirty="0"/>
-              <a:t> Tan, 2017; Chan and Bray, 2014; Li and Choi, 2014</a:t>
-            </a:r>
-          </a:p>
-          <a:p>
-            <a:r>
-              <a:rPr lang="en-US" sz="1200" baseline="30000" dirty="0"/>
-              <a:t>2</a:t>
-            </a:r>
-            <a:r>
-              <a:rPr lang="en-US" sz="1200" dirty="0"/>
-              <a:t> Tushara, 2025</a:t>
             </a:r>
           </a:p>
         </p:txBody>
@@ -6998,7 +7729,7 @@
             </a:r>
             <a:r>
               <a:rPr lang="en-US" sz="1600" baseline="30000" dirty="0"/>
-              <a:t>2</a:t>
+              <a:t>5</a:t>
             </a:r>
             <a:endParaRPr lang="en-US" sz="1600" dirty="0"/>
           </a:p>
@@ -7285,7 +8016,7 @@
             </a:r>
             <a:r>
               <a:rPr lang="en-US" sz="2400" baseline="30000" dirty="0"/>
-              <a:t>1 </a:t>
+              <a:t>3 </a:t>
             </a:r>
             <a:r>
               <a:rPr lang="en-US" sz="2400" dirty="0"/>
@@ -7320,7 +8051,7 @@
             </a:r>
             <a:r>
               <a:rPr lang="en-US" sz="2400" baseline="30000" dirty="0"/>
-              <a:t>2 </a:t>
+              <a:t>6 </a:t>
             </a:r>
             <a:r>
               <a:rPr lang="en-US" sz="2400" dirty="0"/>
@@ -7331,55 +8062,6 @@
             <a:r>
               <a:rPr lang="en-US" sz="2400" dirty="0"/>
               <a:t>Cluster students and teachers based on skills including Communication, Digital, Autonomy, and Interpersonal.</a:t>
-            </a:r>
-          </a:p>
-        </p:txBody>
-      </p:sp>
-      <p:sp>
-        <p:nvSpPr>
-          <p:cNvPr id="4" name="TextBox 3">
-            <a:extLst>
-              <a:ext uri="{FF2B5EF4-FFF2-40B4-BE49-F238E27FC236}">
-                <a16:creationId xmlns:a16="http://schemas.microsoft.com/office/drawing/2014/main" id="{545DCE91-E460-49FE-4000-A412D6015718}"/>
-              </a:ext>
-            </a:extLst>
-          </p:cNvPr>
-          <p:cNvSpPr txBox="1"/>
-          <p:nvPr/>
-        </p:nvSpPr>
-        <p:spPr>
-          <a:xfrm>
-            <a:off x="838200" y="6338649"/>
-            <a:ext cx="6096000" cy="461665"/>
-          </a:xfrm>
-          <a:prstGeom prst="rect">
-            <a:avLst/>
-          </a:prstGeom>
-          <a:noFill/>
-        </p:spPr>
-        <p:txBody>
-          <a:bodyPr wrap="square">
-            <a:spAutoFit/>
-          </a:bodyPr>
-          <a:lstStyle/>
-          <a:p>
-            <a:r>
-              <a:rPr lang="en-US" sz="1200" baseline="30000" dirty="0"/>
-              <a:t>1</a:t>
-            </a:r>
-            <a:r>
-              <a:rPr lang="en-US" sz="1200" dirty="0"/>
-              <a:t> Magnanti and Natarajan, 2018</a:t>
-            </a:r>
-          </a:p>
-          <a:p>
-            <a:r>
-              <a:rPr lang="en-US" sz="1200" baseline="30000" dirty="0"/>
-              <a:t>2</a:t>
-            </a:r>
-            <a:r>
-              <a:rPr lang="en-US" sz="1200" dirty="0"/>
-              <a:t> Urbina et al., 2017</a:t>
             </a:r>
           </a:p>
         </p:txBody>
@@ -7774,7 +8456,7 @@
             </a:pPr>
             <a:r>
               <a:rPr lang="en-US" dirty="0"/>
-              <a:t>✅ Sufficient capacity – normal and extensive needs both ok</a:t>
+              <a:t>✅ Sufficient capacity – normal and extensive needs both satisfied</a:t>
             </a:r>
           </a:p>
           <a:p>
@@ -7861,8 +8543,8 @@
           </a:p>
         </p:txBody>
       </p:sp>
-      <mc:AlternateContent xmlns:mc="http://schemas.openxmlformats.org/markup-compatibility/2006">
-        <mc:Choice xmlns:a14="http://schemas.microsoft.com/office/drawing/2010/main" Requires="a14">
+      <mc:AlternateContent xmlns:mc="http://schemas.openxmlformats.org/markup-compatibility/2006" xmlns:a14="http://schemas.microsoft.com/office/drawing/2010/main">
+        <mc:Choice Requires="a14">
           <p:sp>
             <p:nvSpPr>
               <p:cNvPr id="3" name="Content Placeholder 2">
@@ -8495,7 +9177,7 @@
             </p:txBody>
           </p:sp>
         </mc:Choice>
-        <mc:Fallback>
+        <mc:Fallback xmlns="">
           <p:sp>
             <p:nvSpPr>
               <p:cNvPr id="3" name="Content Placeholder 2">

--- a/test_presentation.pptx
+++ b/test_presentation.pptx
@@ -134,7 +134,7 @@
 <file path=ppt/revisionInfo.xml><?xml version="1.0" encoding="utf-8"?>
 <p1510:revInfo xmlns:a="http://schemas.openxmlformats.org/drawingml/2006/main" xmlns:r="http://schemas.openxmlformats.org/officeDocument/2006/relationships" xmlns:p1510="http://schemas.microsoft.com/office/powerpoint/2015/10/main">
   <p1510:revLst>
-    <p1510:client id="{041D70CF-5F4E-4E4E-B90B-6FAACDCB4082}" v="491" dt="2025-10-07T17:04:30.369"/>
+    <p1510:client id="{294A4DDB-968B-48DC-B660-D9DC0CE71C31}" v="5" dt="2025-11-19T13:30:25.194"/>
   </p1510:revLst>
 </p1510:revInfo>
 </file>
@@ -142,36 +142,20 @@
 <file path=ppt/changesInfos/changesInfo1.xml><?xml version="1.0" encoding="utf-8"?>
 <pc:chgInfo xmlns:a="http://schemas.openxmlformats.org/drawingml/2006/main" xmlns:r="http://schemas.openxmlformats.org/officeDocument/2006/relationships" xmlns:ac="http://schemas.microsoft.com/office/drawing/2013/main/command" xmlns:pc="http://schemas.microsoft.com/office/powerpoint/2013/main/command">
   <pc:docChgLst>
-    <pc:chgData name="PhD - Teo Hong Jie Darryl" userId="4d248269-a284-4223-a368-54cf77bc2846" providerId="ADAL" clId="{74553948-A13E-4153-A2D4-579571E5685D}"/>
-    <pc:docChg chg="undo redo custSel addSld delSld modSld">
-      <pc:chgData name="PhD - Teo Hong Jie Darryl" userId="4d248269-a284-4223-a368-54cf77bc2846" providerId="ADAL" clId="{74553948-A13E-4153-A2D4-579571E5685D}" dt="2025-10-07T17:07:36.547" v="3365" actId="20577"/>
+    <pc:chgData name="Darryl Hong Jie Teo" userId="d05e72c8-3c7d-435c-9a8e-91fea3cd7905" providerId="ADAL" clId="{74553948-A13E-4153-A2D4-579571E5685D}"/>
+    <pc:docChg chg="custSel mod modSld">
+      <pc:chgData name="Darryl Hong Jie Teo" userId="d05e72c8-3c7d-435c-9a8e-91fea3cd7905" providerId="ADAL" clId="{74553948-A13E-4153-A2D4-579571E5685D}" dt="2025-11-30T04:20:55.394" v="28" actId="1076"/>
       <pc:docMkLst>
         <pc:docMk/>
       </pc:docMkLst>
-      <pc:sldChg chg="addSp delSp modSp mod">
-        <pc:chgData name="PhD - Teo Hong Jie Darryl" userId="4d248269-a284-4223-a368-54cf77bc2846" providerId="ADAL" clId="{74553948-A13E-4153-A2D4-579571E5685D}" dt="2025-10-07T17:04:10.161" v="2862" actId="478"/>
+      <pc:sldChg chg="modSp mod">
+        <pc:chgData name="Darryl Hong Jie Teo" userId="d05e72c8-3c7d-435c-9a8e-91fea3cd7905" providerId="ADAL" clId="{74553948-A13E-4153-A2D4-579571E5685D}" dt="2025-11-19T12:21:53.156" v="20" actId="1076"/>
         <pc:sldMkLst>
           <pc:docMk/>
           <pc:sldMk cId="839424154" sldId="257"/>
         </pc:sldMkLst>
         <pc:spChg chg="mod">
-          <ac:chgData name="PhD - Teo Hong Jie Darryl" userId="4d248269-a284-4223-a368-54cf77bc2846" providerId="ADAL" clId="{74553948-A13E-4153-A2D4-579571E5685D}" dt="2025-10-07T17:03:04.058" v="2854" actId="20577"/>
-          <ac:spMkLst>
-            <pc:docMk/>
-            <pc:sldMk cId="839424154" sldId="257"/>
-            <ac:spMk id="3" creationId="{37203612-1EBE-4CE1-F97F-5B3DF68F77DA}"/>
-          </ac:spMkLst>
-        </pc:spChg>
-        <pc:spChg chg="add del">
-          <ac:chgData name="PhD - Teo Hong Jie Darryl" userId="4d248269-a284-4223-a368-54cf77bc2846" providerId="ADAL" clId="{74553948-A13E-4153-A2D4-579571E5685D}" dt="2025-10-07T17:04:10.161" v="2862" actId="478"/>
-          <ac:spMkLst>
-            <pc:docMk/>
-            <pc:sldMk cId="839424154" sldId="257"/>
-            <ac:spMk id="5" creationId="{DDABA919-BAB8-EB52-3851-5AB65A0BDDC9}"/>
-          </ac:spMkLst>
-        </pc:spChg>
-        <pc:spChg chg="mod">
-          <ac:chgData name="PhD - Teo Hong Jie Darryl" userId="4d248269-a284-4223-a368-54cf77bc2846" providerId="ADAL" clId="{74553948-A13E-4153-A2D4-579571E5685D}" dt="2025-10-07T17:03:09.973" v="2856" actId="20577"/>
+          <ac:chgData name="Darryl Hong Jie Teo" userId="d05e72c8-3c7d-435c-9a8e-91fea3cd7905" providerId="ADAL" clId="{74553948-A13E-4153-A2D4-579571E5685D}" dt="2025-11-19T12:21:53.156" v="20" actId="1076"/>
           <ac:spMkLst>
             <pc:docMk/>
             <pc:sldMk cId="839424154" sldId="257"/>
@@ -179,445 +163,43 @@
           </ac:spMkLst>
         </pc:spChg>
       </pc:sldChg>
-      <pc:sldChg chg="modSp mod">
-        <pc:chgData name="PhD - Teo Hong Jie Darryl" userId="4d248269-a284-4223-a368-54cf77bc2846" providerId="ADAL" clId="{74553948-A13E-4153-A2D4-579571E5685D}" dt="2025-10-07T15:50:05.960" v="1240"/>
-        <pc:sldMkLst>
-          <pc:docMk/>
-          <pc:sldMk cId="2297413212" sldId="258"/>
-        </pc:sldMkLst>
-        <pc:spChg chg="mod">
-          <ac:chgData name="PhD - Teo Hong Jie Darryl" userId="4d248269-a284-4223-a368-54cf77bc2846" providerId="ADAL" clId="{74553948-A13E-4153-A2D4-579571E5685D}" dt="2025-10-07T15:50:05.960" v="1240"/>
-          <ac:spMkLst>
-            <pc:docMk/>
-            <pc:sldMk cId="2297413212" sldId="258"/>
-            <ac:spMk id="3" creationId="{13F5A48E-A8AE-0FA3-8F41-5B835917901D}"/>
-          </ac:spMkLst>
-        </pc:spChg>
-      </pc:sldChg>
-      <pc:sldChg chg="delSp modSp mod">
-        <pc:chgData name="PhD - Teo Hong Jie Darryl" userId="4d248269-a284-4223-a368-54cf77bc2846" providerId="ADAL" clId="{74553948-A13E-4153-A2D4-579571E5685D}" dt="2025-10-07T17:02:33.478" v="2850" actId="20577"/>
-        <pc:sldMkLst>
-          <pc:docMk/>
-          <pc:sldMk cId="983274224" sldId="259"/>
-        </pc:sldMkLst>
-        <pc:spChg chg="mod">
-          <ac:chgData name="PhD - Teo Hong Jie Darryl" userId="4d248269-a284-4223-a368-54cf77bc2846" providerId="ADAL" clId="{74553948-A13E-4153-A2D4-579571E5685D}" dt="2025-10-07T17:02:33.478" v="2850" actId="20577"/>
-          <ac:spMkLst>
-            <pc:docMk/>
-            <pc:sldMk cId="983274224" sldId="259"/>
-            <ac:spMk id="3" creationId="{7E489B6A-9AEE-33BC-0C25-FCFBA743A7A6}"/>
-          </ac:spMkLst>
-        </pc:spChg>
-        <pc:spChg chg="del">
-          <ac:chgData name="PhD - Teo Hong Jie Darryl" userId="4d248269-a284-4223-a368-54cf77bc2846" providerId="ADAL" clId="{74553948-A13E-4153-A2D4-579571E5685D}" dt="2025-10-07T17:02:11.422" v="2844" actId="478"/>
-          <ac:spMkLst>
-            <pc:docMk/>
-            <pc:sldMk cId="983274224" sldId="259"/>
-            <ac:spMk id="4" creationId="{545DCE91-E460-49FE-4000-A412D6015718}"/>
-          </ac:spMkLst>
-        </pc:spChg>
-      </pc:sldChg>
-      <pc:sldChg chg="modSp mod">
-        <pc:chgData name="PhD - Teo Hong Jie Darryl" userId="4d248269-a284-4223-a368-54cf77bc2846" providerId="ADAL" clId="{74553948-A13E-4153-A2D4-579571E5685D}" dt="2025-10-07T15:50:05.960" v="1240"/>
-        <pc:sldMkLst>
-          <pc:docMk/>
-          <pc:sldMk cId="3581293411" sldId="260"/>
-        </pc:sldMkLst>
-        <pc:spChg chg="mod">
-          <ac:chgData name="PhD - Teo Hong Jie Darryl" userId="4d248269-a284-4223-a368-54cf77bc2846" providerId="ADAL" clId="{74553948-A13E-4153-A2D4-579571E5685D}" dt="2025-10-07T15:50:05.960" v="1240"/>
-          <ac:spMkLst>
-            <pc:docMk/>
-            <pc:sldMk cId="3581293411" sldId="260"/>
-            <ac:spMk id="3" creationId="{344759D9-40B3-910C-363D-B27EDB23826C}"/>
-          </ac:spMkLst>
-        </pc:spChg>
-      </pc:sldChg>
-      <pc:sldChg chg="addSp delSp modSp mod">
-        <pc:chgData name="PhD - Teo Hong Jie Darryl" userId="4d248269-a284-4223-a368-54cf77bc2846" providerId="ADAL" clId="{74553948-A13E-4153-A2D4-579571E5685D}" dt="2025-10-07T15:50:05.960" v="1240"/>
+      <pc:sldChg chg="modSp">
+        <pc:chgData name="Darryl Hong Jie Teo" userId="d05e72c8-3c7d-435c-9a8e-91fea3cd7905" providerId="ADAL" clId="{74553948-A13E-4153-A2D4-579571E5685D}" dt="2025-11-19T13:30:25.194" v="25" actId="20577"/>
         <pc:sldMkLst>
           <pc:docMk/>
           <pc:sldMk cId="1106750469" sldId="261"/>
         </pc:sldMkLst>
         <pc:spChg chg="mod">
-          <ac:chgData name="PhD - Teo Hong Jie Darryl" userId="4d248269-a284-4223-a368-54cf77bc2846" providerId="ADAL" clId="{74553948-A13E-4153-A2D4-579571E5685D}" dt="2025-10-07T15:50:05.960" v="1240"/>
+          <ac:chgData name="Darryl Hong Jie Teo" userId="d05e72c8-3c7d-435c-9a8e-91fea3cd7905" providerId="ADAL" clId="{74553948-A13E-4153-A2D4-579571E5685D}" dt="2025-11-19T13:30:25.194" v="25" actId="20577"/>
           <ac:spMkLst>
             <pc:docMk/>
             <pc:sldMk cId="1106750469" sldId="261"/>
             <ac:spMk id="3" creationId="{6C692743-3EAD-7B33-C42A-90D51793D2B5}"/>
           </ac:spMkLst>
         </pc:spChg>
-        <pc:spChg chg="add del">
-          <ac:chgData name="PhD - Teo Hong Jie Darryl" userId="4d248269-a284-4223-a368-54cf77bc2846" providerId="ADAL" clId="{74553948-A13E-4153-A2D4-579571E5685D}" dt="2025-10-07T12:40:18.515" v="902" actId="22"/>
-          <ac:spMkLst>
-            <pc:docMk/>
-            <pc:sldMk cId="1106750469" sldId="261"/>
-            <ac:spMk id="5" creationId="{0776CDF0-23E6-FFF2-8542-D7027B47E897}"/>
-          </ac:spMkLst>
-        </pc:spChg>
-      </pc:sldChg>
-      <pc:sldChg chg="modSp mod">
-        <pc:chgData name="PhD - Teo Hong Jie Darryl" userId="4d248269-a284-4223-a368-54cf77bc2846" providerId="ADAL" clId="{74553948-A13E-4153-A2D4-579571E5685D}" dt="2025-10-07T15:50:05.960" v="1240"/>
-        <pc:sldMkLst>
-          <pc:docMk/>
-          <pc:sldMk cId="1571870719" sldId="262"/>
-        </pc:sldMkLst>
-        <pc:spChg chg="mod">
-          <ac:chgData name="PhD - Teo Hong Jie Darryl" userId="4d248269-a284-4223-a368-54cf77bc2846" providerId="ADAL" clId="{74553948-A13E-4153-A2D4-579571E5685D}" dt="2025-10-07T15:50:05.960" v="1240"/>
-          <ac:spMkLst>
-            <pc:docMk/>
-            <pc:sldMk cId="1571870719" sldId="262"/>
-            <ac:spMk id="3" creationId="{CBB31ADD-60E8-2E88-05D4-785FFD7696BA}"/>
-          </ac:spMkLst>
-        </pc:spChg>
-      </pc:sldChg>
-      <pc:sldChg chg="modSp mod">
-        <pc:chgData name="PhD - Teo Hong Jie Darryl" userId="4d248269-a284-4223-a368-54cf77bc2846" providerId="ADAL" clId="{74553948-A13E-4153-A2D4-579571E5685D}" dt="2025-10-07T15:57:58.696" v="1331" actId="255"/>
-        <pc:sldMkLst>
-          <pc:docMk/>
-          <pc:sldMk cId="1576875330" sldId="263"/>
-        </pc:sldMkLst>
-        <pc:spChg chg="mod">
-          <ac:chgData name="PhD - Teo Hong Jie Darryl" userId="4d248269-a284-4223-a368-54cf77bc2846" providerId="ADAL" clId="{74553948-A13E-4153-A2D4-579571E5685D}" dt="2025-10-07T15:57:58.696" v="1331" actId="255"/>
-          <ac:spMkLst>
-            <pc:docMk/>
-            <pc:sldMk cId="1576875330" sldId="263"/>
-            <ac:spMk id="3" creationId="{74C08170-7F9D-8E42-368F-78418917AEFD}"/>
-          </ac:spMkLst>
-        </pc:spChg>
       </pc:sldChg>
       <pc:sldChg chg="addSp delSp modSp mod">
-        <pc:chgData name="PhD - Teo Hong Jie Darryl" userId="4d248269-a284-4223-a368-54cf77bc2846" providerId="ADAL" clId="{74553948-A13E-4153-A2D4-579571E5685D}" dt="2025-10-07T16:23:40.425" v="1880" actId="403"/>
-        <pc:sldMkLst>
-          <pc:docMk/>
-          <pc:sldMk cId="4075300097" sldId="264"/>
-        </pc:sldMkLst>
-        <pc:spChg chg="mod">
-          <ac:chgData name="PhD - Teo Hong Jie Darryl" userId="4d248269-a284-4223-a368-54cf77bc2846" providerId="ADAL" clId="{74553948-A13E-4153-A2D4-579571E5685D}" dt="2025-10-07T16:18:23.008" v="1359" actId="20577"/>
-          <ac:spMkLst>
-            <pc:docMk/>
-            <pc:sldMk cId="4075300097" sldId="264"/>
-            <ac:spMk id="2" creationId="{62734F31-5345-707C-A13F-9B12AC4E72C5}"/>
-          </ac:spMkLst>
-        </pc:spChg>
-        <pc:spChg chg="del">
-          <ac:chgData name="PhD - Teo Hong Jie Darryl" userId="4d248269-a284-4223-a368-54cf77bc2846" providerId="ADAL" clId="{74553948-A13E-4153-A2D4-579571E5685D}" dt="2025-10-07T16:18:01.231" v="1344" actId="478"/>
-          <ac:spMkLst>
-            <pc:docMk/>
-            <pc:sldMk cId="4075300097" sldId="264"/>
-            <ac:spMk id="3" creationId="{CDA3ED9C-9410-2A18-AF17-47E487299910}"/>
-          </ac:spMkLst>
-        </pc:spChg>
-        <pc:spChg chg="add del mod">
-          <ac:chgData name="PhD - Teo Hong Jie Darryl" userId="4d248269-a284-4223-a368-54cf77bc2846" providerId="ADAL" clId="{74553948-A13E-4153-A2D4-579571E5685D}" dt="2025-10-07T16:18:08.611" v="1347"/>
-          <ac:spMkLst>
-            <pc:docMk/>
-            <pc:sldMk cId="4075300097" sldId="264"/>
-            <ac:spMk id="6" creationId="{E2C27862-85A8-FB95-5EDD-2FF43717A1C5}"/>
-          </ac:spMkLst>
-        </pc:spChg>
-        <pc:spChg chg="add mod">
-          <ac:chgData name="PhD - Teo Hong Jie Darryl" userId="4d248269-a284-4223-a368-54cf77bc2846" providerId="ADAL" clId="{74553948-A13E-4153-A2D4-579571E5685D}" dt="2025-10-07T16:23:37.571" v="1878" actId="403"/>
-          <ac:spMkLst>
-            <pc:docMk/>
-            <pc:sldMk cId="4075300097" sldId="264"/>
-            <ac:spMk id="7" creationId="{FE3E4ACE-5D0C-C128-B842-D992AABDF24B}"/>
-          </ac:spMkLst>
-        </pc:spChg>
-        <pc:spChg chg="add mod">
-          <ac:chgData name="PhD - Teo Hong Jie Darryl" userId="4d248269-a284-4223-a368-54cf77bc2846" providerId="ADAL" clId="{74553948-A13E-4153-A2D4-579571E5685D}" dt="2025-10-07T16:23:40.425" v="1880" actId="403"/>
-          <ac:spMkLst>
-            <pc:docMk/>
-            <pc:sldMk cId="4075300097" sldId="264"/>
-            <ac:spMk id="10" creationId="{2B5E424D-F743-FF25-BD9B-F963272EF39A}"/>
-          </ac:spMkLst>
-        </pc:spChg>
-        <pc:picChg chg="add mod">
-          <ac:chgData name="PhD - Teo Hong Jie Darryl" userId="4d248269-a284-4223-a368-54cf77bc2846" providerId="ADAL" clId="{74553948-A13E-4153-A2D4-579571E5685D}" dt="2025-10-07T16:19:35.569" v="1588" actId="1076"/>
-          <ac:picMkLst>
-            <pc:docMk/>
-            <pc:sldMk cId="4075300097" sldId="264"/>
-            <ac:picMk id="5" creationId="{FAF53767-2BA1-C734-18DB-198F37707335}"/>
-          </ac:picMkLst>
-        </pc:picChg>
-        <pc:picChg chg="add mod">
-          <ac:chgData name="PhD - Teo Hong Jie Darryl" userId="4d248269-a284-4223-a368-54cf77bc2846" providerId="ADAL" clId="{74553948-A13E-4153-A2D4-579571E5685D}" dt="2025-10-07T16:19:49.483" v="1590" actId="1076"/>
-          <ac:picMkLst>
-            <pc:docMk/>
-            <pc:sldMk cId="4075300097" sldId="264"/>
-            <ac:picMk id="9" creationId="{CD149EC3-7237-F093-0B06-40000671860F}"/>
-          </ac:picMkLst>
-        </pc:picChg>
-      </pc:sldChg>
-      <pc:sldChg chg="addSp delSp modSp mod">
-        <pc:chgData name="PhD - Teo Hong Jie Darryl" userId="4d248269-a284-4223-a368-54cf77bc2846" providerId="ADAL" clId="{74553948-A13E-4153-A2D4-579571E5685D}" dt="2025-10-07T16:26:31.410" v="2165" actId="1036"/>
+        <pc:chgData name="Darryl Hong Jie Teo" userId="d05e72c8-3c7d-435c-9a8e-91fea3cd7905" providerId="ADAL" clId="{74553948-A13E-4153-A2D4-579571E5685D}" dt="2025-11-30T04:20:55.394" v="28" actId="1076"/>
         <pc:sldMkLst>
           <pc:docMk/>
           <pc:sldMk cId="1744687058" sldId="265"/>
         </pc:sldMkLst>
-        <pc:spChg chg="del">
-          <ac:chgData name="PhD - Teo Hong Jie Darryl" userId="4d248269-a284-4223-a368-54cf77bc2846" providerId="ADAL" clId="{74553948-A13E-4153-A2D4-579571E5685D}" dt="2025-10-07T16:23:24.125" v="1875" actId="478"/>
-          <ac:spMkLst>
+        <pc:picChg chg="add mod">
+          <ac:chgData name="Darryl Hong Jie Teo" userId="d05e72c8-3c7d-435c-9a8e-91fea3cd7905" providerId="ADAL" clId="{74553948-A13E-4153-A2D4-579571E5685D}" dt="2025-11-30T04:20:55.394" v="28" actId="1076"/>
+          <ac:picMkLst>
             <pc:docMk/>
             <pc:sldMk cId="1744687058" sldId="265"/>
-            <ac:spMk id="3" creationId="{852AC60A-EABA-64FE-C964-2596721AD4E9}"/>
-          </ac:spMkLst>
-        </pc:spChg>
-        <pc:spChg chg="add mod">
-          <ac:chgData name="PhD - Teo Hong Jie Darryl" userId="4d248269-a284-4223-a368-54cf77bc2846" providerId="ADAL" clId="{74553948-A13E-4153-A2D4-579571E5685D}" dt="2025-10-07T16:24:54.729" v="2066" actId="20577"/>
-          <ac:spMkLst>
-            <pc:docMk/>
-            <pc:sldMk cId="1744687058" sldId="265"/>
-            <ac:spMk id="6" creationId="{00A80702-D211-5A72-A20F-9F0B573A49CE}"/>
-          </ac:spMkLst>
-        </pc:spChg>
-        <pc:spChg chg="add mod">
-          <ac:chgData name="PhD - Teo Hong Jie Darryl" userId="4d248269-a284-4223-a368-54cf77bc2846" providerId="ADAL" clId="{74553948-A13E-4153-A2D4-579571E5685D}" dt="2025-10-07T16:26:31.410" v="2165" actId="1036"/>
-          <ac:spMkLst>
-            <pc:docMk/>
-            <pc:sldMk cId="1744687058" sldId="265"/>
-            <ac:spMk id="9" creationId="{65A7F0BB-B5D8-D625-6FCC-23967D26F5C1}"/>
-          </ac:spMkLst>
-        </pc:spChg>
-        <pc:picChg chg="add mod">
-          <ac:chgData name="PhD - Teo Hong Jie Darryl" userId="4d248269-a284-4223-a368-54cf77bc2846" providerId="ADAL" clId="{74553948-A13E-4153-A2D4-579571E5685D}" dt="2025-10-07T16:23:27.999" v="1876" actId="1076"/>
+            <ac:picMk id="4" creationId="{2666AA2C-7428-3E00-6464-66AAEA090A2B}"/>
+          </ac:picMkLst>
+        </pc:picChg>
+        <pc:picChg chg="del">
+          <ac:chgData name="Darryl Hong Jie Teo" userId="d05e72c8-3c7d-435c-9a8e-91fea3cd7905" providerId="ADAL" clId="{74553948-A13E-4153-A2D4-579571E5685D}" dt="2025-11-30T04:20:49.144" v="26" actId="478"/>
           <ac:picMkLst>
             <pc:docMk/>
             <pc:sldMk cId="1744687058" sldId="265"/>
             <ac:picMk id="5" creationId="{B282DA6B-EAE4-868B-CA0A-3061B11A0ED6}"/>
           </ac:picMkLst>
         </pc:picChg>
-        <pc:picChg chg="add mod">
-          <ac:chgData name="PhD - Teo Hong Jie Darryl" userId="4d248269-a284-4223-a368-54cf77bc2846" providerId="ADAL" clId="{74553948-A13E-4153-A2D4-579571E5685D}" dt="2025-10-07T16:26:31.410" v="2165" actId="1036"/>
-          <ac:picMkLst>
-            <pc:docMk/>
-            <pc:sldMk cId="1744687058" sldId="265"/>
-            <ac:picMk id="8" creationId="{D8BA8BB5-1D63-A589-9371-71EB2A750129}"/>
-          </ac:picMkLst>
-        </pc:picChg>
-      </pc:sldChg>
-      <pc:sldChg chg="modSp mod">
-        <pc:chgData name="PhD - Teo Hong Jie Darryl" userId="4d248269-a284-4223-a368-54cf77bc2846" providerId="ADAL" clId="{74553948-A13E-4153-A2D4-579571E5685D}" dt="2025-10-07T17:07:36.547" v="3365" actId="20577"/>
-        <pc:sldMkLst>
-          <pc:docMk/>
-          <pc:sldMk cId="2289692239" sldId="266"/>
-        </pc:sldMkLst>
-        <pc:spChg chg="mod">
-          <ac:chgData name="PhD - Teo Hong Jie Darryl" userId="4d248269-a284-4223-a368-54cf77bc2846" providerId="ADAL" clId="{74553948-A13E-4153-A2D4-579571E5685D}" dt="2025-10-07T17:07:36.547" v="3365" actId="20577"/>
-          <ac:spMkLst>
-            <pc:docMk/>
-            <pc:sldMk cId="2289692239" sldId="266"/>
-            <ac:spMk id="3" creationId="{2356CDED-AF10-F4DE-B621-F841531B575C}"/>
-          </ac:spMkLst>
-        </pc:spChg>
-      </pc:sldChg>
-      <pc:sldChg chg="modSp add mod">
-        <pc:chgData name="PhD - Teo Hong Jie Darryl" userId="4d248269-a284-4223-a368-54cf77bc2846" providerId="ADAL" clId="{74553948-A13E-4153-A2D4-579571E5685D}" dt="2025-10-07T16:14:16.186" v="1340" actId="20577"/>
-        <pc:sldMkLst>
-          <pc:docMk/>
-          <pc:sldMk cId="1870322208" sldId="267"/>
-        </pc:sldMkLst>
-        <pc:spChg chg="mod">
-          <ac:chgData name="PhD - Teo Hong Jie Darryl" userId="4d248269-a284-4223-a368-54cf77bc2846" providerId="ADAL" clId="{74553948-A13E-4153-A2D4-579571E5685D}" dt="2025-10-07T12:21:33.223" v="546" actId="20577"/>
-          <ac:spMkLst>
-            <pc:docMk/>
-            <pc:sldMk cId="1870322208" sldId="267"/>
-            <ac:spMk id="2" creationId="{9685E650-B841-F059-A0EE-5C55EE2F2834}"/>
-          </ac:spMkLst>
-        </pc:spChg>
-        <pc:spChg chg="mod">
-          <ac:chgData name="PhD - Teo Hong Jie Darryl" userId="4d248269-a284-4223-a368-54cf77bc2846" providerId="ADAL" clId="{74553948-A13E-4153-A2D4-579571E5685D}" dt="2025-10-07T16:14:16.186" v="1340" actId="20577"/>
-          <ac:spMkLst>
-            <pc:docMk/>
-            <pc:sldMk cId="1870322208" sldId="267"/>
-            <ac:spMk id="3" creationId="{D51452F6-3D9D-C5CA-F1B2-85CC003BA303}"/>
-          </ac:spMkLst>
-        </pc:spChg>
-      </pc:sldChg>
-      <pc:sldChg chg="addSp delSp modSp new mod setBg">
-        <pc:chgData name="PhD - Teo Hong Jie Darryl" userId="4d248269-a284-4223-a368-54cf77bc2846" providerId="ADAL" clId="{74553948-A13E-4153-A2D4-579571E5685D}" dt="2025-10-07T12:25:26.509" v="617" actId="26606"/>
-        <pc:sldMkLst>
-          <pc:docMk/>
-          <pc:sldMk cId="2576153535" sldId="268"/>
-        </pc:sldMkLst>
-        <pc:spChg chg="mod">
-          <ac:chgData name="PhD - Teo Hong Jie Darryl" userId="4d248269-a284-4223-a368-54cf77bc2846" providerId="ADAL" clId="{74553948-A13E-4153-A2D4-579571E5685D}" dt="2025-10-07T12:25:26.509" v="617" actId="26606"/>
-          <ac:spMkLst>
-            <pc:docMk/>
-            <pc:sldMk cId="2576153535" sldId="268"/>
-            <ac:spMk id="2" creationId="{3F0D960A-C4AD-AA80-1D64-27743C6401CA}"/>
-          </ac:spMkLst>
-        </pc:spChg>
-        <pc:spChg chg="del">
-          <ac:chgData name="PhD - Teo Hong Jie Darryl" userId="4d248269-a284-4223-a368-54cf77bc2846" providerId="ADAL" clId="{74553948-A13E-4153-A2D4-579571E5685D}" dt="2025-10-07T12:22:44.457" v="574" actId="22"/>
-          <ac:spMkLst>
-            <pc:docMk/>
-            <pc:sldMk cId="2576153535" sldId="268"/>
-            <ac:spMk id="3" creationId="{EB85A26C-5761-64DF-3C21-004167E10888}"/>
-          </ac:spMkLst>
-        </pc:spChg>
-        <pc:spChg chg="add del">
-          <ac:chgData name="PhD - Teo Hong Jie Darryl" userId="4d248269-a284-4223-a368-54cf77bc2846" providerId="ADAL" clId="{74553948-A13E-4153-A2D4-579571E5685D}" dt="2025-10-07T12:25:26.509" v="617" actId="26606"/>
-          <ac:spMkLst>
-            <pc:docMk/>
-            <pc:sldMk cId="2576153535" sldId="268"/>
-            <ac:spMk id="16" creationId="{A4D94D20-0EF1-4E8B-A0E1-117A9E413A5C}"/>
-          </ac:spMkLst>
-        </pc:spChg>
-        <pc:spChg chg="add del">
-          <ac:chgData name="PhD - Teo Hong Jie Darryl" userId="4d248269-a284-4223-a368-54cf77bc2846" providerId="ADAL" clId="{74553948-A13E-4153-A2D4-579571E5685D}" dt="2025-10-07T12:25:26.509" v="617" actId="26606"/>
-          <ac:spMkLst>
-            <pc:docMk/>
-            <pc:sldMk cId="2576153535" sldId="268"/>
-            <ac:spMk id="18" creationId="{158B3569-73B2-4D05-8E95-886A6EE17F1F}"/>
-          </ac:spMkLst>
-        </pc:spChg>
-        <pc:grpChg chg="add del">
-          <ac:chgData name="PhD - Teo Hong Jie Darryl" userId="4d248269-a284-4223-a368-54cf77bc2846" providerId="ADAL" clId="{74553948-A13E-4153-A2D4-579571E5685D}" dt="2025-10-07T12:25:26.509" v="617" actId="26606"/>
-          <ac:grpSpMkLst>
-            <pc:docMk/>
-            <pc:sldMk cId="2576153535" sldId="268"/>
-            <ac:grpSpMk id="22" creationId="{78B3681E-1C1D-4D0E-A1DE-AE2E3D03C2CD}"/>
-          </ac:grpSpMkLst>
-        </pc:grpChg>
-        <pc:picChg chg="add mod ord">
-          <ac:chgData name="PhD - Teo Hong Jie Darryl" userId="4d248269-a284-4223-a368-54cf77bc2846" providerId="ADAL" clId="{74553948-A13E-4153-A2D4-579571E5685D}" dt="2025-10-07T12:25:26.509" v="617" actId="26606"/>
-          <ac:picMkLst>
-            <pc:docMk/>
-            <pc:sldMk cId="2576153535" sldId="268"/>
-            <ac:picMk id="5" creationId="{3154EBA5-6C1D-5E90-884A-9B45EFC3B73D}"/>
-          </ac:picMkLst>
-        </pc:picChg>
-        <pc:picChg chg="add mod">
-          <ac:chgData name="PhD - Teo Hong Jie Darryl" userId="4d248269-a284-4223-a368-54cf77bc2846" providerId="ADAL" clId="{74553948-A13E-4153-A2D4-579571E5685D}" dt="2025-10-07T12:25:26.509" v="617" actId="26606"/>
-          <ac:picMkLst>
-            <pc:docMk/>
-            <pc:sldMk cId="2576153535" sldId="268"/>
-            <ac:picMk id="7" creationId="{40868573-EA9E-B94C-46C3-27F546F03AF0}"/>
-          </ac:picMkLst>
-        </pc:picChg>
-        <pc:picChg chg="add del">
-          <ac:chgData name="PhD - Teo Hong Jie Darryl" userId="4d248269-a284-4223-a368-54cf77bc2846" providerId="ADAL" clId="{74553948-A13E-4153-A2D4-579571E5685D}" dt="2025-10-07T12:23:27.126" v="592" actId="22"/>
-          <ac:picMkLst>
-            <pc:docMk/>
-            <pc:sldMk cId="2576153535" sldId="268"/>
-            <ac:picMk id="9" creationId="{42038E21-8331-F21C-B621-E4B0ABAD1CCA}"/>
-          </ac:picMkLst>
-        </pc:picChg>
-        <pc:picChg chg="add mod ord">
-          <ac:chgData name="PhD - Teo Hong Jie Darryl" userId="4d248269-a284-4223-a368-54cf77bc2846" providerId="ADAL" clId="{74553948-A13E-4153-A2D4-579571E5685D}" dt="2025-10-07T12:25:26.509" v="617" actId="26606"/>
-          <ac:picMkLst>
-            <pc:docMk/>
-            <pc:sldMk cId="2576153535" sldId="268"/>
-            <ac:picMk id="11" creationId="{67343A18-0E24-C06F-9BF7-AD03A9A5D36E}"/>
-          </ac:picMkLst>
-        </pc:picChg>
-        <pc:cxnChg chg="add del">
-          <ac:chgData name="PhD - Teo Hong Jie Darryl" userId="4d248269-a284-4223-a368-54cf77bc2846" providerId="ADAL" clId="{74553948-A13E-4153-A2D4-579571E5685D}" dt="2025-10-07T12:25:26.509" v="617" actId="26606"/>
-          <ac:cxnSpMkLst>
-            <pc:docMk/>
-            <pc:sldMk cId="2576153535" sldId="268"/>
-            <ac:cxnSpMk id="20" creationId="{56020367-4FD5-4596-8E10-C5F095CD8DBF}"/>
-          </ac:cxnSpMkLst>
-        </pc:cxnChg>
-      </pc:sldChg>
-      <pc:sldChg chg="modSp add mod">
-        <pc:chgData name="PhD - Teo Hong Jie Darryl" userId="4d248269-a284-4223-a368-54cf77bc2846" providerId="ADAL" clId="{74553948-A13E-4153-A2D4-579571E5685D}" dt="2025-10-07T12:46:33.292" v="949" actId="15"/>
-        <pc:sldMkLst>
-          <pc:docMk/>
-          <pc:sldMk cId="193619896" sldId="269"/>
-        </pc:sldMkLst>
-        <pc:spChg chg="mod">
-          <ac:chgData name="PhD - Teo Hong Jie Darryl" userId="4d248269-a284-4223-a368-54cf77bc2846" providerId="ADAL" clId="{74553948-A13E-4153-A2D4-579571E5685D}" dt="2025-10-07T12:46:33.292" v="949" actId="15"/>
-          <ac:spMkLst>
-            <pc:docMk/>
-            <pc:sldMk cId="193619896" sldId="269"/>
-            <ac:spMk id="3" creationId="{132821E9-466B-7834-1E8D-0C89DBC56120}"/>
-          </ac:spMkLst>
-        </pc:spChg>
-      </pc:sldChg>
-      <pc:sldChg chg="modSp add mod">
-        <pc:chgData name="PhD - Teo Hong Jie Darryl" userId="4d248269-a284-4223-a368-54cf77bc2846" providerId="ADAL" clId="{74553948-A13E-4153-A2D4-579571E5685D}" dt="2025-10-07T14:30:21.060" v="1233" actId="1076"/>
-        <pc:sldMkLst>
-          <pc:docMk/>
-          <pc:sldMk cId="406569560" sldId="270"/>
-        </pc:sldMkLst>
-        <pc:spChg chg="mod">
-          <ac:chgData name="PhD - Teo Hong Jie Darryl" userId="4d248269-a284-4223-a368-54cf77bc2846" providerId="ADAL" clId="{74553948-A13E-4153-A2D4-579571E5685D}" dt="2025-10-07T14:30:21.060" v="1233" actId="1076"/>
-          <ac:spMkLst>
-            <pc:docMk/>
-            <pc:sldMk cId="406569560" sldId="270"/>
-            <ac:spMk id="3" creationId="{5B133C0B-CA46-AC42-A2FE-17BB7478DF4C}"/>
-          </ac:spMkLst>
-        </pc:spChg>
-      </pc:sldChg>
-      <pc:sldChg chg="addSp delSp modSp add mod">
-        <pc:chgData name="PhD - Teo Hong Jie Darryl" userId="4d248269-a284-4223-a368-54cf77bc2846" providerId="ADAL" clId="{74553948-A13E-4153-A2D4-579571E5685D}" dt="2025-10-07T16:50:09.482" v="2823" actId="5793"/>
-        <pc:sldMkLst>
-          <pc:docMk/>
-          <pc:sldMk cId="736221231" sldId="271"/>
-        </pc:sldMkLst>
-        <pc:spChg chg="mod">
-          <ac:chgData name="PhD - Teo Hong Jie Darryl" userId="4d248269-a284-4223-a368-54cf77bc2846" providerId="ADAL" clId="{74553948-A13E-4153-A2D4-579571E5685D}" dt="2025-10-07T16:50:09.482" v="2823" actId="5793"/>
-          <ac:spMkLst>
-            <pc:docMk/>
-            <pc:sldMk cId="736221231" sldId="271"/>
-            <ac:spMk id="2" creationId="{49C09F76-9520-C724-C638-47829F008024}"/>
-          </ac:spMkLst>
-        </pc:spChg>
-        <pc:spChg chg="del">
-          <ac:chgData name="PhD - Teo Hong Jie Darryl" userId="4d248269-a284-4223-a368-54cf77bc2846" providerId="ADAL" clId="{74553948-A13E-4153-A2D4-579571E5685D}" dt="2025-10-07T16:49:59.802" v="2809" actId="478"/>
-          <ac:spMkLst>
-            <pc:docMk/>
-            <pc:sldMk cId="736221231" sldId="271"/>
-            <ac:spMk id="3" creationId="{3D7B4AD2-E2C3-F409-729B-667F1CE708D7}"/>
-          </ac:spMkLst>
-        </pc:spChg>
-        <pc:spChg chg="del">
-          <ac:chgData name="PhD - Teo Hong Jie Darryl" userId="4d248269-a284-4223-a368-54cf77bc2846" providerId="ADAL" clId="{74553948-A13E-4153-A2D4-579571E5685D}" dt="2025-10-07T16:49:57.383" v="2808" actId="478"/>
-          <ac:spMkLst>
-            <pc:docMk/>
-            <pc:sldMk cId="736221231" sldId="271"/>
-            <ac:spMk id="4" creationId="{CD31E84C-41CA-F6AB-A4FA-9805284B6FA9}"/>
-          </ac:spMkLst>
-        </pc:spChg>
-        <pc:spChg chg="add del mod">
-          <ac:chgData name="PhD - Teo Hong Jie Darryl" userId="4d248269-a284-4223-a368-54cf77bc2846" providerId="ADAL" clId="{74553948-A13E-4153-A2D4-579571E5685D}" dt="2025-10-07T16:50:05.275" v="2810" actId="478"/>
-          <ac:spMkLst>
-            <pc:docMk/>
-            <pc:sldMk cId="736221231" sldId="271"/>
-            <ac:spMk id="6" creationId="{BD200A90-A875-929D-961A-4133B3748B52}"/>
-          </ac:spMkLst>
-        </pc:spChg>
-      </pc:sldChg>
-      <pc:sldChg chg="add del">
-        <pc:chgData name="PhD - Teo Hong Jie Darryl" userId="4d248269-a284-4223-a368-54cf77bc2846" providerId="ADAL" clId="{74553948-A13E-4153-A2D4-579571E5685D}" dt="2025-10-07T15:54:49.673" v="1250" actId="47"/>
-        <pc:sldMkLst>
-          <pc:docMk/>
-          <pc:sldMk cId="2481923327" sldId="271"/>
-        </pc:sldMkLst>
-      </pc:sldChg>
-      <pc:sldChg chg="modSp new mod">
-        <pc:chgData name="PhD - Teo Hong Jie Darryl" userId="4d248269-a284-4223-a368-54cf77bc2846" providerId="ADAL" clId="{74553948-A13E-4153-A2D4-579571E5685D}" dt="2025-10-07T16:56:20.209" v="2843" actId="20577"/>
-        <pc:sldMkLst>
-          <pc:docMk/>
-          <pc:sldMk cId="3061621776" sldId="272"/>
-        </pc:sldMkLst>
-        <pc:spChg chg="mod">
-          <ac:chgData name="PhD - Teo Hong Jie Darryl" userId="4d248269-a284-4223-a368-54cf77bc2846" providerId="ADAL" clId="{74553948-A13E-4153-A2D4-579571E5685D}" dt="2025-10-07T16:50:17.542" v="2834" actId="20577"/>
-          <ac:spMkLst>
-            <pc:docMk/>
-            <pc:sldMk cId="3061621776" sldId="272"/>
-            <ac:spMk id="2" creationId="{B5503595-B0E9-C20E-D94F-93851A286517}"/>
-          </ac:spMkLst>
-        </pc:spChg>
-        <pc:spChg chg="mod">
-          <ac:chgData name="PhD - Teo Hong Jie Darryl" userId="4d248269-a284-4223-a368-54cf77bc2846" providerId="ADAL" clId="{74553948-A13E-4153-A2D4-579571E5685D}" dt="2025-10-07T16:56:20.209" v="2843" actId="20577"/>
-          <ac:spMkLst>
-            <pc:docMk/>
-            <pc:sldMk cId="3061621776" sldId="272"/>
-            <ac:spMk id="3" creationId="{9DE53850-E5F2-9DFF-C7DF-ACE09A4B220D}"/>
-          </ac:spMkLst>
-        </pc:spChg>
       </pc:sldChg>
     </pc:docChg>
   </pc:docChgLst>
@@ -706,7 +288,7 @@
           <a:p>
             <a:fld id="{6A54D384-37A1-4E07-B865-A7CF62098C03}" type="datetimeFigureOut">
               <a:rPr lang="en-US" smtClean="0"/>
-              <a:t>10/8/2025</a:t>
+              <a:t>11/30/2025</a:t>
             </a:fld>
             <a:endParaRPr lang="en-US"/>
           </a:p>
@@ -1120,7 +702,7 @@
           <a:p>
             <a:fld id="{61BA9AEA-1374-47CD-B028-4A10FF9380E2}" type="datetimeFigureOut">
               <a:rPr lang="en-US" smtClean="0"/>
-              <a:t>10/8/2025</a:t>
+              <a:t>11/30/2025</a:t>
             </a:fld>
             <a:endParaRPr lang="en-US"/>
           </a:p>
@@ -1318,7 +900,7 @@
           <a:p>
             <a:fld id="{61BA9AEA-1374-47CD-B028-4A10FF9380E2}" type="datetimeFigureOut">
               <a:rPr lang="en-US" smtClean="0"/>
-              <a:t>10/8/2025</a:t>
+              <a:t>11/30/2025</a:t>
             </a:fld>
             <a:endParaRPr lang="en-US"/>
           </a:p>
@@ -1526,7 +1108,7 @@
           <a:p>
             <a:fld id="{61BA9AEA-1374-47CD-B028-4A10FF9380E2}" type="datetimeFigureOut">
               <a:rPr lang="en-US" smtClean="0"/>
-              <a:t>10/8/2025</a:t>
+              <a:t>11/30/2025</a:t>
             </a:fld>
             <a:endParaRPr lang="en-US"/>
           </a:p>
@@ -1724,7 +1306,7 @@
           <a:p>
             <a:fld id="{61BA9AEA-1374-47CD-B028-4A10FF9380E2}" type="datetimeFigureOut">
               <a:rPr lang="en-US" smtClean="0"/>
-              <a:t>10/8/2025</a:t>
+              <a:t>11/30/2025</a:t>
             </a:fld>
             <a:endParaRPr lang="en-US"/>
           </a:p>
@@ -1999,7 +1581,7 @@
           <a:p>
             <a:fld id="{61BA9AEA-1374-47CD-B028-4A10FF9380E2}" type="datetimeFigureOut">
               <a:rPr lang="en-US" smtClean="0"/>
-              <a:t>10/8/2025</a:t>
+              <a:t>11/30/2025</a:t>
             </a:fld>
             <a:endParaRPr lang="en-US"/>
           </a:p>
@@ -2264,7 +1846,7 @@
           <a:p>
             <a:fld id="{61BA9AEA-1374-47CD-B028-4A10FF9380E2}" type="datetimeFigureOut">
               <a:rPr lang="en-US" smtClean="0"/>
-              <a:t>10/8/2025</a:t>
+              <a:t>11/30/2025</a:t>
             </a:fld>
             <a:endParaRPr lang="en-US"/>
           </a:p>
@@ -2676,7 +2258,7 @@
           <a:p>
             <a:fld id="{61BA9AEA-1374-47CD-B028-4A10FF9380E2}" type="datetimeFigureOut">
               <a:rPr lang="en-US" smtClean="0"/>
-              <a:t>10/8/2025</a:t>
+              <a:t>11/30/2025</a:t>
             </a:fld>
             <a:endParaRPr lang="en-US"/>
           </a:p>
@@ -2817,7 +2399,7 @@
           <a:p>
             <a:fld id="{61BA9AEA-1374-47CD-B028-4A10FF9380E2}" type="datetimeFigureOut">
               <a:rPr lang="en-US" smtClean="0"/>
-              <a:t>10/8/2025</a:t>
+              <a:t>11/30/2025</a:t>
             </a:fld>
             <a:endParaRPr lang="en-US"/>
           </a:p>
@@ -2930,7 +2512,7 @@
           <a:p>
             <a:fld id="{61BA9AEA-1374-47CD-B028-4A10FF9380E2}" type="datetimeFigureOut">
               <a:rPr lang="en-US" smtClean="0"/>
-              <a:t>10/8/2025</a:t>
+              <a:t>11/30/2025</a:t>
             </a:fld>
             <a:endParaRPr lang="en-US"/>
           </a:p>
@@ -3241,7 +2823,7 @@
           <a:p>
             <a:fld id="{61BA9AEA-1374-47CD-B028-4A10FF9380E2}" type="datetimeFigureOut">
               <a:rPr lang="en-US" smtClean="0"/>
-              <a:t>10/8/2025</a:t>
+              <a:t>11/30/2025</a:t>
             </a:fld>
             <a:endParaRPr lang="en-US"/>
           </a:p>
@@ -3529,7 +3111,7 @@
           <a:p>
             <a:fld id="{61BA9AEA-1374-47CD-B028-4A10FF9380E2}" type="datetimeFigureOut">
               <a:rPr lang="en-US" smtClean="0"/>
-              <a:t>10/8/2025</a:t>
+              <a:t>11/30/2025</a:t>
             </a:fld>
             <a:endParaRPr lang="en-US"/>
           </a:p>
@@ -3770,7 +3352,7 @@
           <a:p>
             <a:fld id="{61BA9AEA-1374-47CD-B028-4A10FF9380E2}" type="datetimeFigureOut">
               <a:rPr lang="en-US" smtClean="0"/>
-              <a:t>10/8/2025</a:t>
+              <a:t>11/30/2025</a:t>
             </a:fld>
             <a:endParaRPr lang="en-US"/>
           </a:p>
@@ -6969,36 +6551,6 @@
           </a:p>
         </p:txBody>
       </p:sp>
-      <p:pic>
-        <p:nvPicPr>
-          <p:cNvPr id="5" name="Picture 4">
-            <a:extLst>
-              <a:ext uri="{FF2B5EF4-FFF2-40B4-BE49-F238E27FC236}">
-                <a16:creationId xmlns:a16="http://schemas.microsoft.com/office/drawing/2014/main" id="{B282DA6B-EAE4-868B-CA0A-3061B11A0ED6}"/>
-              </a:ext>
-            </a:extLst>
-          </p:cNvPr>
-          <p:cNvPicPr>
-            <a:picLocks noChangeAspect="1"/>
-          </p:cNvPicPr>
-          <p:nvPr/>
-        </p:nvPicPr>
-        <p:blipFill>
-          <a:blip r:embed="rId2"/>
-          <a:stretch>
-            <a:fillRect/>
-          </a:stretch>
-        </p:blipFill>
-        <p:spPr>
-          <a:xfrm>
-            <a:off x="1145169" y="1457050"/>
-            <a:ext cx="3410426" cy="3943900"/>
-          </a:xfrm>
-          <a:prstGeom prst="rect">
-            <a:avLst/>
-          </a:prstGeom>
-        </p:spPr>
-      </p:pic>
       <p:sp>
         <p:nvSpPr>
           <p:cNvPr id="6" name="TextBox 5">
@@ -7057,7 +6609,7 @@
           <p:nvPr/>
         </p:nvPicPr>
         <p:blipFill>
-          <a:blip r:embed="rId3"/>
+          <a:blip r:embed="rId2"/>
           <a:stretch>
             <a:fillRect/>
           </a:stretch>
@@ -7144,6 +6696,36 @@
           </a:p>
         </p:txBody>
       </p:sp>
+      <p:pic>
+        <p:nvPicPr>
+          <p:cNvPr id="4" name="Picture 3">
+            <a:extLst>
+              <a:ext uri="{FF2B5EF4-FFF2-40B4-BE49-F238E27FC236}">
+                <a16:creationId xmlns:a16="http://schemas.microsoft.com/office/drawing/2014/main" id="{2666AA2C-7428-3E00-6464-66AAEA090A2B}"/>
+              </a:ext>
+            </a:extLst>
+          </p:cNvPr>
+          <p:cNvPicPr>
+            <a:picLocks noChangeAspect="1"/>
+          </p:cNvPicPr>
+          <p:nvPr/>
+        </p:nvPicPr>
+        <p:blipFill>
+          <a:blip r:embed="rId3"/>
+          <a:stretch>
+            <a:fillRect/>
+          </a:stretch>
+        </p:blipFill>
+        <p:spPr>
+          <a:xfrm>
+            <a:off x="687759" y="1614234"/>
+            <a:ext cx="4182059" cy="3629532"/>
+          </a:xfrm>
+          <a:prstGeom prst="rect">
+            <a:avLst/>
+          </a:prstGeom>
+        </p:spPr>
+      </p:pic>
     </p:spTree>
     <p:extLst>
       <p:ext uri="{BB962C8B-B14F-4D97-AF65-F5344CB8AC3E}">
@@ -7709,7 +7291,7 @@
         </p:nvSpPr>
         <p:spPr>
           <a:xfrm>
-            <a:off x="4372898" y="5724429"/>
+            <a:off x="3659373" y="5781118"/>
             <a:ext cx="6096000" cy="338554"/>
           </a:xfrm>
           <a:prstGeom prst="rect">
@@ -7725,7 +7307,7 @@
           <a:p>
             <a:r>
               <a:rPr lang="en-US" sz="1600" dirty="0"/>
-              <a:t>Total annual spending on tuition</a:t>
+              <a:t>Total Annual Spending on Tuition in Singapore</a:t>
             </a:r>
             <a:r>
               <a:rPr lang="en-US" sz="1600" baseline="30000" dirty="0"/>
@@ -8890,7 +8472,7 @@
                 </a14:m>
                 <a:r>
                   <a:rPr lang="en-US" sz="1800" dirty="0"/>
-                  <a:t>: coefficient for tutor </a:t>
+                  <a:t>: cost coefficient for tutor </a:t>
                 </a:r>
                 <a14:m>
                   <m:oMath xmlns:m="http://schemas.openxmlformats.org/officeDocument/2006/math">
@@ -9202,7 +8784,7 @@
               <a:blipFill>
                 <a:blip r:embed="rId2"/>
                 <a:stretch>
-                  <a:fillRect l="-928" t="-1673"/>
+                  <a:fillRect l="-928" t="-1673" r="-348"/>
                 </a:stretch>
               </a:blipFill>
             </p:spPr>
